--- a/Analysis/pdf/Integrantes.pptx
+++ b/Analysis/pdf/Integrantes.pptx
@@ -5,19 +5,18 @@
     <p:sldMasterId id="2147483648" r:id="rId1"/>
   </p:sldMasterIdLst>
   <p:notesMasterIdLst>
-    <p:notesMasterId r:id="rId9"/>
+    <p:notesMasterId r:id="rId8"/>
   </p:notesMasterIdLst>
   <p:handoutMasterIdLst>
-    <p:handoutMasterId r:id="rId10"/>
+    <p:handoutMasterId r:id="rId9"/>
   </p:handoutMasterIdLst>
   <p:sldIdLst>
     <p:sldId id="256" r:id="rId2"/>
-    <p:sldId id="259" r:id="rId3"/>
-    <p:sldId id="257" r:id="rId4"/>
-    <p:sldId id="260" r:id="rId5"/>
-    <p:sldId id="261" r:id="rId6"/>
-    <p:sldId id="262" r:id="rId7"/>
-    <p:sldId id="258" r:id="rId8"/>
+    <p:sldId id="257" r:id="rId3"/>
+    <p:sldId id="260" r:id="rId4"/>
+    <p:sldId id="261" r:id="rId5"/>
+    <p:sldId id="262" r:id="rId6"/>
+    <p:sldId id="258" r:id="rId7"/>
   </p:sldIdLst>
   <p:sldSz cx="9144000" cy="6858000" type="screen4x3"/>
   <p:notesSz cx="6858000" cy="9144000"/>
@@ -194,6 +193,11 @@
         </a:xfrm>
       </p:grpSpPr>
     </p:spTree>
+    <p:extLst>
+      <p:ext uri="{BB962C8B-B14F-4D97-AF65-F5344CB8AC3E}">
+        <p14:creationId xmlns:p14="http://schemas.microsoft.com/office/powerpoint/2010/main" val="3195107719"/>
+      </p:ext>
+    </p:extLst>
   </p:cSld>
   <p:clrMap bg1="lt1" tx1="dk1" bg2="lt2" tx2="dk2" accent1="accent1" accent2="accent2" accent3="accent3" accent4="accent4" accent5="accent5" accent6="accent6" hlink="hlink" folHlink="folHlink"/>
 </p:handoutMaster>
@@ -642,6 +646,11 @@
         </p:txBody>
       </p:sp>
     </p:spTree>
+    <p:extLst>
+      <p:ext uri="{BB962C8B-B14F-4D97-AF65-F5344CB8AC3E}">
+        <p14:creationId xmlns:p14="http://schemas.microsoft.com/office/powerpoint/2010/main" val="3700499372"/>
+      </p:ext>
+    </p:extLst>
   </p:cSld>
   <p:clrMap bg1="lt1" tx1="dk1" bg2="lt2" tx2="dk2" accent1="accent1" accent2="accent2" accent3="accent3" accent4="accent4" accent5="accent5" accent6="accent6" hlink="hlink" folHlink="folHlink"/>
   <p:notesStyle>
@@ -854,6 +863,11 @@
         </p:txBody>
       </p:sp>
     </p:spTree>
+    <p:extLst>
+      <p:ext uri="{BB962C8B-B14F-4D97-AF65-F5344CB8AC3E}">
+        <p14:creationId xmlns:p14="http://schemas.microsoft.com/office/powerpoint/2010/main" val="3233186407"/>
+      </p:ext>
+    </p:extLst>
   </p:cSld>
   <p:clrMapOvr>
     <a:masterClrMapping/>
@@ -880,7 +894,7 @@
       </p:grpSpPr>
       <p:sp>
         <p:nvSpPr>
-          <p:cNvPr id="7170" name="Rectangle 7"/>
+          <p:cNvPr id="8194" name="Rectangle 7"/>
           <p:cNvSpPr>
             <a:spLocks noGrp="1" noChangeArrowheads="1"/>
           </p:cNvSpPr>
@@ -900,7 +914,7 @@
           <a:bodyPr/>
           <a:lstStyle/>
           <a:p>
-            <a:fld id="{206CCC4E-F395-4337-B7F7-8A0663693616}" type="slidenum">
+            <a:fld id="{7BC8D01D-16E9-4A2A-8CB8-5CF4AD25A546}" type="slidenum">
               <a:rPr lang="en-US" smtClean="0"/>
               <a:pPr/>
               <a:t>2</a:t>
@@ -911,7 +925,7 @@
       </p:sp>
       <p:sp>
         <p:nvSpPr>
-          <p:cNvPr id="7171" name="Rectangle 2"/>
+          <p:cNvPr id="8195" name="Rectangle 2"/>
           <p:cNvSpPr>
             <a:spLocks noGrp="1" noRot="1" noChangeAspect="1" noChangeArrowheads="1" noTextEdit="1"/>
           </p:cNvSpPr>
@@ -925,7 +939,7 @@
       </p:sp>
       <p:sp>
         <p:nvSpPr>
-          <p:cNvPr id="7172" name="Rectangle 3"/>
+          <p:cNvPr id="8196" name="Rectangle 3"/>
           <p:cNvSpPr>
             <a:spLocks noGrp="1" noChangeArrowheads="1"/>
           </p:cNvSpPr>
@@ -948,7 +962,7 @@
     </p:spTree>
     <p:extLst>
       <p:ext uri="{BB962C8B-B14F-4D97-AF65-F5344CB8AC3E}">
-        <p14:creationId xmlns:p14="http://schemas.microsoft.com/office/powerpoint/2010/main" val="3848747111"/>
+        <p14:creationId xmlns:p14="http://schemas.microsoft.com/office/powerpoint/2010/main" val="1678993920"/>
       </p:ext>
     </p:extLst>
   </p:cSld>
@@ -1043,6 +1057,11 @@
         </p:txBody>
       </p:sp>
     </p:spTree>
+    <p:extLst>
+      <p:ext uri="{BB962C8B-B14F-4D97-AF65-F5344CB8AC3E}">
+        <p14:creationId xmlns:p14="http://schemas.microsoft.com/office/powerpoint/2010/main" val="508717839"/>
+      </p:ext>
+    </p:extLst>
   </p:cSld>
   <p:clrMapOvr>
     <a:masterClrMapping/>
@@ -1137,7 +1156,7 @@
     </p:spTree>
     <p:extLst>
       <p:ext uri="{BB962C8B-B14F-4D97-AF65-F5344CB8AC3E}">
-        <p14:creationId xmlns:p14="http://schemas.microsoft.com/office/powerpoint/2010/main" val="508717839"/>
+        <p14:creationId xmlns:p14="http://schemas.microsoft.com/office/powerpoint/2010/main" val="2791003931"/>
       </p:ext>
     </p:extLst>
   </p:cSld>
@@ -1234,7 +1253,7 @@
     </p:spTree>
     <p:extLst>
       <p:ext uri="{BB962C8B-B14F-4D97-AF65-F5344CB8AC3E}">
-        <p14:creationId xmlns:p14="http://schemas.microsoft.com/office/powerpoint/2010/main" val="2791003931"/>
+        <p14:creationId xmlns:p14="http://schemas.microsoft.com/office/powerpoint/2010/main" val="1622697464"/>
       </p:ext>
     </p:extLst>
   </p:cSld>
@@ -1245,103 +1264,6 @@
 </file>
 
 <file path=ppt/notesSlides/notesSlide6.xml><?xml version="1.0" encoding="utf-8"?>
-<p:notes xmlns:a="http://schemas.openxmlformats.org/drawingml/2006/main" xmlns:r="http://schemas.openxmlformats.org/officeDocument/2006/relationships" xmlns:p="http://schemas.openxmlformats.org/presentationml/2006/main">
-  <p:cSld>
-    <p:spTree>
-      <p:nvGrpSpPr>
-        <p:cNvPr id="1" name=""/>
-        <p:cNvGrpSpPr/>
-        <p:nvPr/>
-      </p:nvGrpSpPr>
-      <p:grpSpPr>
-        <a:xfrm>
-          <a:off x="0" y="0"/>
-          <a:ext cx="0" cy="0"/>
-          <a:chOff x="0" y="0"/>
-          <a:chExt cx="0" cy="0"/>
-        </a:xfrm>
-      </p:grpSpPr>
-      <p:sp>
-        <p:nvSpPr>
-          <p:cNvPr id="8194" name="Rectangle 7"/>
-          <p:cNvSpPr>
-            <a:spLocks noGrp="1" noChangeArrowheads="1"/>
-          </p:cNvSpPr>
-          <p:nvPr>
-            <p:ph type="sldNum" sz="quarter" idx="5"/>
-          </p:nvPr>
-        </p:nvSpPr>
-        <p:spPr>
-          <a:noFill/>
-          <a:ln>
-            <a:miter lim="800000"/>
-            <a:headEnd/>
-            <a:tailEnd/>
-          </a:ln>
-        </p:spPr>
-        <p:txBody>
-          <a:bodyPr/>
-          <a:lstStyle/>
-          <a:p>
-            <a:fld id="{7BC8D01D-16E9-4A2A-8CB8-5CF4AD25A546}" type="slidenum">
-              <a:rPr lang="en-US" smtClean="0"/>
-              <a:pPr/>
-              <a:t>6</a:t>
-            </a:fld>
-            <a:endParaRPr lang="en-US"/>
-          </a:p>
-        </p:txBody>
-      </p:sp>
-      <p:sp>
-        <p:nvSpPr>
-          <p:cNvPr id="8195" name="Rectangle 2"/>
-          <p:cNvSpPr>
-            <a:spLocks noGrp="1" noRot="1" noChangeAspect="1" noChangeArrowheads="1" noTextEdit="1"/>
-          </p:cNvSpPr>
-          <p:nvPr>
-            <p:ph type="sldImg"/>
-          </p:nvPr>
-        </p:nvSpPr>
-        <p:spPr>
-          <a:ln/>
-        </p:spPr>
-      </p:sp>
-      <p:sp>
-        <p:nvSpPr>
-          <p:cNvPr id="8196" name="Rectangle 3"/>
-          <p:cNvSpPr>
-            <a:spLocks noGrp="1" noChangeArrowheads="1"/>
-          </p:cNvSpPr>
-          <p:nvPr>
-            <p:ph type="body" idx="1"/>
-          </p:nvPr>
-        </p:nvSpPr>
-        <p:spPr>
-          <a:noFill/>
-        </p:spPr>
-        <p:txBody>
-          <a:bodyPr/>
-          <a:lstStyle/>
-          <a:p>
-            <a:pPr eaLnBrk="1" hangingPunct="1"/>
-            <a:endParaRPr lang="en-US"/>
-          </a:p>
-        </p:txBody>
-      </p:sp>
-    </p:spTree>
-    <p:extLst>
-      <p:ext uri="{BB962C8B-B14F-4D97-AF65-F5344CB8AC3E}">
-        <p14:creationId xmlns:p14="http://schemas.microsoft.com/office/powerpoint/2010/main" val="1622697464"/>
-      </p:ext>
-    </p:extLst>
-  </p:cSld>
-  <p:clrMapOvr>
-    <a:masterClrMapping/>
-  </p:clrMapOvr>
-</p:notes>
-</file>
-
-<file path=ppt/notesSlides/notesSlide7.xml><?xml version="1.0" encoding="utf-8"?>
 <p:notes xmlns:a="http://schemas.openxmlformats.org/drawingml/2006/main" xmlns:r="http://schemas.openxmlformats.org/officeDocument/2006/relationships" xmlns:p="http://schemas.openxmlformats.org/presentationml/2006/main">
   <p:cSld>
     <p:spTree>
@@ -1383,7 +1305,7 @@
             <a:fld id="{65E33123-0EF9-44DE-A36F-453C9B12D25F}" type="slidenum">
               <a:rPr lang="en-US" smtClean="0"/>
               <a:pPr/>
-              <a:t>7</a:t>
+              <a:t>6</a:t>
             </a:fld>
             <a:endParaRPr lang="en-US"/>
           </a:p>
@@ -1426,6 +1348,11 @@
         </p:txBody>
       </p:sp>
     </p:spTree>
+    <p:extLst>
+      <p:ext uri="{BB962C8B-B14F-4D97-AF65-F5344CB8AC3E}">
+        <p14:creationId xmlns:p14="http://schemas.microsoft.com/office/powerpoint/2010/main" val="4089147650"/>
+      </p:ext>
+    </p:extLst>
   </p:cSld>
   <p:clrMapOvr>
     <a:masterClrMapping/>
@@ -3631,7 +3558,7 @@
           <p:cNvPr id="7" name="Rectangle 2">
             <a:extLst>
               <a:ext uri="{FF2B5EF4-FFF2-40B4-BE49-F238E27FC236}">
-                <a16:creationId xmlns:a16="http://schemas.microsoft.com/office/drawing/2014/main" id="{49E8A379-71A7-4769-B512-425659CF04C7}"/>
+                <a16:creationId xmlns:a16="http://schemas.microsoft.com/office/drawing/2014/main" xmlns="" id="{49E8A379-71A7-4769-B512-425659CF04C7}"/>
               </a:ext>
             </a:extLst>
           </p:cNvPr>
@@ -3642,8 +3569,8 @@
         </p:nvSpPr>
         <p:spPr bwMode="auto">
           <a:xfrm>
-            <a:off x="1440197" y="22385"/>
-            <a:ext cx="6840760" cy="1077275"/>
+            <a:off x="1440197" y="131102"/>
+            <a:ext cx="6840760" cy="767004"/>
           </a:xfrm>
           <a:prstGeom prst="rect">
             <a:avLst/>
@@ -3842,7 +3769,7 @@
               <a:t>Aplicación </a:t>
             </a:r>
             <a:r>
-              <a:rPr lang="es-ES" sz="2000" kern="0" dirty="0" err="1">
+              <a:rPr lang="es-ES" sz="2000" kern="0" dirty="0" smtClean="0">
                 <a:solidFill>
                   <a:schemeClr val="accent4">
                     <a:lumMod val="50000"/>
@@ -3850,7 +3777,7 @@
                 </a:solidFill>
                 <a:latin typeface="Tahoma" charset="0"/>
               </a:rPr>
-              <a:t>Movil</a:t>
+              <a:t>Móvil </a:t>
             </a:r>
             <a:r>
               <a:rPr lang="es-ES" sz="2000" kern="0" dirty="0">
@@ -3861,29 +3788,7 @@
                 </a:solidFill>
                 <a:latin typeface="Tahoma" charset="0"/>
               </a:rPr>
-              <a:t> “</a:t>
-            </a:r>
-            <a:r>
-              <a:rPr lang="es-ES" sz="2000" kern="0" dirty="0" err="1">
-                <a:solidFill>
-                  <a:schemeClr val="accent4">
-                    <a:lumMod val="50000"/>
-                  </a:schemeClr>
-                </a:solidFill>
-                <a:latin typeface="Tahoma" charset="0"/>
-              </a:rPr>
-              <a:t>ParkingApp</a:t>
-            </a:r>
-            <a:r>
-              <a:rPr lang="es-ES" sz="2000" kern="0" dirty="0">
-                <a:solidFill>
-                  <a:schemeClr val="accent4">
-                    <a:lumMod val="50000"/>
-                  </a:schemeClr>
-                </a:solidFill>
-                <a:latin typeface="Tahoma" charset="0"/>
-              </a:rPr>
-              <a:t>”</a:t>
+              <a:t>“ParkingApp”</a:t>
             </a:r>
             <a:endParaRPr lang="uk-UA" sz="2000" kern="0" dirty="0">
               <a:solidFill>
@@ -3901,7 +3806,7 @@
           <p:cNvPr id="8" name="Rectangle 2">
             <a:extLst>
               <a:ext uri="{FF2B5EF4-FFF2-40B4-BE49-F238E27FC236}">
-                <a16:creationId xmlns:a16="http://schemas.microsoft.com/office/drawing/2014/main" id="{259CA383-1676-4B14-AEAD-BB977D5CDD05}"/>
+                <a16:creationId xmlns:a16="http://schemas.microsoft.com/office/drawing/2014/main" xmlns="" id="{259CA383-1676-4B14-AEAD-BB977D5CDD05}"/>
               </a:ext>
             </a:extLst>
           </p:cNvPr>
@@ -4091,7 +3996,7 @@
           <p:cNvPr id="9" name="Rectangle 2">
             <a:extLst>
               <a:ext uri="{FF2B5EF4-FFF2-40B4-BE49-F238E27FC236}">
-                <a16:creationId xmlns:a16="http://schemas.microsoft.com/office/drawing/2014/main" id="{2CCA42AE-CFC2-4FF1-9B5B-991B251E16E7}"/>
+                <a16:creationId xmlns:a16="http://schemas.microsoft.com/office/drawing/2014/main" xmlns="" id="{2CCA42AE-CFC2-4FF1-9B5B-991B251E16E7}"/>
               </a:ext>
             </a:extLst>
           </p:cNvPr>
@@ -4102,8 +4007,8 @@
         </p:nvSpPr>
         <p:spPr bwMode="auto">
           <a:xfrm>
-            <a:off x="6804248" y="5157192"/>
-            <a:ext cx="2339752" cy="501211"/>
+            <a:off x="6732240" y="5157192"/>
+            <a:ext cx="2411760" cy="501211"/>
           </a:xfrm>
           <a:prstGeom prst="rect">
             <a:avLst/>
@@ -4258,8 +4163,17 @@
               <a:rPr lang="es-ES" sz="1600" kern="0" dirty="0">
                 <a:latin typeface="Tahoma" charset="0"/>
               </a:rPr>
-              <a:t>Docente:</a:t>
-            </a:r>
+              <a:t>Docente</a:t>
+            </a:r>
+            <a:r>
+              <a:rPr lang="es-ES" sz="1600" kern="0" dirty="0" smtClean="0">
+                <a:latin typeface="Tahoma" charset="0"/>
+              </a:rPr>
+              <a:t>:</a:t>
+            </a:r>
+            <a:endParaRPr lang="es-ES" sz="1600" kern="0" dirty="0">
+              <a:latin typeface="Tahoma" charset="0"/>
+            </a:endParaRPr>
           </a:p>
           <a:p>
             <a:r>
@@ -4269,6 +4183,186 @@
               <a:t>Ing. Charles Fernando Cabrera Gómez</a:t>
             </a:r>
             <a:endParaRPr lang="uk-UA" sz="1600" kern="0" dirty="0">
+              <a:latin typeface="Tahoma" charset="0"/>
+            </a:endParaRPr>
+          </a:p>
+        </p:txBody>
+      </p:sp>
+      <p:sp>
+        <p:nvSpPr>
+          <p:cNvPr id="6" name="Rectangle 2">
+            <a:extLst>
+              <a:ext uri="{FF2B5EF4-FFF2-40B4-BE49-F238E27FC236}">
+                <a16:creationId xmlns:a16="http://schemas.microsoft.com/office/drawing/2014/main" xmlns="" id="{2CCA42AE-CFC2-4FF1-9B5B-991B251E16E7}"/>
+              </a:ext>
+            </a:extLst>
+          </p:cNvPr>
+          <p:cNvSpPr txBox="1">
+            <a:spLocks noChangeArrowheads="1"/>
+          </p:cNvSpPr>
+          <p:nvPr/>
+        </p:nvSpPr>
+        <p:spPr bwMode="auto">
+          <a:xfrm>
+            <a:off x="26653" y="6366953"/>
+            <a:ext cx="2411760" cy="501211"/>
+          </a:xfrm>
+          <a:prstGeom prst="rect">
+            <a:avLst/>
+          </a:prstGeom>
+          <a:noFill/>
+          <a:ln w="9525">
+            <a:noFill/>
+            <a:miter lim="800000"/>
+            <a:headEnd/>
+            <a:tailEnd/>
+          </a:ln>
+          <a:effectLst/>
+        </p:spPr>
+        <p:txBody>
+          <a:bodyPr vert="horz" wrap="square" lIns="91440" tIns="45720" rIns="91440" bIns="45720" numCol="1" anchor="ctr" anchorCtr="0" compatLnSpc="1">
+            <a:prstTxWarp prst="textNoShape">
+              <a:avLst/>
+            </a:prstTxWarp>
+          </a:bodyPr>
+          <a:lstStyle>
+            <a:lvl1pPr algn="l" rtl="0" eaLnBrk="1" fontAlgn="base" hangingPunct="1">
+              <a:spcBef>
+                <a:spcPct val="0"/>
+              </a:spcBef>
+              <a:spcAft>
+                <a:spcPct val="0"/>
+              </a:spcAft>
+              <a:defRPr sz="2800" b="1">
+                <a:solidFill>
+                  <a:schemeClr val="bg1"/>
+                </a:solidFill>
+                <a:latin typeface="+mj-lt"/>
+                <a:ea typeface="+mj-ea"/>
+                <a:cs typeface="+mj-cs"/>
+              </a:defRPr>
+            </a:lvl1pPr>
+            <a:lvl2pPr algn="l" rtl="0" eaLnBrk="1" fontAlgn="base" hangingPunct="1">
+              <a:spcBef>
+                <a:spcPct val="0"/>
+              </a:spcBef>
+              <a:spcAft>
+                <a:spcPct val="0"/>
+              </a:spcAft>
+              <a:defRPr sz="3200">
+                <a:solidFill>
+                  <a:schemeClr val="bg1"/>
+                </a:solidFill>
+                <a:latin typeface="Arial" charset="0"/>
+              </a:defRPr>
+            </a:lvl2pPr>
+            <a:lvl3pPr algn="l" rtl="0" eaLnBrk="1" fontAlgn="base" hangingPunct="1">
+              <a:spcBef>
+                <a:spcPct val="0"/>
+              </a:spcBef>
+              <a:spcAft>
+                <a:spcPct val="0"/>
+              </a:spcAft>
+              <a:defRPr sz="3200">
+                <a:solidFill>
+                  <a:schemeClr val="bg1"/>
+                </a:solidFill>
+                <a:latin typeface="Arial" charset="0"/>
+              </a:defRPr>
+            </a:lvl3pPr>
+            <a:lvl4pPr algn="l" rtl="0" eaLnBrk="1" fontAlgn="base" hangingPunct="1">
+              <a:spcBef>
+                <a:spcPct val="0"/>
+              </a:spcBef>
+              <a:spcAft>
+                <a:spcPct val="0"/>
+              </a:spcAft>
+              <a:defRPr sz="3200">
+                <a:solidFill>
+                  <a:schemeClr val="bg1"/>
+                </a:solidFill>
+                <a:latin typeface="Arial" charset="0"/>
+              </a:defRPr>
+            </a:lvl4pPr>
+            <a:lvl5pPr algn="l" rtl="0" eaLnBrk="1" fontAlgn="base" hangingPunct="1">
+              <a:spcBef>
+                <a:spcPct val="0"/>
+              </a:spcBef>
+              <a:spcAft>
+                <a:spcPct val="0"/>
+              </a:spcAft>
+              <a:defRPr sz="3200">
+                <a:solidFill>
+                  <a:schemeClr val="bg1"/>
+                </a:solidFill>
+                <a:latin typeface="Arial" charset="0"/>
+              </a:defRPr>
+            </a:lvl5pPr>
+            <a:lvl6pPr marL="457200" algn="l" rtl="0" eaLnBrk="1" fontAlgn="base" hangingPunct="1">
+              <a:spcBef>
+                <a:spcPct val="0"/>
+              </a:spcBef>
+              <a:spcAft>
+                <a:spcPct val="0"/>
+              </a:spcAft>
+              <a:defRPr sz="3200">
+                <a:solidFill>
+                  <a:schemeClr val="bg1"/>
+                </a:solidFill>
+                <a:latin typeface="Arial" charset="0"/>
+              </a:defRPr>
+            </a:lvl6pPr>
+            <a:lvl7pPr marL="914400" algn="l" rtl="0" eaLnBrk="1" fontAlgn="base" hangingPunct="1">
+              <a:spcBef>
+                <a:spcPct val="0"/>
+              </a:spcBef>
+              <a:spcAft>
+                <a:spcPct val="0"/>
+              </a:spcAft>
+              <a:defRPr sz="3200">
+                <a:solidFill>
+                  <a:schemeClr val="bg1"/>
+                </a:solidFill>
+                <a:latin typeface="Arial" charset="0"/>
+              </a:defRPr>
+            </a:lvl7pPr>
+            <a:lvl8pPr marL="1371600" algn="l" rtl="0" eaLnBrk="1" fontAlgn="base" hangingPunct="1">
+              <a:spcBef>
+                <a:spcPct val="0"/>
+              </a:spcBef>
+              <a:spcAft>
+                <a:spcPct val="0"/>
+              </a:spcAft>
+              <a:defRPr sz="3200">
+                <a:solidFill>
+                  <a:schemeClr val="bg1"/>
+                </a:solidFill>
+                <a:latin typeface="Arial" charset="0"/>
+              </a:defRPr>
+            </a:lvl8pPr>
+            <a:lvl9pPr marL="1828800" algn="l" rtl="0" eaLnBrk="1" fontAlgn="base" hangingPunct="1">
+              <a:spcBef>
+                <a:spcPct val="0"/>
+              </a:spcBef>
+              <a:spcAft>
+                <a:spcPct val="0"/>
+              </a:spcAft>
+              <a:defRPr sz="3200">
+                <a:solidFill>
+                  <a:schemeClr val="bg1"/>
+                </a:solidFill>
+                <a:latin typeface="Arial" charset="0"/>
+              </a:defRPr>
+            </a:lvl9pPr>
+          </a:lstStyle>
+          <a:p>
+            <a:r>
+              <a:rPr lang="es-ES" sz="1600" kern="0" dirty="0" smtClean="0">
+                <a:latin typeface="Tahoma" charset="0"/>
+              </a:rPr>
+              <a:t>Año - 2020</a:t>
+            </a:r>
+            <a:endParaRPr lang="es-ES" sz="1600" kern="0" dirty="0">
               <a:latin typeface="Tahoma" charset="0"/>
             </a:endParaRPr>
           </a:p>
@@ -4283,109 +4377,6 @@
 </file>
 
 <file path=ppt/slides/slide2.xml><?xml version="1.0" encoding="utf-8"?>
-<p:sld xmlns:a="http://schemas.openxmlformats.org/drawingml/2006/main" xmlns:r="http://schemas.openxmlformats.org/officeDocument/2006/relationships" xmlns:p="http://schemas.openxmlformats.org/presentationml/2006/main">
-  <p:cSld>
-    <p:spTree>
-      <p:nvGrpSpPr>
-        <p:cNvPr id="1" name=""/>
-        <p:cNvGrpSpPr/>
-        <p:nvPr/>
-      </p:nvGrpSpPr>
-      <p:grpSpPr>
-        <a:xfrm>
-          <a:off x="0" y="0"/>
-          <a:ext cx="0" cy="0"/>
-          <a:chOff x="0" y="0"/>
-          <a:chExt cx="0" cy="0"/>
-        </a:xfrm>
-      </p:grpSpPr>
-      <p:sp>
-        <p:nvSpPr>
-          <p:cNvPr id="3074" name="Rectangle 2"/>
-          <p:cNvSpPr>
-            <a:spLocks noGrp="1" noChangeArrowheads="1"/>
-          </p:cNvSpPr>
-          <p:nvPr>
-            <p:ph type="ctrTitle"/>
-          </p:nvPr>
-        </p:nvSpPr>
-        <p:spPr>
-          <a:xfrm>
-            <a:off x="179388" y="2924175"/>
-            <a:ext cx="5400675" cy="504825"/>
-          </a:xfrm>
-          <a:noFill/>
-        </p:spPr>
-        <p:txBody>
-          <a:bodyPr/>
-          <a:lstStyle/>
-          <a:p>
-            <a:pPr eaLnBrk="1" hangingPunct="1"/>
-            <a:r>
-              <a:rPr lang="ru-RU" dirty="0"/>
-              <a:t>Name of</a:t>
-            </a:r>
-            <a:r>
-              <a:rPr lang="en-US" dirty="0"/>
-              <a:t> </a:t>
-            </a:r>
-            <a:r>
-              <a:rPr lang="ru-RU" dirty="0"/>
-              <a:t>presentation</a:t>
-            </a:r>
-            <a:endParaRPr lang="uk-UA" dirty="0">
-              <a:latin typeface="Tahoma" charset="0"/>
-            </a:endParaRPr>
-          </a:p>
-        </p:txBody>
-      </p:sp>
-      <p:sp>
-        <p:nvSpPr>
-          <p:cNvPr id="3075" name="Rectangle 3"/>
-          <p:cNvSpPr>
-            <a:spLocks noGrp="1" noChangeArrowheads="1"/>
-          </p:cNvSpPr>
-          <p:nvPr>
-            <p:ph type="subTitle" idx="1"/>
-          </p:nvPr>
-        </p:nvSpPr>
-        <p:spPr>
-          <a:xfrm>
-            <a:off x="323850" y="3429000"/>
-            <a:ext cx="5400675" cy="274638"/>
-          </a:xfrm>
-        </p:spPr>
-        <p:txBody>
-          <a:bodyPr/>
-          <a:lstStyle/>
-          <a:p>
-            <a:pPr eaLnBrk="1" hangingPunct="1">
-              <a:lnSpc>
-                <a:spcPct val="90000"/>
-              </a:lnSpc>
-            </a:pPr>
-            <a:r>
-              <a:rPr lang="en-US"/>
-              <a:t>PoweredTemplate.com</a:t>
-            </a:r>
-            <a:endParaRPr lang="uk-UA"/>
-          </a:p>
-        </p:txBody>
-      </p:sp>
-    </p:spTree>
-    <p:extLst>
-      <p:ext uri="{BB962C8B-B14F-4D97-AF65-F5344CB8AC3E}">
-        <p14:creationId xmlns:p14="http://schemas.microsoft.com/office/powerpoint/2010/main" val="3444743083"/>
-      </p:ext>
-    </p:extLst>
-  </p:cSld>
-  <p:clrMapOvr>
-    <a:masterClrMapping/>
-  </p:clrMapOvr>
-</p:sld>
-</file>
-
-<file path=ppt/slides/slide3.xml><?xml version="1.0" encoding="utf-8"?>
 <p:sld xmlns:a="http://schemas.openxmlformats.org/drawingml/2006/main" xmlns:r="http://schemas.openxmlformats.org/officeDocument/2006/relationships" xmlns:p="http://schemas.openxmlformats.org/presentationml/2006/main">
   <p:cSld>
     <p:spTree>
@@ -4452,7 +4443,7 @@
           <p:cNvPr id="3" name="Imagen 2">
             <a:extLst>
               <a:ext uri="{FF2B5EF4-FFF2-40B4-BE49-F238E27FC236}">
-                <a16:creationId xmlns:a16="http://schemas.microsoft.com/office/drawing/2014/main" id="{876F6110-F1B2-43A7-83A0-1801E7BD68CC}"/>
+                <a16:creationId xmlns:a16="http://schemas.microsoft.com/office/drawing/2014/main" xmlns="" id="{876F6110-F1B2-43A7-83A0-1801E7BD68CC}"/>
               </a:ext>
             </a:extLst>
           </p:cNvPr>
@@ -4491,7 +4482,7 @@
 </p:sld>
 </file>
 
-<file path=ppt/slides/slide4.xml><?xml version="1.0" encoding="utf-8"?>
+<file path=ppt/slides/slide3.xml><?xml version="1.0" encoding="utf-8"?>
 <p:sld xmlns:a="http://schemas.openxmlformats.org/drawingml/2006/main" xmlns:r="http://schemas.openxmlformats.org/officeDocument/2006/relationships" xmlns:p="http://schemas.openxmlformats.org/presentationml/2006/main">
   <p:cSld>
     <p:spTree>
@@ -4546,7 +4537,7 @@
           <p:cNvPr id="3" name="Imagen 2">
             <a:extLst>
               <a:ext uri="{FF2B5EF4-FFF2-40B4-BE49-F238E27FC236}">
-                <a16:creationId xmlns:a16="http://schemas.microsoft.com/office/drawing/2014/main" id="{E00410B8-2192-418C-BAC0-098B0AE21500}"/>
+                <a16:creationId xmlns:a16="http://schemas.microsoft.com/office/drawing/2014/main" xmlns="" id="{E00410B8-2192-418C-BAC0-098B0AE21500}"/>
               </a:ext>
             </a:extLst>
           </p:cNvPr>
@@ -4569,8 +4560,8 @@
         </p:blipFill>
         <p:spPr>
           <a:xfrm>
-            <a:off x="1619672" y="1772816"/>
-            <a:ext cx="7524328" cy="4703933"/>
+            <a:off x="1605238" y="1700808"/>
+            <a:ext cx="7524328" cy="5040560"/>
           </a:xfrm>
           <a:prstGeom prst="rect">
             <a:avLst/>
@@ -4581,6 +4572,105 @@
     <p:extLst>
       <p:ext uri="{BB962C8B-B14F-4D97-AF65-F5344CB8AC3E}">
         <p14:creationId xmlns:p14="http://schemas.microsoft.com/office/powerpoint/2010/main" val="785852939"/>
+      </p:ext>
+    </p:extLst>
+  </p:cSld>
+  <p:clrMapOvr>
+    <a:masterClrMapping/>
+  </p:clrMapOvr>
+</p:sld>
+</file>
+
+<file path=ppt/slides/slide4.xml><?xml version="1.0" encoding="utf-8"?>
+<p:sld xmlns:a="http://schemas.openxmlformats.org/drawingml/2006/main" xmlns:r="http://schemas.openxmlformats.org/officeDocument/2006/relationships" xmlns:p="http://schemas.openxmlformats.org/presentationml/2006/main">
+  <p:cSld>
+    <p:spTree>
+      <p:nvGrpSpPr>
+        <p:cNvPr id="1" name=""/>
+        <p:cNvGrpSpPr/>
+        <p:nvPr/>
+      </p:nvGrpSpPr>
+      <p:grpSpPr>
+        <a:xfrm>
+          <a:off x="0" y="0"/>
+          <a:ext cx="0" cy="0"/>
+          <a:chOff x="0" y="0"/>
+          <a:chExt cx="0" cy="0"/>
+        </a:xfrm>
+      </p:grpSpPr>
+      <p:sp>
+        <p:nvSpPr>
+          <p:cNvPr id="4098" name="Rectangle 2"/>
+          <p:cNvSpPr>
+            <a:spLocks noGrp="1" noChangeArrowheads="1"/>
+          </p:cNvSpPr>
+          <p:nvPr>
+            <p:ph type="title"/>
+          </p:nvPr>
+        </p:nvSpPr>
+        <p:spPr>
+          <a:xfrm>
+            <a:off x="647564" y="1772816"/>
+            <a:ext cx="7848872" cy="646112"/>
+          </a:xfrm>
+        </p:spPr>
+        <p:txBody>
+          <a:bodyPr/>
+          <a:lstStyle/>
+          <a:p>
+            <a:pPr eaLnBrk="1" hangingPunct="1"/>
+            <a:r>
+              <a:rPr lang="es-ES" sz="2000" b="1" dirty="0">
+                <a:latin typeface="Tahoma" charset="0"/>
+              </a:rPr>
+              <a:t>Diagrama de Caso de Uso Mantenimiento y Seguridad</a:t>
+            </a:r>
+            <a:endParaRPr lang="uk-UA" sz="2000" b="1" dirty="0">
+              <a:latin typeface="Tahoma" charset="0"/>
+            </a:endParaRPr>
+          </a:p>
+        </p:txBody>
+      </p:sp>
+      <p:pic>
+        <p:nvPicPr>
+          <p:cNvPr id="4" name="Imagen 3">
+            <a:extLst>
+              <a:ext uri="{FF2B5EF4-FFF2-40B4-BE49-F238E27FC236}">
+                <a16:creationId xmlns:a16="http://schemas.microsoft.com/office/drawing/2014/main" xmlns="" id="{1BCEAC43-4A8F-481A-B021-6BA38D926841}"/>
+              </a:ext>
+            </a:extLst>
+          </p:cNvPr>
+          <p:cNvPicPr>
+            <a:picLocks noChangeAspect="1"/>
+          </p:cNvPicPr>
+          <p:nvPr/>
+        </p:nvPicPr>
+        <p:blipFill>
+          <a:blip r:embed="rId3">
+            <a:extLst>
+              <a:ext uri="{28A0092B-C50C-407E-A947-70E740481C1C}">
+                <a14:useLocalDpi xmlns:a14="http://schemas.microsoft.com/office/drawing/2010/main" val="0"/>
+              </a:ext>
+            </a:extLst>
+          </a:blip>
+          <a:stretch>
+            <a:fillRect/>
+          </a:stretch>
+        </p:blipFill>
+        <p:spPr>
+          <a:xfrm>
+            <a:off x="1115206" y="2564904"/>
+            <a:ext cx="6913587" cy="3543722"/>
+          </a:xfrm>
+          <a:prstGeom prst="rect">
+            <a:avLst/>
+          </a:prstGeom>
+        </p:spPr>
+      </p:pic>
+    </p:spTree>
+    <p:extLst>
+      <p:ext uri="{BB962C8B-B14F-4D97-AF65-F5344CB8AC3E}">
+        <p14:creationId xmlns:p14="http://schemas.microsoft.com/office/powerpoint/2010/main" val="3638530927"/>
       </p:ext>
     </p:extLst>
   </p:cSld>
@@ -4632,105 +4722,6 @@
               <a:rPr lang="es-ES" sz="2000" b="1" dirty="0">
                 <a:latin typeface="Tahoma" charset="0"/>
               </a:rPr>
-              <a:t>Diagrama de Caso de Uso Mantenimiento y Seguridad</a:t>
-            </a:r>
-            <a:endParaRPr lang="uk-UA" sz="2000" b="1" dirty="0">
-              <a:latin typeface="Tahoma" charset="0"/>
-            </a:endParaRPr>
-          </a:p>
-        </p:txBody>
-      </p:sp>
-      <p:pic>
-        <p:nvPicPr>
-          <p:cNvPr id="4" name="Imagen 3">
-            <a:extLst>
-              <a:ext uri="{FF2B5EF4-FFF2-40B4-BE49-F238E27FC236}">
-                <a16:creationId xmlns:a16="http://schemas.microsoft.com/office/drawing/2014/main" id="{1BCEAC43-4A8F-481A-B021-6BA38D926841}"/>
-              </a:ext>
-            </a:extLst>
-          </p:cNvPr>
-          <p:cNvPicPr>
-            <a:picLocks noChangeAspect="1"/>
-          </p:cNvPicPr>
-          <p:nvPr/>
-        </p:nvPicPr>
-        <p:blipFill>
-          <a:blip r:embed="rId3">
-            <a:extLst>
-              <a:ext uri="{28A0092B-C50C-407E-A947-70E740481C1C}">
-                <a14:useLocalDpi xmlns:a14="http://schemas.microsoft.com/office/drawing/2010/main" val="0"/>
-              </a:ext>
-            </a:extLst>
-          </a:blip>
-          <a:stretch>
-            <a:fillRect/>
-          </a:stretch>
-        </p:blipFill>
-        <p:spPr>
-          <a:xfrm>
-            <a:off x="1115206" y="2564904"/>
-            <a:ext cx="6913587" cy="3543722"/>
-          </a:xfrm>
-          <a:prstGeom prst="rect">
-            <a:avLst/>
-          </a:prstGeom>
-        </p:spPr>
-      </p:pic>
-    </p:spTree>
-    <p:extLst>
-      <p:ext uri="{BB962C8B-B14F-4D97-AF65-F5344CB8AC3E}">
-        <p14:creationId xmlns:p14="http://schemas.microsoft.com/office/powerpoint/2010/main" val="3638530927"/>
-      </p:ext>
-    </p:extLst>
-  </p:cSld>
-  <p:clrMapOvr>
-    <a:masterClrMapping/>
-  </p:clrMapOvr>
-</p:sld>
-</file>
-
-<file path=ppt/slides/slide6.xml><?xml version="1.0" encoding="utf-8"?>
-<p:sld xmlns:a="http://schemas.openxmlformats.org/drawingml/2006/main" xmlns:r="http://schemas.openxmlformats.org/officeDocument/2006/relationships" xmlns:p="http://schemas.openxmlformats.org/presentationml/2006/main">
-  <p:cSld>
-    <p:spTree>
-      <p:nvGrpSpPr>
-        <p:cNvPr id="1" name=""/>
-        <p:cNvGrpSpPr/>
-        <p:nvPr/>
-      </p:nvGrpSpPr>
-      <p:grpSpPr>
-        <a:xfrm>
-          <a:off x="0" y="0"/>
-          <a:ext cx="0" cy="0"/>
-          <a:chOff x="0" y="0"/>
-          <a:chExt cx="0" cy="0"/>
-        </a:xfrm>
-      </p:grpSpPr>
-      <p:sp>
-        <p:nvSpPr>
-          <p:cNvPr id="4098" name="Rectangle 2"/>
-          <p:cNvSpPr>
-            <a:spLocks noGrp="1" noChangeArrowheads="1"/>
-          </p:cNvSpPr>
-          <p:nvPr>
-            <p:ph type="title"/>
-          </p:nvPr>
-        </p:nvSpPr>
-        <p:spPr>
-          <a:xfrm>
-            <a:off x="647564" y="1772816"/>
-            <a:ext cx="7848872" cy="646112"/>
-          </a:xfrm>
-        </p:spPr>
-        <p:txBody>
-          <a:bodyPr/>
-          <a:lstStyle/>
-          <a:p>
-            <a:pPr eaLnBrk="1" hangingPunct="1"/>
-            <a:r>
-              <a:rPr lang="es-ES" sz="2000" b="1" dirty="0">
-                <a:latin typeface="Tahoma" charset="0"/>
-              </a:rPr>
               <a:t>Diagrama de Caso de Uso Entrada y Salida de </a:t>
             </a:r>
             <a:r>
@@ -4750,7 +4741,7 @@
           <p:cNvPr id="3" name="Imagen 2">
             <a:extLst>
               <a:ext uri="{FF2B5EF4-FFF2-40B4-BE49-F238E27FC236}">
-                <a16:creationId xmlns:a16="http://schemas.microsoft.com/office/drawing/2014/main" id="{428D123B-525E-494A-B705-91A6F5D2DD1C}"/>
+                <a16:creationId xmlns:a16="http://schemas.microsoft.com/office/drawing/2014/main" xmlns="" id="{428D123B-525E-494A-B705-91A6F5D2DD1C}"/>
               </a:ext>
             </a:extLst>
           </p:cNvPr>
@@ -4794,7 +4785,7 @@
 </p:sld>
 </file>
 
-<file path=ppt/slides/slide7.xml><?xml version="1.0" encoding="utf-8"?>
+<file path=ppt/slides/slide6.xml><?xml version="1.0" encoding="utf-8"?>
 <p:sld xmlns:a="http://schemas.openxmlformats.org/drawingml/2006/main" xmlns:r="http://schemas.openxmlformats.org/officeDocument/2006/relationships" xmlns:p="http://schemas.openxmlformats.org/presentationml/2006/main">
   <p:cSld>
     <p:bg>
@@ -4845,55 +4836,7 @@
           <a:p>
             <a:pPr eaLnBrk="1" hangingPunct="1"/>
             <a:r>
-              <a:rPr lang="en-US" sz="2400" dirty="0" err="1">
-                <a:solidFill>
-                  <a:srgbClr val="000000"/>
-                </a:solidFill>
-              </a:rPr>
-              <a:t>Diagramas</a:t>
-            </a:r>
-            <a:r>
-              <a:rPr lang="en-US" sz="2400" dirty="0">
-                <a:solidFill>
-                  <a:srgbClr val="000000"/>
-                </a:solidFill>
-              </a:rPr>
-              <a:t> de </a:t>
-            </a:r>
-            <a:r>
-              <a:rPr lang="en-US" sz="2400" dirty="0" err="1">
-                <a:solidFill>
-                  <a:srgbClr val="000000"/>
-                </a:solidFill>
-              </a:rPr>
-              <a:t>Clases</a:t>
-            </a:r>
-            <a:r>
-              <a:rPr lang="en-US" sz="2400" dirty="0">
-                <a:solidFill>
-                  <a:srgbClr val="000000"/>
-                </a:solidFill>
-              </a:rPr>
-              <a:t>, </a:t>
-            </a:r>
-            <a:r>
-              <a:rPr lang="en-US" sz="2400" dirty="0" err="1">
-                <a:solidFill>
-                  <a:srgbClr val="000000"/>
-                </a:solidFill>
-              </a:rPr>
-              <a:t>Secuencias</a:t>
-            </a:r>
-            <a:r>
-              <a:rPr lang="en-US" sz="2400" dirty="0">
-                <a:solidFill>
-                  <a:srgbClr val="000000"/>
-                </a:solidFill>
-              </a:rPr>
-              <a:t> y </a:t>
-            </a:r>
-            <a:r>
-              <a:rPr lang="en-US" sz="2400" dirty="0" err="1">
+              <a:rPr lang="en-US" sz="2400" dirty="0" smtClean="0">
                 <a:solidFill>
                   <a:srgbClr val="000000"/>
                 </a:solidFill>
@@ -4920,8 +4863,8 @@
         </p:nvSpPr>
         <p:spPr>
           <a:xfrm>
-            <a:off x="1908175" y="909638"/>
-            <a:ext cx="7056438" cy="5832475"/>
+            <a:off x="3275856" y="1556792"/>
+            <a:ext cx="4032448" cy="3889177"/>
           </a:xfrm>
         </p:spPr>
         <p:txBody>
@@ -5061,6 +5004,179 @@
                 <a:srgbClr val="000000"/>
               </a:solidFill>
             </a:endParaRPr>
+          </a:p>
+        </p:txBody>
+      </p:sp>
+      <p:sp>
+        <p:nvSpPr>
+          <p:cNvPr id="4" name="Rectangle 2"/>
+          <p:cNvSpPr txBox="1">
+            <a:spLocks noChangeArrowheads="1"/>
+          </p:cNvSpPr>
+          <p:nvPr/>
+        </p:nvSpPr>
+        <p:spPr bwMode="auto">
+          <a:xfrm>
+            <a:off x="1908175" y="620688"/>
+            <a:ext cx="7056438" cy="719138"/>
+          </a:xfrm>
+          <a:prstGeom prst="rect">
+            <a:avLst/>
+          </a:prstGeom>
+          <a:noFill/>
+          <a:ln w="9525">
+            <a:noFill/>
+            <a:miter lim="800000"/>
+            <a:headEnd/>
+            <a:tailEnd/>
+          </a:ln>
+          <a:effectLst/>
+        </p:spPr>
+        <p:txBody>
+          <a:bodyPr vert="horz" wrap="square" lIns="91440" tIns="45720" rIns="91440" bIns="45720" numCol="1" anchor="ctr" anchorCtr="0" compatLnSpc="1">
+            <a:prstTxWarp prst="textNoShape">
+              <a:avLst/>
+            </a:prstTxWarp>
+          </a:bodyPr>
+          <a:lstStyle>
+            <a:lvl1pPr algn="l" rtl="0" eaLnBrk="1" fontAlgn="base" hangingPunct="1">
+              <a:spcBef>
+                <a:spcPct val="0"/>
+              </a:spcBef>
+              <a:spcAft>
+                <a:spcPct val="0"/>
+              </a:spcAft>
+              <a:defRPr sz="3200">
+                <a:solidFill>
+                  <a:schemeClr val="bg1"/>
+                </a:solidFill>
+                <a:latin typeface="+mj-lt"/>
+                <a:ea typeface="+mj-ea"/>
+                <a:cs typeface="+mj-cs"/>
+              </a:defRPr>
+            </a:lvl1pPr>
+            <a:lvl2pPr algn="l" rtl="0" eaLnBrk="1" fontAlgn="base" hangingPunct="1">
+              <a:spcBef>
+                <a:spcPct val="0"/>
+              </a:spcBef>
+              <a:spcAft>
+                <a:spcPct val="0"/>
+              </a:spcAft>
+              <a:defRPr sz="3200">
+                <a:solidFill>
+                  <a:schemeClr val="bg1"/>
+                </a:solidFill>
+                <a:latin typeface="Arial" charset="0"/>
+              </a:defRPr>
+            </a:lvl2pPr>
+            <a:lvl3pPr algn="l" rtl="0" eaLnBrk="1" fontAlgn="base" hangingPunct="1">
+              <a:spcBef>
+                <a:spcPct val="0"/>
+              </a:spcBef>
+              <a:spcAft>
+                <a:spcPct val="0"/>
+              </a:spcAft>
+              <a:defRPr sz="3200">
+                <a:solidFill>
+                  <a:schemeClr val="bg1"/>
+                </a:solidFill>
+                <a:latin typeface="Arial" charset="0"/>
+              </a:defRPr>
+            </a:lvl3pPr>
+            <a:lvl4pPr algn="l" rtl="0" eaLnBrk="1" fontAlgn="base" hangingPunct="1">
+              <a:spcBef>
+                <a:spcPct val="0"/>
+              </a:spcBef>
+              <a:spcAft>
+                <a:spcPct val="0"/>
+              </a:spcAft>
+              <a:defRPr sz="3200">
+                <a:solidFill>
+                  <a:schemeClr val="bg1"/>
+                </a:solidFill>
+                <a:latin typeface="Arial" charset="0"/>
+              </a:defRPr>
+            </a:lvl4pPr>
+            <a:lvl5pPr algn="l" rtl="0" eaLnBrk="1" fontAlgn="base" hangingPunct="1">
+              <a:spcBef>
+                <a:spcPct val="0"/>
+              </a:spcBef>
+              <a:spcAft>
+                <a:spcPct val="0"/>
+              </a:spcAft>
+              <a:defRPr sz="3200">
+                <a:solidFill>
+                  <a:schemeClr val="bg1"/>
+                </a:solidFill>
+                <a:latin typeface="Arial" charset="0"/>
+              </a:defRPr>
+            </a:lvl5pPr>
+            <a:lvl6pPr marL="457200" algn="l" rtl="0" eaLnBrk="1" fontAlgn="base" hangingPunct="1">
+              <a:spcBef>
+                <a:spcPct val="0"/>
+              </a:spcBef>
+              <a:spcAft>
+                <a:spcPct val="0"/>
+              </a:spcAft>
+              <a:defRPr sz="3200">
+                <a:solidFill>
+                  <a:schemeClr val="bg1"/>
+                </a:solidFill>
+                <a:latin typeface="Arial" charset="0"/>
+              </a:defRPr>
+            </a:lvl6pPr>
+            <a:lvl7pPr marL="914400" algn="l" rtl="0" eaLnBrk="1" fontAlgn="base" hangingPunct="1">
+              <a:spcBef>
+                <a:spcPct val="0"/>
+              </a:spcBef>
+              <a:spcAft>
+                <a:spcPct val="0"/>
+              </a:spcAft>
+              <a:defRPr sz="3200">
+                <a:solidFill>
+                  <a:schemeClr val="bg1"/>
+                </a:solidFill>
+                <a:latin typeface="Arial" charset="0"/>
+              </a:defRPr>
+            </a:lvl7pPr>
+            <a:lvl8pPr marL="1371600" algn="l" rtl="0" eaLnBrk="1" fontAlgn="base" hangingPunct="1">
+              <a:spcBef>
+                <a:spcPct val="0"/>
+              </a:spcBef>
+              <a:spcAft>
+                <a:spcPct val="0"/>
+              </a:spcAft>
+              <a:defRPr sz="3200">
+                <a:solidFill>
+                  <a:schemeClr val="bg1"/>
+                </a:solidFill>
+                <a:latin typeface="Arial" charset="0"/>
+              </a:defRPr>
+            </a:lvl8pPr>
+            <a:lvl9pPr marL="1828800" algn="l" rtl="0" eaLnBrk="1" fontAlgn="base" hangingPunct="1">
+              <a:spcBef>
+                <a:spcPct val="0"/>
+              </a:spcBef>
+              <a:spcAft>
+                <a:spcPct val="0"/>
+              </a:spcAft>
+              <a:defRPr sz="3200">
+                <a:solidFill>
+                  <a:schemeClr val="bg1"/>
+                </a:solidFill>
+                <a:latin typeface="Arial" charset="0"/>
+              </a:defRPr>
+            </a:lvl9pPr>
+          </a:lstStyle>
+          <a:p>
+            <a:r>
+              <a:rPr lang="en-US" sz="2400" kern="0" dirty="0" smtClean="0">
+                <a:solidFill>
+                  <a:srgbClr val="000000"/>
+                </a:solidFill>
+              </a:rPr>
+              <a:t>Diagramas de Clases y Secuencias</a:t>
+            </a:r>
           </a:p>
         </p:txBody>
       </p:sp>

--- a/Analysis/pdf/Integrantes.pptx
+++ b/Analysis/pdf/Integrantes.pptx
@@ -1,30 +1,445 @@
 
 <file path=ppt/presentation.xml><?xml version="1.0" encoding="utf-8"?>
-<p:presentation xmlns:a="http://schemas.openxmlformats.org/drawingml/2006/main" xmlns:p="http://schemas.openxmlformats.org/presentationml/2006/main" xmlns:r="http://schemas.openxmlformats.org/officeDocument/2006/relationships" xmlns:p14="http://schemas.microsoft.com/office/powerpoint/2010/main" xmlns:p15="http://schemas.microsoft.com/office/powerpoint/2012/main" xmlns:mc="http://schemas.openxmlformats.org/markup-compatibility/2006">
+<p:presentation xmlns:a="http://schemas.openxmlformats.org/drawingml/2006/main" xmlns:r="http://schemas.openxmlformats.org/officeDocument/2006/relationships" xmlns:p="http://schemas.openxmlformats.org/presentationml/2006/main">
   <p:sldMasterIdLst>
-    <p:sldMasterId id="2147483648" r:id="rId2"/>
-    <p:sldMasterId id="2147483661" r:id="rId3"/>
+    <p:sldMasterId id="2147483648" r:id="rId1"/>
+    <p:sldMasterId id="2147483661" r:id="rId2"/>
   </p:sldMasterIdLst>
   <p:notesMasterIdLst>
-    <p:notesMasterId r:id="rId4"/>
+    <p:notesMasterId r:id="rId11"/>
   </p:notesMasterIdLst>
   <p:sldIdLst>
-    <p:sldId id="256" r:id="rId5"/>
-    <p:sldId id="257" r:id="rId6"/>
-    <p:sldId id="258" r:id="rId7"/>
-    <p:sldId id="259" r:id="rId8"/>
-    <p:sldId id="260" r:id="rId9"/>
-    <p:sldId id="261" r:id="rId10"/>
-    <p:sldId id="262" r:id="rId11"/>
-    <p:sldId id="263" r:id="rId12"/>
+    <p:sldId id="256" r:id="rId3"/>
+    <p:sldId id="257" r:id="rId4"/>
+    <p:sldId id="258" r:id="rId5"/>
+    <p:sldId id="259" r:id="rId6"/>
+    <p:sldId id="260" r:id="rId7"/>
+    <p:sldId id="261" r:id="rId8"/>
+    <p:sldId id="262" r:id="rId9"/>
+    <p:sldId id="263" r:id="rId10"/>
   </p:sldIdLst>
-  <p:sldSz cx="9144000" cy="6858000"/>
+  <p:sldSz cx="9144000" cy="6858000" type="screen4x3"/>
   <p:notesSz cx="6858000" cy="9144000"/>
+  <p:defaultTextStyle>
+    <a:defPPr>
+      <a:defRPr lang="es-ES"/>
+    </a:defPPr>
+    <a:lvl1pPr marL="0" algn="l" defTabSz="914400" rtl="0" eaLnBrk="1" latinLnBrk="0" hangingPunct="1">
+      <a:defRPr sz="1800" kern="1200">
+        <a:solidFill>
+          <a:schemeClr val="tx1"/>
+        </a:solidFill>
+        <a:latin typeface="+mn-lt"/>
+        <a:ea typeface="+mn-ea"/>
+        <a:cs typeface="+mn-cs"/>
+      </a:defRPr>
+    </a:lvl1pPr>
+    <a:lvl2pPr marL="457200" algn="l" defTabSz="914400" rtl="0" eaLnBrk="1" latinLnBrk="0" hangingPunct="1">
+      <a:defRPr sz="1800" kern="1200">
+        <a:solidFill>
+          <a:schemeClr val="tx1"/>
+        </a:solidFill>
+        <a:latin typeface="+mn-lt"/>
+        <a:ea typeface="+mn-ea"/>
+        <a:cs typeface="+mn-cs"/>
+      </a:defRPr>
+    </a:lvl2pPr>
+    <a:lvl3pPr marL="914400" algn="l" defTabSz="914400" rtl="0" eaLnBrk="1" latinLnBrk="0" hangingPunct="1">
+      <a:defRPr sz="1800" kern="1200">
+        <a:solidFill>
+          <a:schemeClr val="tx1"/>
+        </a:solidFill>
+        <a:latin typeface="+mn-lt"/>
+        <a:ea typeface="+mn-ea"/>
+        <a:cs typeface="+mn-cs"/>
+      </a:defRPr>
+    </a:lvl3pPr>
+    <a:lvl4pPr marL="1371600" algn="l" defTabSz="914400" rtl="0" eaLnBrk="1" latinLnBrk="0" hangingPunct="1">
+      <a:defRPr sz="1800" kern="1200">
+        <a:solidFill>
+          <a:schemeClr val="tx1"/>
+        </a:solidFill>
+        <a:latin typeface="+mn-lt"/>
+        <a:ea typeface="+mn-ea"/>
+        <a:cs typeface="+mn-cs"/>
+      </a:defRPr>
+    </a:lvl4pPr>
+    <a:lvl5pPr marL="1828800" algn="l" defTabSz="914400" rtl="0" eaLnBrk="1" latinLnBrk="0" hangingPunct="1">
+      <a:defRPr sz="1800" kern="1200">
+        <a:solidFill>
+          <a:schemeClr val="tx1"/>
+        </a:solidFill>
+        <a:latin typeface="+mn-lt"/>
+        <a:ea typeface="+mn-ea"/>
+        <a:cs typeface="+mn-cs"/>
+      </a:defRPr>
+    </a:lvl5pPr>
+    <a:lvl6pPr marL="2286000" algn="l" defTabSz="914400" rtl="0" eaLnBrk="1" latinLnBrk="0" hangingPunct="1">
+      <a:defRPr sz="1800" kern="1200">
+        <a:solidFill>
+          <a:schemeClr val="tx1"/>
+        </a:solidFill>
+        <a:latin typeface="+mn-lt"/>
+        <a:ea typeface="+mn-ea"/>
+        <a:cs typeface="+mn-cs"/>
+      </a:defRPr>
+    </a:lvl6pPr>
+    <a:lvl7pPr marL="2743200" algn="l" defTabSz="914400" rtl="0" eaLnBrk="1" latinLnBrk="0" hangingPunct="1">
+      <a:defRPr sz="1800" kern="1200">
+        <a:solidFill>
+          <a:schemeClr val="tx1"/>
+        </a:solidFill>
+        <a:latin typeface="+mn-lt"/>
+        <a:ea typeface="+mn-ea"/>
+        <a:cs typeface="+mn-cs"/>
+      </a:defRPr>
+    </a:lvl7pPr>
+    <a:lvl8pPr marL="3200400" algn="l" defTabSz="914400" rtl="0" eaLnBrk="1" latinLnBrk="0" hangingPunct="1">
+      <a:defRPr sz="1800" kern="1200">
+        <a:solidFill>
+          <a:schemeClr val="tx1"/>
+        </a:solidFill>
+        <a:latin typeface="+mn-lt"/>
+        <a:ea typeface="+mn-ea"/>
+        <a:cs typeface="+mn-cs"/>
+      </a:defRPr>
+    </a:lvl8pPr>
+    <a:lvl9pPr marL="3657600" algn="l" defTabSz="914400" rtl="0" eaLnBrk="1" latinLnBrk="0" hangingPunct="1">
+      <a:defRPr sz="1800" kern="1200">
+        <a:solidFill>
+          <a:schemeClr val="tx1"/>
+        </a:solidFill>
+        <a:latin typeface="+mn-lt"/>
+        <a:ea typeface="+mn-ea"/>
+        <a:cs typeface="+mn-cs"/>
+      </a:defRPr>
+    </a:lvl9pPr>
+  </p:defaultTextStyle>
 </p:presentation>
 </file>
 
 <file path=ppt/notesMasters/notesMaster1.xml><?xml version="1.0" encoding="utf-8"?>
-<p:notesMaster xmlns:a="http://schemas.openxmlformats.org/drawingml/2006/main" xmlns:p="http://schemas.openxmlformats.org/presentationml/2006/main" xmlns:r="http://schemas.openxmlformats.org/officeDocument/2006/relationships" xmlns:p14="http://schemas.microsoft.com/office/powerpoint/2010/main" xmlns:p15="http://schemas.microsoft.com/office/powerpoint/2012/main" xmlns:mc="http://schemas.openxmlformats.org/markup-compatibility/2006">
+<p:notesMaster xmlns:a="http://schemas.openxmlformats.org/drawingml/2006/main" xmlns:r="http://schemas.openxmlformats.org/officeDocument/2006/relationships" xmlns:p="http://schemas.openxmlformats.org/presentationml/2006/main">
+  <p:cSld>
+    <p:bg>
+      <p:bgRef idx="1001">
+        <a:schemeClr val="bg1"/>
+      </p:bgRef>
+    </p:bg>
+    <p:spTree>
+      <p:nvGrpSpPr>
+        <p:cNvPr id="1" name=""/>
+        <p:cNvGrpSpPr/>
+        <p:nvPr/>
+      </p:nvGrpSpPr>
+      <p:grpSpPr>
+        <a:xfrm>
+          <a:off x="0" y="0"/>
+          <a:ext cx="0" cy="0"/>
+          <a:chOff x="0" y="0"/>
+          <a:chExt cx="0" cy="0"/>
+        </a:xfrm>
+      </p:grpSpPr>
+      <p:sp>
+        <p:nvSpPr>
+          <p:cNvPr id="76" name="PlaceHolder 1"/>
+          <p:cNvSpPr>
+            <a:spLocks noGrp="1" noRot="1" noChangeAspect="1"/>
+          </p:cNvSpPr>
+          <p:nvPr>
+            <p:ph type="sldImg"/>
+          </p:nvPr>
+        </p:nvSpPr>
+        <p:spPr>
+          <a:xfrm>
+            <a:off x="216000" y="812520"/>
+            <a:ext cx="7127280" cy="4008960"/>
+          </a:xfrm>
+          <a:prstGeom prst="rect">
+            <a:avLst/>
+          </a:prstGeom>
+        </p:spPr>
+        <p:txBody>
+          <a:bodyPr lIns="0" tIns="0" rIns="0" bIns="0" anchor="ctr"/>
+          <a:lstStyle/>
+          <a:p>
+            <a:r>
+              <a:rPr lang="ru-RU" sz="3200" b="0" strike="noStrike" spc="-1">
+                <a:solidFill>
+                  <a:srgbClr val="4D4D4D"/>
+                </a:solidFill>
+                <a:latin typeface="Arial"/>
+              </a:rPr>
+              <a:t>Pulse para desplazar la página</a:t>
+            </a:r>
+          </a:p>
+        </p:txBody>
+      </p:sp>
+      <p:sp>
+        <p:nvSpPr>
+          <p:cNvPr id="77" name="PlaceHolder 2"/>
+          <p:cNvSpPr>
+            <a:spLocks noGrp="1"/>
+          </p:cNvSpPr>
+          <p:nvPr>
+            <p:ph type="body"/>
+          </p:nvPr>
+        </p:nvSpPr>
+        <p:spPr>
+          <a:xfrm>
+            <a:off x="756000" y="5078520"/>
+            <a:ext cx="6047640" cy="4811040"/>
+          </a:xfrm>
+          <a:prstGeom prst="rect">
+            <a:avLst/>
+          </a:prstGeom>
+        </p:spPr>
+        <p:txBody>
+          <a:bodyPr lIns="0" tIns="0" rIns="0" bIns="0"/>
+          <a:lstStyle/>
+          <a:p>
+            <a:r>
+              <a:rPr lang="es-PY" sz="2000" b="0" strike="noStrike" spc="-1">
+                <a:latin typeface="Arial"/>
+              </a:rPr>
+              <a:t>Pulse para editar el formato de las notas</a:t>
+            </a:r>
+          </a:p>
+        </p:txBody>
+      </p:sp>
+      <p:sp>
+        <p:nvSpPr>
+          <p:cNvPr id="78" name="PlaceHolder 3"/>
+          <p:cNvSpPr>
+            <a:spLocks noGrp="1"/>
+          </p:cNvSpPr>
+          <p:nvPr>
+            <p:ph type="hdr"/>
+          </p:nvPr>
+        </p:nvSpPr>
+        <p:spPr>
+          <a:xfrm>
+            <a:off x="0" y="0"/>
+            <a:ext cx="3280680" cy="534240"/>
+          </a:xfrm>
+          <a:prstGeom prst="rect">
+            <a:avLst/>
+          </a:prstGeom>
+        </p:spPr>
+        <p:txBody>
+          <a:bodyPr lIns="0" tIns="0" rIns="0" bIns="0"/>
+          <a:lstStyle/>
+          <a:p>
+            <a:r>
+              <a:rPr lang="es-PY" sz="1400" b="0" strike="noStrike" spc="-1">
+                <a:latin typeface="Times New Roman"/>
+              </a:rPr>
+              <a:t> </a:t>
+            </a:r>
+          </a:p>
+        </p:txBody>
+      </p:sp>
+      <p:sp>
+        <p:nvSpPr>
+          <p:cNvPr id="79" name="PlaceHolder 4"/>
+          <p:cNvSpPr>
+            <a:spLocks noGrp="1"/>
+          </p:cNvSpPr>
+          <p:nvPr>
+            <p:ph type="dt"/>
+          </p:nvPr>
+        </p:nvSpPr>
+        <p:spPr>
+          <a:xfrm>
+            <a:off x="4278960" y="0"/>
+            <a:ext cx="3280680" cy="534240"/>
+          </a:xfrm>
+          <a:prstGeom prst="rect">
+            <a:avLst/>
+          </a:prstGeom>
+        </p:spPr>
+        <p:txBody>
+          <a:bodyPr lIns="0" tIns="0" rIns="0" bIns="0"/>
+          <a:lstStyle/>
+          <a:p>
+            <a:pPr algn="r"/>
+            <a:r>
+              <a:rPr lang="es-PY" sz="1400" b="0" strike="noStrike" spc="-1">
+                <a:latin typeface="Times New Roman"/>
+              </a:rPr>
+              <a:t> </a:t>
+            </a:r>
+          </a:p>
+        </p:txBody>
+      </p:sp>
+      <p:sp>
+        <p:nvSpPr>
+          <p:cNvPr id="80" name="PlaceHolder 5"/>
+          <p:cNvSpPr>
+            <a:spLocks noGrp="1"/>
+          </p:cNvSpPr>
+          <p:nvPr>
+            <p:ph type="ftr"/>
+          </p:nvPr>
+        </p:nvSpPr>
+        <p:spPr>
+          <a:xfrm>
+            <a:off x="0" y="10157400"/>
+            <a:ext cx="3280680" cy="534240"/>
+          </a:xfrm>
+          <a:prstGeom prst="rect">
+            <a:avLst/>
+          </a:prstGeom>
+        </p:spPr>
+        <p:txBody>
+          <a:bodyPr lIns="0" tIns="0" rIns="0" bIns="0" anchor="b"/>
+          <a:lstStyle/>
+          <a:p>
+            <a:r>
+              <a:rPr lang="es-PY" sz="1400" b="0" strike="noStrike" spc="-1">
+                <a:latin typeface="Times New Roman"/>
+              </a:rPr>
+              <a:t> </a:t>
+            </a:r>
+          </a:p>
+        </p:txBody>
+      </p:sp>
+      <p:sp>
+        <p:nvSpPr>
+          <p:cNvPr id="81" name="PlaceHolder 6"/>
+          <p:cNvSpPr>
+            <a:spLocks noGrp="1"/>
+          </p:cNvSpPr>
+          <p:nvPr>
+            <p:ph type="sldNum"/>
+          </p:nvPr>
+        </p:nvSpPr>
+        <p:spPr>
+          <a:xfrm>
+            <a:off x="4278960" y="10157400"/>
+            <a:ext cx="3280680" cy="534240"/>
+          </a:xfrm>
+          <a:prstGeom prst="rect">
+            <a:avLst/>
+          </a:prstGeom>
+        </p:spPr>
+        <p:txBody>
+          <a:bodyPr lIns="0" tIns="0" rIns="0" bIns="0" anchor="b"/>
+          <a:lstStyle/>
+          <a:p>
+            <a:pPr algn="r"/>
+            <a:fld id="{B8F4E7C2-6BB3-45D2-A3AB-CD3CB6BB4AB9}" type="slidenum">
+              <a:rPr lang="es-PY" sz="1400" b="0" strike="noStrike" spc="-1">
+                <a:latin typeface="Times New Roman"/>
+              </a:rPr>
+              <a:t>‹Nº›</a:t>
+            </a:fld>
+            <a:endParaRPr lang="es-PY" sz="1400" b="0" strike="noStrike" spc="-1">
+              <a:latin typeface="Times New Roman"/>
+            </a:endParaRPr>
+          </a:p>
+        </p:txBody>
+      </p:sp>
+    </p:spTree>
+  </p:cSld>
+  <p:clrMap bg1="lt1" tx1="dk1" bg2="lt2" tx2="dk2" accent1="accent1" accent2="accent2" accent3="accent3" accent4="accent4" accent5="accent5" accent6="accent6" hlink="hlink" folHlink="folHlink"/>
+  <p:notesStyle>
+    <a:lvl1pPr marL="0" algn="l" defTabSz="914400" rtl="0" eaLnBrk="1" latinLnBrk="0" hangingPunct="1">
+      <a:defRPr sz="1200" kern="1200">
+        <a:solidFill>
+          <a:schemeClr val="tx1"/>
+        </a:solidFill>
+        <a:latin typeface="+mn-lt"/>
+        <a:ea typeface="+mn-ea"/>
+        <a:cs typeface="+mn-cs"/>
+      </a:defRPr>
+    </a:lvl1pPr>
+    <a:lvl2pPr marL="457200" algn="l" defTabSz="914400" rtl="0" eaLnBrk="1" latinLnBrk="0" hangingPunct="1">
+      <a:defRPr sz="1200" kern="1200">
+        <a:solidFill>
+          <a:schemeClr val="tx1"/>
+        </a:solidFill>
+        <a:latin typeface="+mn-lt"/>
+        <a:ea typeface="+mn-ea"/>
+        <a:cs typeface="+mn-cs"/>
+      </a:defRPr>
+    </a:lvl2pPr>
+    <a:lvl3pPr marL="914400" algn="l" defTabSz="914400" rtl="0" eaLnBrk="1" latinLnBrk="0" hangingPunct="1">
+      <a:defRPr sz="1200" kern="1200">
+        <a:solidFill>
+          <a:schemeClr val="tx1"/>
+        </a:solidFill>
+        <a:latin typeface="+mn-lt"/>
+        <a:ea typeface="+mn-ea"/>
+        <a:cs typeface="+mn-cs"/>
+      </a:defRPr>
+    </a:lvl3pPr>
+    <a:lvl4pPr marL="1371600" algn="l" defTabSz="914400" rtl="0" eaLnBrk="1" latinLnBrk="0" hangingPunct="1">
+      <a:defRPr sz="1200" kern="1200">
+        <a:solidFill>
+          <a:schemeClr val="tx1"/>
+        </a:solidFill>
+        <a:latin typeface="+mn-lt"/>
+        <a:ea typeface="+mn-ea"/>
+        <a:cs typeface="+mn-cs"/>
+      </a:defRPr>
+    </a:lvl4pPr>
+    <a:lvl5pPr marL="1828800" algn="l" defTabSz="914400" rtl="0" eaLnBrk="1" latinLnBrk="0" hangingPunct="1">
+      <a:defRPr sz="1200" kern="1200">
+        <a:solidFill>
+          <a:schemeClr val="tx1"/>
+        </a:solidFill>
+        <a:latin typeface="+mn-lt"/>
+        <a:ea typeface="+mn-ea"/>
+        <a:cs typeface="+mn-cs"/>
+      </a:defRPr>
+    </a:lvl5pPr>
+    <a:lvl6pPr marL="2286000" algn="l" defTabSz="914400" rtl="0" eaLnBrk="1" latinLnBrk="0" hangingPunct="1">
+      <a:defRPr sz="1200" kern="1200">
+        <a:solidFill>
+          <a:schemeClr val="tx1"/>
+        </a:solidFill>
+        <a:latin typeface="+mn-lt"/>
+        <a:ea typeface="+mn-ea"/>
+        <a:cs typeface="+mn-cs"/>
+      </a:defRPr>
+    </a:lvl6pPr>
+    <a:lvl7pPr marL="2743200" algn="l" defTabSz="914400" rtl="0" eaLnBrk="1" latinLnBrk="0" hangingPunct="1">
+      <a:defRPr sz="1200" kern="1200">
+        <a:solidFill>
+          <a:schemeClr val="tx1"/>
+        </a:solidFill>
+        <a:latin typeface="+mn-lt"/>
+        <a:ea typeface="+mn-ea"/>
+        <a:cs typeface="+mn-cs"/>
+      </a:defRPr>
+    </a:lvl7pPr>
+    <a:lvl8pPr marL="3200400" algn="l" defTabSz="914400" rtl="0" eaLnBrk="1" latinLnBrk="0" hangingPunct="1">
+      <a:defRPr sz="1200" kern="1200">
+        <a:solidFill>
+          <a:schemeClr val="tx1"/>
+        </a:solidFill>
+        <a:latin typeface="+mn-lt"/>
+        <a:ea typeface="+mn-ea"/>
+        <a:cs typeface="+mn-cs"/>
+      </a:defRPr>
+    </a:lvl8pPr>
+    <a:lvl9pPr marL="3657600" algn="l" defTabSz="914400" rtl="0" eaLnBrk="1" latinLnBrk="0" hangingPunct="1">
+      <a:defRPr sz="1200" kern="1200">
+        <a:solidFill>
+          <a:schemeClr val="tx1"/>
+        </a:solidFill>
+        <a:latin typeface="+mn-lt"/>
+        <a:ea typeface="+mn-ea"/>
+        <a:cs typeface="+mn-cs"/>
+      </a:defRPr>
+    </a:lvl9pPr>
+  </p:notesStyle>
+</p:notesMaster>
+</file>
+
+<file path=ppt/notesSlides/notesSlide1.xml><?xml version="1.0" encoding="utf-8"?>
+<p:notes xmlns:a="http://schemas.openxmlformats.org/drawingml/2006/main" xmlns:r="http://schemas.openxmlformats.org/officeDocument/2006/relationships" xmlns:p="http://schemas.openxmlformats.org/presentationml/2006/main">
   <p:cSld>
     <p:spTree>
       <p:nvGrpSpPr>
@@ -42,224 +457,103 @@
       </p:grpSpPr>
       <p:sp>
         <p:nvSpPr>
-          <p:cNvPr id="76" name="PlaceHolder 1"/>
-          <p:cNvSpPr>
-            <a:spLocks noGrp="1"/>
-          </p:cNvSpPr>
-          <p:nvPr>
-            <p:ph type="sldImg"/>
-          </p:nvPr>
-        </p:nvSpPr>
-        <p:spPr>
-          <a:xfrm>
-            <a:off x="216000" y="812520"/>
-            <a:ext cx="7127280" cy="4008960"/>
-          </a:xfrm>
-          <a:prstGeom prst="rect">
-            <a:avLst/>
-          </a:prstGeom>
-        </p:spPr>
-        <p:txBody>
-          <a:bodyPr lIns="0" rIns="0" tIns="0" bIns="0" anchor="ctr"/>
-          <a:p>
-            <a:r>
-              <a:rPr b="0" lang="ru-RU" sz="3200" spc="-1" strike="noStrike">
-                <a:solidFill>
-                  <a:srgbClr val="4d4d4d"/>
-                </a:solidFill>
-                <a:latin typeface="Arial"/>
-              </a:rPr>
-              <a:t>Pulse para desplazar la página</a:t>
-            </a:r>
-            <a:endParaRPr b="0" lang="ru-RU" sz="3200" spc="-1" strike="noStrike">
-              <a:solidFill>
-                <a:srgbClr val="4d4d4d"/>
-              </a:solidFill>
-              <a:latin typeface="Arial"/>
-            </a:endParaRPr>
-          </a:p>
-        </p:txBody>
-      </p:sp>
-      <p:sp>
-        <p:nvSpPr>
-          <p:cNvPr id="77" name="PlaceHolder 2"/>
-          <p:cNvSpPr>
-            <a:spLocks noGrp="1"/>
-          </p:cNvSpPr>
-          <p:nvPr>
-            <p:ph type="body"/>
-          </p:nvPr>
-        </p:nvSpPr>
-        <p:spPr>
-          <a:xfrm>
-            <a:off x="756000" y="5078520"/>
-            <a:ext cx="6047640" cy="4811040"/>
-          </a:xfrm>
-          <a:prstGeom prst="rect">
-            <a:avLst/>
-          </a:prstGeom>
-        </p:spPr>
-        <p:txBody>
-          <a:bodyPr lIns="0" rIns="0" tIns="0" bIns="0"/>
-          <a:p>
-            <a:r>
-              <a:rPr b="0" lang="es-PY" sz="2000" spc="-1" strike="noStrike">
-                <a:latin typeface="Arial"/>
-              </a:rPr>
-              <a:t>Pulse para editar el formato de las notas</a:t>
-            </a:r>
-            <a:endParaRPr b="0" lang="es-PY" sz="2000" spc="-1" strike="noStrike">
-              <a:latin typeface="Arial"/>
-            </a:endParaRPr>
-          </a:p>
-        </p:txBody>
-      </p:sp>
-      <p:sp>
-        <p:nvSpPr>
-          <p:cNvPr id="78" name="PlaceHolder 3"/>
-          <p:cNvSpPr>
-            <a:spLocks noGrp="1"/>
-          </p:cNvSpPr>
-          <p:nvPr>
-            <p:ph type="hdr"/>
-          </p:nvPr>
-        </p:nvSpPr>
-        <p:spPr>
-          <a:xfrm>
-            <a:off x="0" y="0"/>
-            <a:ext cx="3280680" cy="534240"/>
-          </a:xfrm>
-          <a:prstGeom prst="rect">
-            <a:avLst/>
-          </a:prstGeom>
-        </p:spPr>
-        <p:txBody>
-          <a:bodyPr lIns="0" rIns="0" tIns="0" bIns="0"/>
-          <a:p>
-            <a:r>
-              <a:rPr b="0" lang="es-PY" sz="1400" spc="-1" strike="noStrike">
-                <a:latin typeface="Times New Roman"/>
-              </a:rPr>
-              <a:t> </a:t>
-            </a:r>
-            <a:endParaRPr b="0" lang="es-PY" sz="1400" spc="-1" strike="noStrike">
-              <a:latin typeface="Times New Roman"/>
-            </a:endParaRPr>
-          </a:p>
-        </p:txBody>
-      </p:sp>
-      <p:sp>
-        <p:nvSpPr>
-          <p:cNvPr id="79" name="PlaceHolder 4"/>
-          <p:cNvSpPr>
-            <a:spLocks noGrp="1"/>
-          </p:cNvSpPr>
-          <p:nvPr>
-            <p:ph type="dt"/>
-          </p:nvPr>
-        </p:nvSpPr>
-        <p:spPr>
-          <a:xfrm>
-            <a:off x="4278960" y="0"/>
-            <a:ext cx="3280680" cy="534240"/>
-          </a:xfrm>
-          <a:prstGeom prst="rect">
-            <a:avLst/>
-          </a:prstGeom>
-        </p:spPr>
-        <p:txBody>
-          <a:bodyPr lIns="0" rIns="0" tIns="0" bIns="0"/>
-          <a:p>
-            <a:pPr algn="r"/>
-            <a:r>
-              <a:rPr b="0" lang="es-PY" sz="1400" spc="-1" strike="noStrike">
-                <a:latin typeface="Times New Roman"/>
-              </a:rPr>
-              <a:t> </a:t>
-            </a:r>
-            <a:endParaRPr b="0" lang="es-PY" sz="1400" spc="-1" strike="noStrike">
-              <a:latin typeface="Times New Roman"/>
-            </a:endParaRPr>
-          </a:p>
-        </p:txBody>
-      </p:sp>
-      <p:sp>
-        <p:nvSpPr>
-          <p:cNvPr id="80" name="PlaceHolder 5"/>
-          <p:cNvSpPr>
-            <a:spLocks noGrp="1"/>
-          </p:cNvSpPr>
-          <p:nvPr>
-            <p:ph type="ftr"/>
-          </p:nvPr>
-        </p:nvSpPr>
-        <p:spPr>
-          <a:xfrm>
-            <a:off x="0" y="10157400"/>
-            <a:ext cx="3280680" cy="534240"/>
-          </a:xfrm>
-          <a:prstGeom prst="rect">
-            <a:avLst/>
-          </a:prstGeom>
-        </p:spPr>
-        <p:txBody>
-          <a:bodyPr lIns="0" rIns="0" tIns="0" bIns="0" anchor="b"/>
-          <a:p>
-            <a:r>
-              <a:rPr b="0" lang="es-PY" sz="1400" spc="-1" strike="noStrike">
-                <a:latin typeface="Times New Roman"/>
-              </a:rPr>
-              <a:t> </a:t>
-            </a:r>
-            <a:endParaRPr b="0" lang="es-PY" sz="1400" spc="-1" strike="noStrike">
-              <a:latin typeface="Times New Roman"/>
-            </a:endParaRPr>
-          </a:p>
-        </p:txBody>
-      </p:sp>
-      <p:sp>
-        <p:nvSpPr>
-          <p:cNvPr id="81" name="PlaceHolder 6"/>
-          <p:cNvSpPr>
-            <a:spLocks noGrp="1"/>
-          </p:cNvSpPr>
-          <p:nvPr>
-            <p:ph type="sldNum"/>
-          </p:nvPr>
-        </p:nvSpPr>
-        <p:spPr>
-          <a:xfrm>
-            <a:off x="4278960" y="10157400"/>
-            <a:ext cx="3280680" cy="534240"/>
-          </a:xfrm>
-          <a:prstGeom prst="rect">
-            <a:avLst/>
-          </a:prstGeom>
-        </p:spPr>
-        <p:txBody>
-          <a:bodyPr lIns="0" rIns="0" tIns="0" bIns="0" anchor="b"/>
-          <a:p>
-            <a:pPr algn="r"/>
-            <a:fld id="{B8F4E7C2-6BB3-45D2-A3AB-CD3CB6BB4AB9}" type="slidenum">
-              <a:rPr b="0" lang="es-PY" sz="1400" spc="-1" strike="noStrike">
+          <p:cNvPr id="101" name="TextShape 1"/>
+          <p:cNvSpPr txBox="1"/>
+          <p:nvPr/>
+        </p:nvSpPr>
+        <p:spPr>
+          <a:xfrm>
+            <a:off x="3884760" y="8685360"/>
+            <a:ext cx="2971440" cy="456840"/>
+          </a:xfrm>
+          <a:prstGeom prst="rect">
+            <a:avLst/>
+          </a:prstGeom>
+          <a:noFill/>
+          <a:ln>
+            <a:noFill/>
+          </a:ln>
+        </p:spPr>
+        <p:txBody>
+          <a:bodyPr anchor="b"/>
+          <a:lstStyle/>
+          <a:p>
+            <a:pPr algn="r">
+              <a:lnSpc>
+                <a:spcPct val="100000"/>
+              </a:lnSpc>
+            </a:pPr>
+            <a:fld id="{707AA4F1-79DA-470B-95E3-26A727001B8E}" type="slidenum">
+              <a:rPr lang="es-PY" sz="1200" b="0" strike="noStrike" spc="-1">
                 <a:latin typeface="Times New Roman"/>
               </a:rPr>
               <a:t>1</a:t>
             </a:fld>
-            <a:endParaRPr b="0" lang="es-PY" sz="1400" spc="-1" strike="noStrike">
+            <a:endParaRPr lang="es-PY" sz="1200" b="0" strike="noStrike" spc="-1">
               <a:latin typeface="Times New Roman"/>
+            </a:endParaRPr>
+          </a:p>
+        </p:txBody>
+      </p:sp>
+      <p:sp>
+        <p:nvSpPr>
+          <p:cNvPr id="102" name="PlaceHolder 2"/>
+          <p:cNvSpPr>
+            <a:spLocks noGrp="1" noRot="1" noChangeAspect="1"/>
+          </p:cNvSpPr>
+          <p:nvPr>
+            <p:ph type="sldImg"/>
+          </p:nvPr>
+        </p:nvSpPr>
+        <p:spPr>
+          <a:xfrm>
+            <a:off x="1143000" y="685800"/>
+            <a:ext cx="4571640" cy="3428640"/>
+          </a:xfrm>
+          <a:prstGeom prst="rect">
+            <a:avLst/>
+          </a:prstGeom>
+        </p:spPr>
+      </p:sp>
+      <p:sp>
+        <p:nvSpPr>
+          <p:cNvPr id="103" name="PlaceHolder 3"/>
+          <p:cNvSpPr>
+            <a:spLocks noGrp="1"/>
+          </p:cNvSpPr>
+          <p:nvPr>
+            <p:ph type="body"/>
+          </p:nvPr>
+        </p:nvSpPr>
+        <p:spPr>
+          <a:xfrm>
+            <a:off x="685800" y="4343400"/>
+            <a:ext cx="5486040" cy="4114440"/>
+          </a:xfrm>
+          <a:prstGeom prst="rect">
+            <a:avLst/>
+          </a:prstGeom>
+        </p:spPr>
+        <p:txBody>
+          <a:bodyPr/>
+          <a:lstStyle/>
+          <a:p>
+            <a:endParaRPr lang="es-PY" sz="2000" b="0" strike="noStrike" spc="-1">
+              <a:latin typeface="Arial"/>
             </a:endParaRPr>
           </a:p>
         </p:txBody>
       </p:sp>
     </p:spTree>
   </p:cSld>
-  <p:clrMap bg1="lt1" bg2="lt2" tx1="dk1" tx2="dk2" accent1="accent1" accent2="accent2" accent3="accent3" accent4="accent4" accent5="accent5" accent6="accent6" hlink="hlink" folHlink="folHlink"/>
-</p:notesMaster>
+  <p:clrMapOvr>
+    <a:masterClrMapping/>
+  </p:clrMapOvr>
+</p:notes>
 </file>
 
-<file path=ppt/notesSlides/notesSlide1.xml><?xml version="1.0" encoding="utf-8"?>
-<p:notes xmlns:a="http://schemas.openxmlformats.org/drawingml/2006/main" xmlns:p="http://schemas.openxmlformats.org/presentationml/2006/main" xmlns:r="http://schemas.openxmlformats.org/officeDocument/2006/relationships" xmlns:p14="http://schemas.microsoft.com/office/powerpoint/2010/main" xmlns:p15="http://schemas.microsoft.com/office/powerpoint/2012/main" xmlns:mc="http://schemas.openxmlformats.org/markup-compatibility/2006">
+<file path=ppt/notesSlides/notesSlide2.xml><?xml version="1.0" encoding="utf-8"?>
+<p:notes xmlns:a="http://schemas.openxmlformats.org/drawingml/2006/main" xmlns:r="http://schemas.openxmlformats.org/officeDocument/2006/relationships" xmlns:p="http://schemas.openxmlformats.org/presentationml/2006/main">
   <p:cSld>
     <p:spTree>
       <p:nvGrpSpPr>
@@ -277,7 +571,7 @@
       </p:grpSpPr>
       <p:sp>
         <p:nvSpPr>
-          <p:cNvPr id="101" name="TextShape 1"/>
+          <p:cNvPr id="104" name="TextShape 1"/>
           <p:cNvSpPr txBox="1"/>
           <p:nvPr/>
         </p:nvSpPr>
@@ -296,19 +590,20 @@
         </p:spPr>
         <p:txBody>
           <a:bodyPr anchor="b"/>
+          <a:lstStyle/>
           <a:p>
             <a:pPr algn="r">
               <a:lnSpc>
                 <a:spcPct val="100000"/>
               </a:lnSpc>
             </a:pPr>
-            <a:fld id="{707AA4F1-79DA-470B-95E3-26A727001B8E}" type="slidenum">
-              <a:rPr b="0" lang="es-PY" sz="1200" spc="-1" strike="noStrike">
+            <a:fld id="{2CA60914-133E-4FE1-ADDE-6B82B52B9623}" type="slidenum">
+              <a:rPr lang="es-PY" sz="1200" b="0" strike="noStrike" spc="-1">
                 <a:latin typeface="Times New Roman"/>
               </a:rPr>
-              <a:t>1</a:t>
+              <a:t>2</a:t>
             </a:fld>
-            <a:endParaRPr b="0" lang="es-PY" sz="1200" spc="-1" strike="noStrike">
+            <a:endParaRPr lang="es-PY" sz="1200" b="0" strike="noStrike" spc="-1">
               <a:latin typeface="Times New Roman"/>
             </a:endParaRPr>
           </a:p>
@@ -316,9 +611,9 @@
       </p:sp>
       <p:sp>
         <p:nvSpPr>
-          <p:cNvPr id="102" name="PlaceHolder 2"/>
-          <p:cNvSpPr>
-            <a:spLocks noGrp="1"/>
+          <p:cNvPr id="105" name="PlaceHolder 2"/>
+          <p:cNvSpPr>
+            <a:spLocks noGrp="1" noRot="1" noChangeAspect="1"/>
           </p:cNvSpPr>
           <p:nvPr>
             <p:ph type="sldImg"/>
@@ -336,7 +631,7 @@
       </p:sp>
       <p:sp>
         <p:nvSpPr>
-          <p:cNvPr id="103" name="PlaceHolder 3"/>
+          <p:cNvPr id="106" name="PlaceHolder 3"/>
           <p:cNvSpPr>
             <a:spLocks noGrp="1"/>
           </p:cNvSpPr>
@@ -355,8 +650,9 @@
         </p:spPr>
         <p:txBody>
           <a:bodyPr/>
-          <a:p>
-            <a:endParaRPr b="0" lang="es-PY" sz="2000" spc="-1" strike="noStrike">
+          <a:lstStyle/>
+          <a:p>
+            <a:endParaRPr lang="es-PY" sz="2000" b="0" strike="noStrike" spc="-1">
               <a:latin typeface="Arial"/>
             </a:endParaRPr>
           </a:p>
@@ -364,11 +660,14 @@
       </p:sp>
     </p:spTree>
   </p:cSld>
+  <p:clrMapOvr>
+    <a:masterClrMapping/>
+  </p:clrMapOvr>
 </p:notes>
 </file>
 
-<file path=ppt/notesSlides/notesSlide2.xml><?xml version="1.0" encoding="utf-8"?>
-<p:notes xmlns:a="http://schemas.openxmlformats.org/drawingml/2006/main" xmlns:p="http://schemas.openxmlformats.org/presentationml/2006/main" xmlns:r="http://schemas.openxmlformats.org/officeDocument/2006/relationships" xmlns:p14="http://schemas.microsoft.com/office/powerpoint/2010/main" xmlns:p15="http://schemas.microsoft.com/office/powerpoint/2012/main" xmlns:mc="http://schemas.openxmlformats.org/markup-compatibility/2006">
+<file path=ppt/notesSlides/notesSlide3.xml><?xml version="1.0" encoding="utf-8"?>
+<p:notes xmlns:a="http://schemas.openxmlformats.org/drawingml/2006/main" xmlns:r="http://schemas.openxmlformats.org/officeDocument/2006/relationships" xmlns:p="http://schemas.openxmlformats.org/presentationml/2006/main">
   <p:cSld>
     <p:spTree>
       <p:nvGrpSpPr>
@@ -386,7 +685,7 @@
       </p:grpSpPr>
       <p:sp>
         <p:nvSpPr>
-          <p:cNvPr id="104" name="TextShape 1"/>
+          <p:cNvPr id="107" name="TextShape 1"/>
           <p:cNvSpPr txBox="1"/>
           <p:nvPr/>
         </p:nvSpPr>
@@ -405,19 +704,20 @@
         </p:spPr>
         <p:txBody>
           <a:bodyPr anchor="b"/>
+          <a:lstStyle/>
           <a:p>
             <a:pPr algn="r">
               <a:lnSpc>
                 <a:spcPct val="100000"/>
               </a:lnSpc>
             </a:pPr>
-            <a:fld id="{2CA60914-133E-4FE1-ADDE-6B82B52B9623}" type="slidenum">
-              <a:rPr b="0" lang="es-PY" sz="1200" spc="-1" strike="noStrike">
+            <a:fld id="{336EE453-B1E8-4FE0-A8A7-B927CE58361D}" type="slidenum">
+              <a:rPr lang="es-PY" sz="1200" b="0" strike="noStrike" spc="-1">
                 <a:latin typeface="Times New Roman"/>
               </a:rPr>
-              <a:t>1</a:t>
+              <a:t>3</a:t>
             </a:fld>
-            <a:endParaRPr b="0" lang="es-PY" sz="1200" spc="-1" strike="noStrike">
+            <a:endParaRPr lang="es-PY" sz="1200" b="0" strike="noStrike" spc="-1">
               <a:latin typeface="Times New Roman"/>
             </a:endParaRPr>
           </a:p>
@@ -425,9 +725,9 @@
       </p:sp>
       <p:sp>
         <p:nvSpPr>
-          <p:cNvPr id="105" name="PlaceHolder 2"/>
-          <p:cNvSpPr>
-            <a:spLocks noGrp="1"/>
+          <p:cNvPr id="108" name="PlaceHolder 2"/>
+          <p:cNvSpPr>
+            <a:spLocks noGrp="1" noRot="1" noChangeAspect="1"/>
           </p:cNvSpPr>
           <p:nvPr>
             <p:ph type="sldImg"/>
@@ -445,7 +745,7 @@
       </p:sp>
       <p:sp>
         <p:nvSpPr>
-          <p:cNvPr id="106" name="PlaceHolder 3"/>
+          <p:cNvPr id="109" name="PlaceHolder 3"/>
           <p:cNvSpPr>
             <a:spLocks noGrp="1"/>
           </p:cNvSpPr>
@@ -464,8 +764,9 @@
         </p:spPr>
         <p:txBody>
           <a:bodyPr/>
-          <a:p>
-            <a:endParaRPr b="0" lang="es-PY" sz="2000" spc="-1" strike="noStrike">
+          <a:lstStyle/>
+          <a:p>
+            <a:endParaRPr lang="es-PY" sz="2000" b="0" strike="noStrike" spc="-1">
               <a:latin typeface="Arial"/>
             </a:endParaRPr>
           </a:p>
@@ -473,11 +774,14 @@
       </p:sp>
     </p:spTree>
   </p:cSld>
+  <p:clrMapOvr>
+    <a:masterClrMapping/>
+  </p:clrMapOvr>
 </p:notes>
 </file>
 
-<file path=ppt/notesSlides/notesSlide3.xml><?xml version="1.0" encoding="utf-8"?>
-<p:notes xmlns:a="http://schemas.openxmlformats.org/drawingml/2006/main" xmlns:p="http://schemas.openxmlformats.org/presentationml/2006/main" xmlns:r="http://schemas.openxmlformats.org/officeDocument/2006/relationships" xmlns:p14="http://schemas.microsoft.com/office/powerpoint/2010/main" xmlns:p15="http://schemas.microsoft.com/office/powerpoint/2012/main" xmlns:mc="http://schemas.openxmlformats.org/markup-compatibility/2006">
+<file path=ppt/notesSlides/notesSlide4.xml><?xml version="1.0" encoding="utf-8"?>
+<p:notes xmlns:a="http://schemas.openxmlformats.org/drawingml/2006/main" xmlns:r="http://schemas.openxmlformats.org/officeDocument/2006/relationships" xmlns:p="http://schemas.openxmlformats.org/presentationml/2006/main">
   <p:cSld>
     <p:spTree>
       <p:nvGrpSpPr>
@@ -495,7 +799,7 @@
       </p:grpSpPr>
       <p:sp>
         <p:nvSpPr>
-          <p:cNvPr id="107" name="TextShape 1"/>
+          <p:cNvPr id="110" name="TextShape 1"/>
           <p:cNvSpPr txBox="1"/>
           <p:nvPr/>
         </p:nvSpPr>
@@ -514,19 +818,20 @@
         </p:spPr>
         <p:txBody>
           <a:bodyPr anchor="b"/>
+          <a:lstStyle/>
           <a:p>
             <a:pPr algn="r">
               <a:lnSpc>
                 <a:spcPct val="100000"/>
               </a:lnSpc>
             </a:pPr>
-            <a:fld id="{336EE453-B1E8-4FE0-A8A7-B927CE58361D}" type="slidenum">
-              <a:rPr b="0" lang="es-PY" sz="1200" spc="-1" strike="noStrike">
+            <a:fld id="{1E0EA383-FD14-495A-A3F7-01DD235FEDC6}" type="slidenum">
+              <a:rPr lang="es-PY" sz="1200" b="0" strike="noStrike" spc="-1">
                 <a:latin typeface="Times New Roman"/>
               </a:rPr>
-              <a:t>1</a:t>
+              <a:t>4</a:t>
             </a:fld>
-            <a:endParaRPr b="0" lang="es-PY" sz="1200" spc="-1" strike="noStrike">
+            <a:endParaRPr lang="es-PY" sz="1200" b="0" strike="noStrike" spc="-1">
               <a:latin typeface="Times New Roman"/>
             </a:endParaRPr>
           </a:p>
@@ -534,9 +839,9 @@
       </p:sp>
       <p:sp>
         <p:nvSpPr>
-          <p:cNvPr id="108" name="PlaceHolder 2"/>
-          <p:cNvSpPr>
-            <a:spLocks noGrp="1"/>
+          <p:cNvPr id="111" name="PlaceHolder 2"/>
+          <p:cNvSpPr>
+            <a:spLocks noGrp="1" noRot="1" noChangeAspect="1"/>
           </p:cNvSpPr>
           <p:nvPr>
             <p:ph type="sldImg"/>
@@ -554,7 +859,7 @@
       </p:sp>
       <p:sp>
         <p:nvSpPr>
-          <p:cNvPr id="109" name="PlaceHolder 3"/>
+          <p:cNvPr id="112" name="PlaceHolder 3"/>
           <p:cNvSpPr>
             <a:spLocks noGrp="1"/>
           </p:cNvSpPr>
@@ -573,8 +878,9 @@
         </p:spPr>
         <p:txBody>
           <a:bodyPr/>
-          <a:p>
-            <a:endParaRPr b="0" lang="es-PY" sz="2000" spc="-1" strike="noStrike">
+          <a:lstStyle/>
+          <a:p>
+            <a:endParaRPr lang="es-PY" sz="2000" b="0" strike="noStrike" spc="-1">
               <a:latin typeface="Arial"/>
             </a:endParaRPr>
           </a:p>
@@ -582,11 +888,14 @@
       </p:sp>
     </p:spTree>
   </p:cSld>
+  <p:clrMapOvr>
+    <a:masterClrMapping/>
+  </p:clrMapOvr>
 </p:notes>
 </file>
 
-<file path=ppt/notesSlides/notesSlide4.xml><?xml version="1.0" encoding="utf-8"?>
-<p:notes xmlns:a="http://schemas.openxmlformats.org/drawingml/2006/main" xmlns:p="http://schemas.openxmlformats.org/presentationml/2006/main" xmlns:r="http://schemas.openxmlformats.org/officeDocument/2006/relationships" xmlns:p14="http://schemas.microsoft.com/office/powerpoint/2010/main" xmlns:p15="http://schemas.microsoft.com/office/powerpoint/2012/main" xmlns:mc="http://schemas.openxmlformats.org/markup-compatibility/2006">
+<file path=ppt/notesSlides/notesSlide5.xml><?xml version="1.0" encoding="utf-8"?>
+<p:notes xmlns:a="http://schemas.openxmlformats.org/drawingml/2006/main" xmlns:r="http://schemas.openxmlformats.org/officeDocument/2006/relationships" xmlns:p="http://schemas.openxmlformats.org/presentationml/2006/main">
   <p:cSld>
     <p:spTree>
       <p:nvGrpSpPr>
@@ -604,7 +913,7 @@
       </p:grpSpPr>
       <p:sp>
         <p:nvSpPr>
-          <p:cNvPr id="110" name="TextShape 1"/>
+          <p:cNvPr id="113" name="TextShape 1"/>
           <p:cNvSpPr txBox="1"/>
           <p:nvPr/>
         </p:nvSpPr>
@@ -623,19 +932,20 @@
         </p:spPr>
         <p:txBody>
           <a:bodyPr anchor="b"/>
+          <a:lstStyle/>
           <a:p>
             <a:pPr algn="r">
               <a:lnSpc>
                 <a:spcPct val="100000"/>
               </a:lnSpc>
             </a:pPr>
-            <a:fld id="{1E0EA383-FD14-495A-A3F7-01DD235FEDC6}" type="slidenum">
-              <a:rPr b="0" lang="es-PY" sz="1200" spc="-1" strike="noStrike">
+            <a:fld id="{BA5DCD21-E4FC-45BA-94DF-E6378E4716E4}" type="slidenum">
+              <a:rPr lang="es-PY" sz="1200" b="0" strike="noStrike" spc="-1">
                 <a:latin typeface="Times New Roman"/>
               </a:rPr>
-              <a:t>1</a:t>
+              <a:t>5</a:t>
             </a:fld>
-            <a:endParaRPr b="0" lang="es-PY" sz="1200" spc="-1" strike="noStrike">
+            <a:endParaRPr lang="es-PY" sz="1200" b="0" strike="noStrike" spc="-1">
               <a:latin typeface="Times New Roman"/>
             </a:endParaRPr>
           </a:p>
@@ -643,9 +953,9 @@
       </p:sp>
       <p:sp>
         <p:nvSpPr>
-          <p:cNvPr id="111" name="PlaceHolder 2"/>
-          <p:cNvSpPr>
-            <a:spLocks noGrp="1"/>
+          <p:cNvPr id="114" name="PlaceHolder 2"/>
+          <p:cNvSpPr>
+            <a:spLocks noGrp="1" noRot="1" noChangeAspect="1"/>
           </p:cNvSpPr>
           <p:nvPr>
             <p:ph type="sldImg"/>
@@ -663,7 +973,7 @@
       </p:sp>
       <p:sp>
         <p:nvSpPr>
-          <p:cNvPr id="112" name="PlaceHolder 3"/>
+          <p:cNvPr id="115" name="PlaceHolder 3"/>
           <p:cNvSpPr>
             <a:spLocks noGrp="1"/>
           </p:cNvSpPr>
@@ -682,8 +992,9 @@
         </p:spPr>
         <p:txBody>
           <a:bodyPr/>
-          <a:p>
-            <a:endParaRPr b="0" lang="es-PY" sz="2000" spc="-1" strike="noStrike">
+          <a:lstStyle/>
+          <a:p>
+            <a:endParaRPr lang="es-PY" sz="2000" b="0" strike="noStrike" spc="-1">
               <a:latin typeface="Arial"/>
             </a:endParaRPr>
           </a:p>
@@ -691,11 +1002,14 @@
       </p:sp>
     </p:spTree>
   </p:cSld>
+  <p:clrMapOvr>
+    <a:masterClrMapping/>
+  </p:clrMapOvr>
 </p:notes>
 </file>
 
-<file path=ppt/notesSlides/notesSlide5.xml><?xml version="1.0" encoding="utf-8"?>
-<p:notes xmlns:a="http://schemas.openxmlformats.org/drawingml/2006/main" xmlns:p="http://schemas.openxmlformats.org/presentationml/2006/main" xmlns:r="http://schemas.openxmlformats.org/officeDocument/2006/relationships" xmlns:p14="http://schemas.microsoft.com/office/powerpoint/2010/main" xmlns:p15="http://schemas.microsoft.com/office/powerpoint/2012/main" xmlns:mc="http://schemas.openxmlformats.org/markup-compatibility/2006">
+<file path=ppt/notesSlides/notesSlide6.xml><?xml version="1.0" encoding="utf-8"?>
+<p:notes xmlns:a="http://schemas.openxmlformats.org/drawingml/2006/main" xmlns:r="http://schemas.openxmlformats.org/officeDocument/2006/relationships" xmlns:p="http://schemas.openxmlformats.org/presentationml/2006/main">
   <p:cSld>
     <p:spTree>
       <p:nvGrpSpPr>
@@ -713,7 +1027,7 @@
       </p:grpSpPr>
       <p:sp>
         <p:nvSpPr>
-          <p:cNvPr id="113" name="TextShape 1"/>
+          <p:cNvPr id="116" name="TextShape 1"/>
           <p:cNvSpPr txBox="1"/>
           <p:nvPr/>
         </p:nvSpPr>
@@ -732,19 +1046,20 @@
         </p:spPr>
         <p:txBody>
           <a:bodyPr anchor="b"/>
+          <a:lstStyle/>
           <a:p>
             <a:pPr algn="r">
               <a:lnSpc>
                 <a:spcPct val="100000"/>
               </a:lnSpc>
             </a:pPr>
-            <a:fld id="{BA5DCD21-E4FC-45BA-94DF-E6378E4716E4}" type="slidenum">
-              <a:rPr b="0" lang="es-PY" sz="1200" spc="-1" strike="noStrike">
+            <a:fld id="{5CFF4B9B-B482-48B0-BFDB-F35B4C72BD72}" type="slidenum">
+              <a:rPr lang="es-PY" sz="1200" b="0" strike="noStrike" spc="-1">
                 <a:latin typeface="Times New Roman"/>
               </a:rPr>
-              <a:t>&lt;número&gt;</a:t>
+              <a:t>6</a:t>
             </a:fld>
-            <a:endParaRPr b="0" lang="es-PY" sz="1200" spc="-1" strike="noStrike">
+            <a:endParaRPr lang="es-PY" sz="1200" b="0" strike="noStrike" spc="-1">
               <a:latin typeface="Times New Roman"/>
             </a:endParaRPr>
           </a:p>
@@ -752,9 +1067,9 @@
       </p:sp>
       <p:sp>
         <p:nvSpPr>
-          <p:cNvPr id="114" name="PlaceHolder 2"/>
-          <p:cNvSpPr>
-            <a:spLocks noGrp="1"/>
+          <p:cNvPr id="117" name="PlaceHolder 2"/>
+          <p:cNvSpPr>
+            <a:spLocks noGrp="1" noRot="1" noChangeAspect="1"/>
           </p:cNvSpPr>
           <p:nvPr>
             <p:ph type="sldImg"/>
@@ -772,7 +1087,7 @@
       </p:sp>
       <p:sp>
         <p:nvSpPr>
-          <p:cNvPr id="115" name="PlaceHolder 3"/>
+          <p:cNvPr id="118" name="PlaceHolder 3"/>
           <p:cNvSpPr>
             <a:spLocks noGrp="1"/>
           </p:cNvSpPr>
@@ -791,8 +1106,9 @@
         </p:spPr>
         <p:txBody>
           <a:bodyPr/>
-          <a:p>
-            <a:endParaRPr b="0" lang="es-PY" sz="2000" spc="-1" strike="noStrike">
+          <a:lstStyle/>
+          <a:p>
+            <a:endParaRPr lang="es-PY" sz="2000" b="0" strike="noStrike" spc="-1">
               <a:latin typeface="Arial"/>
             </a:endParaRPr>
           </a:p>
@@ -800,11 +1116,14 @@
       </p:sp>
     </p:spTree>
   </p:cSld>
+  <p:clrMapOvr>
+    <a:masterClrMapping/>
+  </p:clrMapOvr>
 </p:notes>
 </file>
 
-<file path=ppt/notesSlides/notesSlide6.xml><?xml version="1.0" encoding="utf-8"?>
-<p:notes xmlns:a="http://schemas.openxmlformats.org/drawingml/2006/main" xmlns:p="http://schemas.openxmlformats.org/presentationml/2006/main" xmlns:r="http://schemas.openxmlformats.org/officeDocument/2006/relationships" xmlns:p14="http://schemas.microsoft.com/office/powerpoint/2010/main" xmlns:p15="http://schemas.microsoft.com/office/powerpoint/2012/main" xmlns:mc="http://schemas.openxmlformats.org/markup-compatibility/2006">
+<file path=ppt/notesSlides/notesSlide7.xml><?xml version="1.0" encoding="utf-8"?>
+<p:notes xmlns:a="http://schemas.openxmlformats.org/drawingml/2006/main" xmlns:r="http://schemas.openxmlformats.org/officeDocument/2006/relationships" xmlns:p="http://schemas.openxmlformats.org/presentationml/2006/main">
   <p:cSld>
     <p:spTree>
       <p:nvGrpSpPr>
@@ -822,7 +1141,7 @@
       </p:grpSpPr>
       <p:sp>
         <p:nvSpPr>
-          <p:cNvPr id="116" name="TextShape 1"/>
+          <p:cNvPr id="119" name="TextShape 1"/>
           <p:cNvSpPr txBox="1"/>
           <p:nvPr/>
         </p:nvSpPr>
@@ -841,19 +1160,20 @@
         </p:spPr>
         <p:txBody>
           <a:bodyPr anchor="b"/>
+          <a:lstStyle/>
           <a:p>
             <a:pPr algn="r">
               <a:lnSpc>
                 <a:spcPct val="100000"/>
               </a:lnSpc>
             </a:pPr>
-            <a:fld id="{5CFF4B9B-B482-48B0-BFDB-F35B4C72BD72}" type="slidenum">
-              <a:rPr b="0" lang="es-PY" sz="1200" spc="-1" strike="noStrike">
+            <a:fld id="{D7F95F0A-FCAA-41CF-8C81-12162DBCA07D}" type="slidenum">
+              <a:rPr lang="es-PY" sz="1200" b="0" strike="noStrike" spc="-1">
                 <a:latin typeface="Times New Roman"/>
               </a:rPr>
-              <a:t>&lt;número&gt;</a:t>
+              <a:t>7</a:t>
             </a:fld>
-            <a:endParaRPr b="0" lang="es-PY" sz="1200" spc="-1" strike="noStrike">
+            <a:endParaRPr lang="es-PY" sz="1200" b="0" strike="noStrike" spc="-1">
               <a:latin typeface="Times New Roman"/>
             </a:endParaRPr>
           </a:p>
@@ -861,9 +1181,9 @@
       </p:sp>
       <p:sp>
         <p:nvSpPr>
-          <p:cNvPr id="117" name="PlaceHolder 2"/>
-          <p:cNvSpPr>
-            <a:spLocks noGrp="1"/>
+          <p:cNvPr id="120" name="PlaceHolder 2"/>
+          <p:cNvSpPr>
+            <a:spLocks noGrp="1" noRot="1" noChangeAspect="1"/>
           </p:cNvSpPr>
           <p:nvPr>
             <p:ph type="sldImg"/>
@@ -872,16 +1192,16 @@
         <p:spPr>
           <a:xfrm>
             <a:off x="1143000" y="685800"/>
-            <a:ext cx="4571640" cy="3428640"/>
-          </a:xfrm>
-          <a:prstGeom prst="rect">
-            <a:avLst/>
-          </a:prstGeom>
-        </p:spPr>
-      </p:sp>
-      <p:sp>
-        <p:nvSpPr>
-          <p:cNvPr id="118" name="PlaceHolder 3"/>
+            <a:ext cx="4572000" cy="3429000"/>
+          </a:xfrm>
+          <a:prstGeom prst="rect">
+            <a:avLst/>
+          </a:prstGeom>
+        </p:spPr>
+      </p:sp>
+      <p:sp>
+        <p:nvSpPr>
+          <p:cNvPr id="121" name="PlaceHolder 3"/>
           <p:cNvSpPr>
             <a:spLocks noGrp="1"/>
           </p:cNvSpPr>
@@ -900,8 +1220,9 @@
         </p:spPr>
         <p:txBody>
           <a:bodyPr/>
-          <a:p>
-            <a:endParaRPr b="0" lang="es-PY" sz="2000" spc="-1" strike="noStrike">
+          <a:lstStyle/>
+          <a:p>
+            <a:endParaRPr lang="es-PY" sz="2000" b="0" strike="noStrike" spc="-1">
               <a:latin typeface="Arial"/>
             </a:endParaRPr>
           </a:p>
@@ -909,11 +1230,14 @@
       </p:sp>
     </p:spTree>
   </p:cSld>
+  <p:clrMapOvr>
+    <a:masterClrMapping/>
+  </p:clrMapOvr>
 </p:notes>
 </file>
 
-<file path=ppt/notesSlides/notesSlide7.xml><?xml version="1.0" encoding="utf-8"?>
-<p:notes xmlns:a="http://schemas.openxmlformats.org/drawingml/2006/main" xmlns:p="http://schemas.openxmlformats.org/presentationml/2006/main" xmlns:r="http://schemas.openxmlformats.org/officeDocument/2006/relationships" xmlns:p14="http://schemas.microsoft.com/office/powerpoint/2010/main" xmlns:p15="http://schemas.microsoft.com/office/powerpoint/2012/main" xmlns:mc="http://schemas.openxmlformats.org/markup-compatibility/2006">
+<file path=ppt/notesSlides/notesSlide8.xml><?xml version="1.0" encoding="utf-8"?>
+<p:notes xmlns:a="http://schemas.openxmlformats.org/drawingml/2006/main" xmlns:r="http://schemas.openxmlformats.org/officeDocument/2006/relationships" xmlns:p="http://schemas.openxmlformats.org/presentationml/2006/main">
   <p:cSld>
     <p:spTree>
       <p:nvGrpSpPr>
@@ -931,7 +1255,7 @@
       </p:grpSpPr>
       <p:sp>
         <p:nvSpPr>
-          <p:cNvPr id="119" name="TextShape 1"/>
+          <p:cNvPr id="122" name="TextShape 1"/>
           <p:cNvSpPr txBox="1"/>
           <p:nvPr/>
         </p:nvSpPr>
@@ -950,115 +1274,7 @@
         </p:spPr>
         <p:txBody>
           <a:bodyPr anchor="b"/>
-          <a:p>
-            <a:pPr algn="r">
-              <a:lnSpc>
-                <a:spcPct val="100000"/>
-              </a:lnSpc>
-            </a:pPr>
-            <a:fld id="{D7F95F0A-FCAA-41CF-8C81-12162DBCA07D}" type="slidenum">
-              <a:rPr b="0" lang="es-PY" sz="1200" spc="-1" strike="noStrike">
-                <a:latin typeface="Times New Roman"/>
-              </a:rPr>
-              <a:t>&lt;número&gt;</a:t>
-            </a:fld>
-            <a:endParaRPr b="0" lang="es-PY" sz="1200" spc="-1" strike="noStrike">
-              <a:latin typeface="Times New Roman"/>
-            </a:endParaRPr>
-          </a:p>
-        </p:txBody>
-      </p:sp>
-      <p:sp>
-        <p:nvSpPr>
-          <p:cNvPr id="120" name="PlaceHolder 2"/>
-          <p:cNvSpPr>
-            <a:spLocks noGrp="1"/>
-          </p:cNvSpPr>
-          <p:nvPr>
-            <p:ph type="sldImg"/>
-          </p:nvPr>
-        </p:nvSpPr>
-        <p:spPr>
-          <a:xfrm>
-            <a:off x="1143000" y="685800"/>
-            <a:ext cx="4571640" cy="3428640"/>
-          </a:xfrm>
-          <a:prstGeom prst="rect">
-            <a:avLst/>
-          </a:prstGeom>
-        </p:spPr>
-      </p:sp>
-      <p:sp>
-        <p:nvSpPr>
-          <p:cNvPr id="121" name="PlaceHolder 3"/>
-          <p:cNvSpPr>
-            <a:spLocks noGrp="1"/>
-          </p:cNvSpPr>
-          <p:nvPr>
-            <p:ph type="body"/>
-          </p:nvPr>
-        </p:nvSpPr>
-        <p:spPr>
-          <a:xfrm>
-            <a:off x="685800" y="4343400"/>
-            <a:ext cx="5486040" cy="4114440"/>
-          </a:xfrm>
-          <a:prstGeom prst="rect">
-            <a:avLst/>
-          </a:prstGeom>
-        </p:spPr>
-        <p:txBody>
-          <a:bodyPr/>
-          <a:p>
-            <a:endParaRPr b="0" lang="es-PY" sz="2000" spc="-1" strike="noStrike">
-              <a:latin typeface="Arial"/>
-            </a:endParaRPr>
-          </a:p>
-        </p:txBody>
-      </p:sp>
-    </p:spTree>
-  </p:cSld>
-</p:notes>
-</file>
-
-<file path=ppt/notesSlides/notesSlide8.xml><?xml version="1.0" encoding="utf-8"?>
-<p:notes xmlns:a="http://schemas.openxmlformats.org/drawingml/2006/main" xmlns:p="http://schemas.openxmlformats.org/presentationml/2006/main" xmlns:r="http://schemas.openxmlformats.org/officeDocument/2006/relationships" xmlns:p14="http://schemas.microsoft.com/office/powerpoint/2010/main" xmlns:p15="http://schemas.microsoft.com/office/powerpoint/2012/main" xmlns:mc="http://schemas.openxmlformats.org/markup-compatibility/2006">
-  <p:cSld>
-    <p:spTree>
-      <p:nvGrpSpPr>
-        <p:cNvPr id="1" name=""/>
-        <p:cNvGrpSpPr/>
-        <p:nvPr/>
-      </p:nvGrpSpPr>
-      <p:grpSpPr>
-        <a:xfrm>
-          <a:off x="0" y="0"/>
-          <a:ext cx="0" cy="0"/>
-          <a:chOff x="0" y="0"/>
-          <a:chExt cx="0" cy="0"/>
-        </a:xfrm>
-      </p:grpSpPr>
-      <p:sp>
-        <p:nvSpPr>
-          <p:cNvPr id="122" name="TextShape 1"/>
-          <p:cNvSpPr txBox="1"/>
-          <p:nvPr/>
-        </p:nvSpPr>
-        <p:spPr>
-          <a:xfrm>
-            <a:off x="3884760" y="8685360"/>
-            <a:ext cx="2971440" cy="456840"/>
-          </a:xfrm>
-          <a:prstGeom prst="rect">
-            <a:avLst/>
-          </a:prstGeom>
-          <a:noFill/>
-          <a:ln>
-            <a:noFill/>
-          </a:ln>
-        </p:spPr>
-        <p:txBody>
-          <a:bodyPr anchor="b"/>
+          <a:lstStyle/>
           <a:p>
             <a:pPr algn="r">
               <a:lnSpc>
@@ -1066,12 +1282,12 @@
               </a:lnSpc>
             </a:pPr>
             <a:fld id="{81753C71-9D5C-4FD6-8097-965BEB916762}" type="slidenum">
-              <a:rPr b="0" lang="es-PY" sz="1200" spc="-1" strike="noStrike">
+              <a:rPr lang="es-PY" sz="1200" b="0" strike="noStrike" spc="-1">
                 <a:latin typeface="Times New Roman"/>
               </a:rPr>
-              <a:t>&lt;número&gt;</a:t>
+              <a:t>8</a:t>
             </a:fld>
-            <a:endParaRPr b="0" lang="es-PY" sz="1200" spc="-1" strike="noStrike">
+            <a:endParaRPr lang="es-PY" sz="1200" b="0" strike="noStrike" spc="-1">
               <a:latin typeface="Times New Roman"/>
             </a:endParaRPr>
           </a:p>
@@ -1081,7 +1297,7 @@
         <p:nvSpPr>
           <p:cNvPr id="123" name="PlaceHolder 2"/>
           <p:cNvSpPr>
-            <a:spLocks noGrp="1"/>
+            <a:spLocks noGrp="1" noRot="1" noChangeAspect="1"/>
           </p:cNvSpPr>
           <p:nvPr>
             <p:ph type="sldImg"/>
@@ -1118,8 +1334,9 @@
         </p:spPr>
         <p:txBody>
           <a:bodyPr/>
-          <a:p>
-            <a:endParaRPr b="0" lang="es-PY" sz="2000" spc="-1" strike="noStrike">
+          <a:lstStyle/>
+          <a:p>
+            <a:endParaRPr lang="es-PY" sz="2000" b="0" strike="noStrike" spc="-1">
               <a:latin typeface="Arial"/>
             </a:endParaRPr>
           </a:p>
@@ -1127,11 +1344,14 @@
       </p:sp>
     </p:spTree>
   </p:cSld>
+  <p:clrMapOvr>
+    <a:masterClrMapping/>
+  </p:clrMapOvr>
 </p:notes>
 </file>
 
 <file path=ppt/slideLayouts/slideLayout1.xml><?xml version="1.0" encoding="utf-8"?>
-<p:sldLayout xmlns:a="http://schemas.openxmlformats.org/drawingml/2006/main" xmlns:p="http://schemas.openxmlformats.org/presentationml/2006/main" xmlns:r="http://schemas.openxmlformats.org/officeDocument/2006/relationships" xmlns:p14="http://schemas.microsoft.com/office/powerpoint/2010/main" xmlns:p15="http://schemas.microsoft.com/office/powerpoint/2012/main" xmlns:mc="http://schemas.openxmlformats.org/markup-compatibility/2006" type="blank" preserve="1">
+<p:sldLayout xmlns:a="http://schemas.openxmlformats.org/drawingml/2006/main" xmlns:r="http://schemas.openxmlformats.org/officeDocument/2006/relationships" xmlns:p="http://schemas.openxmlformats.org/presentationml/2006/main" type="blank" preserve="1">
   <p:cSld name="Blank Slide">
     <p:spTree>
       <p:nvGrpSpPr>
@@ -1149,11 +1369,14 @@
       </p:grpSpPr>
     </p:spTree>
   </p:cSld>
+  <p:clrMapOvr>
+    <a:masterClrMapping/>
+  </p:clrMapOvr>
 </p:sldLayout>
 </file>
 
 <file path=ppt/slideLayouts/slideLayout10.xml><?xml version="1.0" encoding="utf-8"?>
-<p:sldLayout xmlns:a="http://schemas.openxmlformats.org/drawingml/2006/main" xmlns:p="http://schemas.openxmlformats.org/presentationml/2006/main" xmlns:r="http://schemas.openxmlformats.org/officeDocument/2006/relationships" xmlns:p14="http://schemas.microsoft.com/office/powerpoint/2010/main" xmlns:p15="http://schemas.microsoft.com/office/powerpoint/2012/main" xmlns:mc="http://schemas.openxmlformats.org/markup-compatibility/2006" type="objOverTx" preserve="1">
+<p:sldLayout xmlns:a="http://schemas.openxmlformats.org/drawingml/2006/main" xmlns:r="http://schemas.openxmlformats.org/officeDocument/2006/relationships" xmlns:p="http://schemas.openxmlformats.org/presentationml/2006/main" type="objOverTx" preserve="1">
   <p:cSld name="Title, Content over Content">
     <p:spTree>
       <p:nvGrpSpPr>
@@ -1189,11 +1412,12 @@
           </a:prstGeom>
         </p:spPr>
         <p:txBody>
-          <a:bodyPr lIns="0" rIns="0" tIns="0" bIns="0" anchor="ctr"/>
-          <a:p>
-            <a:endParaRPr b="0" lang="ru-RU" sz="3200" spc="-1" strike="noStrike">
-              <a:solidFill>
-                <a:srgbClr val="4d4d4d"/>
+          <a:bodyPr lIns="0" tIns="0" rIns="0" bIns="0" anchor="ctr"/>
+          <a:lstStyle/>
+          <a:p>
+            <a:endParaRPr lang="ru-RU" sz="3200" b="0" strike="noStrike" spc="-1">
+              <a:solidFill>
+                <a:srgbClr val="4D4D4D"/>
               </a:solidFill>
               <a:latin typeface="Arial"/>
             </a:endParaRPr>
@@ -1220,13 +1444,14 @@
           </a:prstGeom>
         </p:spPr>
         <p:txBody>
-          <a:bodyPr lIns="0" rIns="0" tIns="0" bIns="0">
+          <a:bodyPr lIns="0" tIns="0" rIns="0" bIns="0">
             <a:normAutofit/>
           </a:bodyPr>
-          <a:p>
-            <a:endParaRPr b="0" lang="ru-RU" sz="2800" spc="-1" strike="noStrike">
-              <a:solidFill>
-                <a:srgbClr val="ffffff"/>
+          <a:lstStyle/>
+          <a:p>
+            <a:endParaRPr lang="ru-RU" sz="2800" b="0" strike="noStrike" spc="-1">
+              <a:solidFill>
+                <a:srgbClr val="FFFFFF"/>
               </a:solidFill>
               <a:latin typeface="Arial"/>
             </a:endParaRPr>
@@ -1253,13 +1478,14 @@
           </a:prstGeom>
         </p:spPr>
         <p:txBody>
-          <a:bodyPr lIns="0" rIns="0" tIns="0" bIns="0">
+          <a:bodyPr lIns="0" tIns="0" rIns="0" bIns="0">
             <a:normAutofit/>
           </a:bodyPr>
-          <a:p>
-            <a:endParaRPr b="0" lang="ru-RU" sz="2800" spc="-1" strike="noStrike">
-              <a:solidFill>
-                <a:srgbClr val="ffffff"/>
+          <a:lstStyle/>
+          <a:p>
+            <a:endParaRPr lang="ru-RU" sz="2800" b="0" strike="noStrike" spc="-1">
+              <a:solidFill>
+                <a:srgbClr val="FFFFFF"/>
               </a:solidFill>
               <a:latin typeface="Arial"/>
             </a:endParaRPr>
@@ -1268,11 +1494,14 @@
       </p:sp>
     </p:spTree>
   </p:cSld>
+  <p:clrMapOvr>
+    <a:masterClrMapping/>
+  </p:clrMapOvr>
 </p:sldLayout>
 </file>
 
 <file path=ppt/slideLayouts/slideLayout11.xml><?xml version="1.0" encoding="utf-8"?>
-<p:sldLayout xmlns:a="http://schemas.openxmlformats.org/drawingml/2006/main" xmlns:p="http://schemas.openxmlformats.org/presentationml/2006/main" xmlns:r="http://schemas.openxmlformats.org/officeDocument/2006/relationships" xmlns:p14="http://schemas.microsoft.com/office/powerpoint/2010/main" xmlns:p15="http://schemas.microsoft.com/office/powerpoint/2012/main" xmlns:mc="http://schemas.openxmlformats.org/markup-compatibility/2006" type="fourObj" preserve="1">
+<p:sldLayout xmlns:a="http://schemas.openxmlformats.org/drawingml/2006/main" xmlns:r="http://schemas.openxmlformats.org/officeDocument/2006/relationships" xmlns:p="http://schemas.openxmlformats.org/presentationml/2006/main" type="fourObj" preserve="1">
   <p:cSld name="Title, 4 Content">
     <p:spTree>
       <p:nvGrpSpPr>
@@ -1308,11 +1537,12 @@
           </a:prstGeom>
         </p:spPr>
         <p:txBody>
-          <a:bodyPr lIns="0" rIns="0" tIns="0" bIns="0" anchor="ctr"/>
-          <a:p>
-            <a:endParaRPr b="0" lang="ru-RU" sz="3200" spc="-1" strike="noStrike">
-              <a:solidFill>
-                <a:srgbClr val="4d4d4d"/>
+          <a:bodyPr lIns="0" tIns="0" rIns="0" bIns="0" anchor="ctr"/>
+          <a:lstStyle/>
+          <a:p>
+            <a:endParaRPr lang="ru-RU" sz="3200" b="0" strike="noStrike" spc="-1">
+              <a:solidFill>
+                <a:srgbClr val="4D4D4D"/>
               </a:solidFill>
               <a:latin typeface="Arial"/>
             </a:endParaRPr>
@@ -1339,13 +1569,14 @@
           </a:prstGeom>
         </p:spPr>
         <p:txBody>
-          <a:bodyPr lIns="0" rIns="0" tIns="0" bIns="0">
+          <a:bodyPr lIns="0" tIns="0" rIns="0" bIns="0">
             <a:normAutofit/>
           </a:bodyPr>
-          <a:p>
-            <a:endParaRPr b="0" lang="ru-RU" sz="2800" spc="-1" strike="noStrike">
-              <a:solidFill>
-                <a:srgbClr val="ffffff"/>
+          <a:lstStyle/>
+          <a:p>
+            <a:endParaRPr lang="ru-RU" sz="2800" b="0" strike="noStrike" spc="-1">
+              <a:solidFill>
+                <a:srgbClr val="FFFFFF"/>
               </a:solidFill>
               <a:latin typeface="Arial"/>
             </a:endParaRPr>
@@ -1372,13 +1603,14 @@
           </a:prstGeom>
         </p:spPr>
         <p:txBody>
-          <a:bodyPr lIns="0" rIns="0" tIns="0" bIns="0">
+          <a:bodyPr lIns="0" tIns="0" rIns="0" bIns="0">
             <a:normAutofit/>
           </a:bodyPr>
-          <a:p>
-            <a:endParaRPr b="0" lang="ru-RU" sz="2800" spc="-1" strike="noStrike">
-              <a:solidFill>
-                <a:srgbClr val="ffffff"/>
+          <a:lstStyle/>
+          <a:p>
+            <a:endParaRPr lang="ru-RU" sz="2800" b="0" strike="noStrike" spc="-1">
+              <a:solidFill>
+                <a:srgbClr val="FFFFFF"/>
               </a:solidFill>
               <a:latin typeface="Arial"/>
             </a:endParaRPr>
@@ -1405,13 +1637,14 @@
           </a:prstGeom>
         </p:spPr>
         <p:txBody>
-          <a:bodyPr lIns="0" rIns="0" tIns="0" bIns="0">
+          <a:bodyPr lIns="0" tIns="0" rIns="0" bIns="0">
             <a:normAutofit/>
           </a:bodyPr>
-          <a:p>
-            <a:endParaRPr b="0" lang="ru-RU" sz="2800" spc="-1" strike="noStrike">
-              <a:solidFill>
-                <a:srgbClr val="ffffff"/>
+          <a:lstStyle/>
+          <a:p>
+            <a:endParaRPr lang="ru-RU" sz="2800" b="0" strike="noStrike" spc="-1">
+              <a:solidFill>
+                <a:srgbClr val="FFFFFF"/>
               </a:solidFill>
               <a:latin typeface="Arial"/>
             </a:endParaRPr>
@@ -1438,13 +1671,14 @@
           </a:prstGeom>
         </p:spPr>
         <p:txBody>
-          <a:bodyPr lIns="0" rIns="0" tIns="0" bIns="0">
+          <a:bodyPr lIns="0" tIns="0" rIns="0" bIns="0">
             <a:normAutofit/>
           </a:bodyPr>
-          <a:p>
-            <a:endParaRPr b="0" lang="ru-RU" sz="2800" spc="-1" strike="noStrike">
-              <a:solidFill>
-                <a:srgbClr val="ffffff"/>
+          <a:lstStyle/>
+          <a:p>
+            <a:endParaRPr lang="ru-RU" sz="2800" b="0" strike="noStrike" spc="-1">
+              <a:solidFill>
+                <a:srgbClr val="FFFFFF"/>
               </a:solidFill>
               <a:latin typeface="Arial"/>
             </a:endParaRPr>
@@ -1453,11 +1687,14 @@
       </p:sp>
     </p:spTree>
   </p:cSld>
+  <p:clrMapOvr>
+    <a:masterClrMapping/>
+  </p:clrMapOvr>
 </p:sldLayout>
 </file>
 
 <file path=ppt/slideLayouts/slideLayout12.xml><?xml version="1.0" encoding="utf-8"?>
-<p:sldLayout xmlns:a="http://schemas.openxmlformats.org/drawingml/2006/main" xmlns:p="http://schemas.openxmlformats.org/presentationml/2006/main" xmlns:r="http://schemas.openxmlformats.org/officeDocument/2006/relationships" xmlns:p14="http://schemas.microsoft.com/office/powerpoint/2010/main" xmlns:p15="http://schemas.microsoft.com/office/powerpoint/2012/main" xmlns:mc="http://schemas.openxmlformats.org/markup-compatibility/2006" type="blank" preserve="1">
+<p:sldLayout xmlns:a="http://schemas.openxmlformats.org/drawingml/2006/main" xmlns:r="http://schemas.openxmlformats.org/officeDocument/2006/relationships" xmlns:p="http://schemas.openxmlformats.org/presentationml/2006/main" type="blank" preserve="1">
   <p:cSld name="Title, 6 Content">
     <p:spTree>
       <p:nvGrpSpPr>
@@ -1493,11 +1730,12 @@
           </a:prstGeom>
         </p:spPr>
         <p:txBody>
-          <a:bodyPr lIns="0" rIns="0" tIns="0" bIns="0" anchor="ctr"/>
-          <a:p>
-            <a:endParaRPr b="0" lang="ru-RU" sz="3200" spc="-1" strike="noStrike">
-              <a:solidFill>
-                <a:srgbClr val="4d4d4d"/>
+          <a:bodyPr lIns="0" tIns="0" rIns="0" bIns="0" anchor="ctr"/>
+          <a:lstStyle/>
+          <a:p>
+            <a:endParaRPr lang="ru-RU" sz="3200" b="0" strike="noStrike" spc="-1">
+              <a:solidFill>
+                <a:srgbClr val="4D4D4D"/>
               </a:solidFill>
               <a:latin typeface="Arial"/>
             </a:endParaRPr>
@@ -1524,13 +1762,14 @@
           </a:prstGeom>
         </p:spPr>
         <p:txBody>
-          <a:bodyPr lIns="0" rIns="0" tIns="0" bIns="0">
+          <a:bodyPr lIns="0" tIns="0" rIns="0" bIns="0">
             <a:normAutofit/>
           </a:bodyPr>
-          <a:p>
-            <a:endParaRPr b="0" lang="ru-RU" sz="2800" spc="-1" strike="noStrike">
-              <a:solidFill>
-                <a:srgbClr val="ffffff"/>
+          <a:lstStyle/>
+          <a:p>
+            <a:endParaRPr lang="ru-RU" sz="2800" b="0" strike="noStrike" spc="-1">
+              <a:solidFill>
+                <a:srgbClr val="FFFFFF"/>
               </a:solidFill>
               <a:latin typeface="Arial"/>
             </a:endParaRPr>
@@ -1557,13 +1796,14 @@
           </a:prstGeom>
         </p:spPr>
         <p:txBody>
-          <a:bodyPr lIns="0" rIns="0" tIns="0" bIns="0">
+          <a:bodyPr lIns="0" tIns="0" rIns="0" bIns="0">
             <a:normAutofit/>
           </a:bodyPr>
-          <a:p>
-            <a:endParaRPr b="0" lang="ru-RU" sz="2800" spc="-1" strike="noStrike">
-              <a:solidFill>
-                <a:srgbClr val="ffffff"/>
+          <a:lstStyle/>
+          <a:p>
+            <a:endParaRPr lang="ru-RU" sz="2800" b="0" strike="noStrike" spc="-1">
+              <a:solidFill>
+                <a:srgbClr val="FFFFFF"/>
               </a:solidFill>
               <a:latin typeface="Arial"/>
             </a:endParaRPr>
@@ -1590,13 +1830,14 @@
           </a:prstGeom>
         </p:spPr>
         <p:txBody>
-          <a:bodyPr lIns="0" rIns="0" tIns="0" bIns="0">
+          <a:bodyPr lIns="0" tIns="0" rIns="0" bIns="0">
             <a:normAutofit/>
           </a:bodyPr>
-          <a:p>
-            <a:endParaRPr b="0" lang="ru-RU" sz="2800" spc="-1" strike="noStrike">
-              <a:solidFill>
-                <a:srgbClr val="ffffff"/>
+          <a:lstStyle/>
+          <a:p>
+            <a:endParaRPr lang="ru-RU" sz="2800" b="0" strike="noStrike" spc="-1">
+              <a:solidFill>
+                <a:srgbClr val="FFFFFF"/>
               </a:solidFill>
               <a:latin typeface="Arial"/>
             </a:endParaRPr>
@@ -1623,13 +1864,14 @@
           </a:prstGeom>
         </p:spPr>
         <p:txBody>
-          <a:bodyPr lIns="0" rIns="0" tIns="0" bIns="0">
+          <a:bodyPr lIns="0" tIns="0" rIns="0" bIns="0">
             <a:normAutofit/>
           </a:bodyPr>
-          <a:p>
-            <a:endParaRPr b="0" lang="ru-RU" sz="2800" spc="-1" strike="noStrike">
-              <a:solidFill>
-                <a:srgbClr val="ffffff"/>
+          <a:lstStyle/>
+          <a:p>
+            <a:endParaRPr lang="ru-RU" sz="2800" b="0" strike="noStrike" spc="-1">
+              <a:solidFill>
+                <a:srgbClr val="FFFFFF"/>
               </a:solidFill>
               <a:latin typeface="Arial"/>
             </a:endParaRPr>
@@ -1656,13 +1898,14 @@
           </a:prstGeom>
         </p:spPr>
         <p:txBody>
-          <a:bodyPr lIns="0" rIns="0" tIns="0" bIns="0">
+          <a:bodyPr lIns="0" tIns="0" rIns="0" bIns="0">
             <a:normAutofit/>
           </a:bodyPr>
-          <a:p>
-            <a:endParaRPr b="0" lang="ru-RU" sz="2800" spc="-1" strike="noStrike">
-              <a:solidFill>
-                <a:srgbClr val="ffffff"/>
+          <a:lstStyle/>
+          <a:p>
+            <a:endParaRPr lang="ru-RU" sz="2800" b="0" strike="noStrike" spc="-1">
+              <a:solidFill>
+                <a:srgbClr val="FFFFFF"/>
               </a:solidFill>
               <a:latin typeface="Arial"/>
             </a:endParaRPr>
@@ -1689,13 +1932,14 @@
           </a:prstGeom>
         </p:spPr>
         <p:txBody>
-          <a:bodyPr lIns="0" rIns="0" tIns="0" bIns="0">
+          <a:bodyPr lIns="0" tIns="0" rIns="0" bIns="0">
             <a:normAutofit/>
           </a:bodyPr>
-          <a:p>
-            <a:endParaRPr b="0" lang="ru-RU" sz="2800" spc="-1" strike="noStrike">
-              <a:solidFill>
-                <a:srgbClr val="ffffff"/>
+          <a:lstStyle/>
+          <a:p>
+            <a:endParaRPr lang="ru-RU" sz="2800" b="0" strike="noStrike" spc="-1">
+              <a:solidFill>
+                <a:srgbClr val="FFFFFF"/>
               </a:solidFill>
               <a:latin typeface="Arial"/>
             </a:endParaRPr>
@@ -1704,11 +1948,14 @@
       </p:sp>
     </p:spTree>
   </p:cSld>
+  <p:clrMapOvr>
+    <a:masterClrMapping/>
+  </p:clrMapOvr>
 </p:sldLayout>
 </file>
 
 <file path=ppt/slideLayouts/slideLayout13.xml><?xml version="1.0" encoding="utf-8"?>
-<p:sldLayout xmlns:a="http://schemas.openxmlformats.org/drawingml/2006/main" xmlns:p="http://schemas.openxmlformats.org/presentationml/2006/main" xmlns:r="http://schemas.openxmlformats.org/officeDocument/2006/relationships" xmlns:p14="http://schemas.microsoft.com/office/powerpoint/2010/main" xmlns:p15="http://schemas.microsoft.com/office/powerpoint/2012/main" xmlns:mc="http://schemas.openxmlformats.org/markup-compatibility/2006" type="blank" preserve="1">
+<p:sldLayout xmlns:a="http://schemas.openxmlformats.org/drawingml/2006/main" xmlns:r="http://schemas.openxmlformats.org/officeDocument/2006/relationships" xmlns:p="http://schemas.openxmlformats.org/presentationml/2006/main" type="blank" preserve="1">
   <p:cSld name="Blank Slide">
     <p:spTree>
       <p:nvGrpSpPr>
@@ -1726,11 +1973,14 @@
       </p:grpSpPr>
     </p:spTree>
   </p:cSld>
+  <p:clrMapOvr>
+    <a:masterClrMapping/>
+  </p:clrMapOvr>
 </p:sldLayout>
 </file>
 
 <file path=ppt/slideLayouts/slideLayout14.xml><?xml version="1.0" encoding="utf-8"?>
-<p:sldLayout xmlns:a="http://schemas.openxmlformats.org/drawingml/2006/main" xmlns:p="http://schemas.openxmlformats.org/presentationml/2006/main" xmlns:r="http://schemas.openxmlformats.org/officeDocument/2006/relationships" xmlns:p14="http://schemas.microsoft.com/office/powerpoint/2010/main" xmlns:p15="http://schemas.microsoft.com/office/powerpoint/2012/main" xmlns:mc="http://schemas.openxmlformats.org/markup-compatibility/2006" type="tx" preserve="1">
+<p:sldLayout xmlns:a="http://schemas.openxmlformats.org/drawingml/2006/main" xmlns:r="http://schemas.openxmlformats.org/officeDocument/2006/relationships" xmlns:p="http://schemas.openxmlformats.org/presentationml/2006/main" type="tx" preserve="1">
   <p:cSld name="Title Slide">
     <p:spTree>
       <p:nvGrpSpPr>
@@ -1766,11 +2016,12 @@
           </a:prstGeom>
         </p:spPr>
         <p:txBody>
-          <a:bodyPr lIns="0" rIns="0" tIns="0" bIns="0" anchor="ctr"/>
-          <a:p>
-            <a:endParaRPr b="0" lang="ru-RU" sz="3200" spc="-1" strike="noStrike">
-              <a:solidFill>
-                <a:srgbClr val="4d4d4d"/>
+          <a:bodyPr lIns="0" tIns="0" rIns="0" bIns="0" anchor="ctr"/>
+          <a:lstStyle/>
+          <a:p>
+            <a:endParaRPr lang="ru-RU" sz="3200" b="0" strike="noStrike" spc="-1">
+              <a:solidFill>
+                <a:srgbClr val="4D4D4D"/>
               </a:solidFill>
               <a:latin typeface="Arial"/>
             </a:endParaRPr>
@@ -1797,10 +2048,11 @@
           </a:prstGeom>
         </p:spPr>
         <p:txBody>
-          <a:bodyPr lIns="0" rIns="0" tIns="0" bIns="0" anchor="ctr"/>
+          <a:bodyPr lIns="0" tIns="0" rIns="0" bIns="0" anchor="ctr"/>
+          <a:lstStyle/>
           <a:p>
             <a:pPr algn="ctr"/>
-            <a:endParaRPr b="0" lang="es-PY" sz="3200" spc="-1" strike="noStrike">
+            <a:endParaRPr lang="es-PY" sz="3200" b="0" strike="noStrike" spc="-1">
               <a:latin typeface="Arial"/>
             </a:endParaRPr>
           </a:p>
@@ -1808,11 +2060,14 @@
       </p:sp>
     </p:spTree>
   </p:cSld>
+  <p:clrMapOvr>
+    <a:masterClrMapping/>
+  </p:clrMapOvr>
 </p:sldLayout>
 </file>
 
 <file path=ppt/slideLayouts/slideLayout15.xml><?xml version="1.0" encoding="utf-8"?>
-<p:sldLayout xmlns:a="http://schemas.openxmlformats.org/drawingml/2006/main" xmlns:p="http://schemas.openxmlformats.org/presentationml/2006/main" xmlns:r="http://schemas.openxmlformats.org/officeDocument/2006/relationships" xmlns:p14="http://schemas.microsoft.com/office/powerpoint/2010/main" xmlns:p15="http://schemas.microsoft.com/office/powerpoint/2012/main" xmlns:mc="http://schemas.openxmlformats.org/markup-compatibility/2006" type="obj" preserve="1">
+<p:sldLayout xmlns:a="http://schemas.openxmlformats.org/drawingml/2006/main" xmlns:r="http://schemas.openxmlformats.org/officeDocument/2006/relationships" xmlns:p="http://schemas.openxmlformats.org/presentationml/2006/main" type="obj" preserve="1">
   <p:cSld name="Title, Content">
     <p:spTree>
       <p:nvGrpSpPr>
@@ -1848,11 +2103,12 @@
           </a:prstGeom>
         </p:spPr>
         <p:txBody>
-          <a:bodyPr lIns="0" rIns="0" tIns="0" bIns="0" anchor="ctr"/>
-          <a:p>
-            <a:endParaRPr b="0" lang="ru-RU" sz="3200" spc="-1" strike="noStrike">
-              <a:solidFill>
-                <a:srgbClr val="4d4d4d"/>
+          <a:bodyPr lIns="0" tIns="0" rIns="0" bIns="0" anchor="ctr"/>
+          <a:lstStyle/>
+          <a:p>
+            <a:endParaRPr lang="ru-RU" sz="3200" b="0" strike="noStrike" spc="-1">
+              <a:solidFill>
+                <a:srgbClr val="4D4D4D"/>
               </a:solidFill>
               <a:latin typeface="Arial"/>
             </a:endParaRPr>
@@ -1879,13 +2135,14 @@
           </a:prstGeom>
         </p:spPr>
         <p:txBody>
-          <a:bodyPr lIns="0" rIns="0" tIns="0" bIns="0">
+          <a:bodyPr lIns="0" tIns="0" rIns="0" bIns="0">
             <a:normAutofit/>
           </a:bodyPr>
-          <a:p>
-            <a:endParaRPr b="0" lang="ru-RU" sz="2800" spc="-1" strike="noStrike">
-              <a:solidFill>
-                <a:srgbClr val="ffffff"/>
+          <a:lstStyle/>
+          <a:p>
+            <a:endParaRPr lang="ru-RU" sz="2800" b="0" strike="noStrike" spc="-1">
+              <a:solidFill>
+                <a:srgbClr val="FFFFFF"/>
               </a:solidFill>
               <a:latin typeface="Arial"/>
             </a:endParaRPr>
@@ -1894,11 +2151,14 @@
       </p:sp>
     </p:spTree>
   </p:cSld>
+  <p:clrMapOvr>
+    <a:masterClrMapping/>
+  </p:clrMapOvr>
 </p:sldLayout>
 </file>
 
 <file path=ppt/slideLayouts/slideLayout16.xml><?xml version="1.0" encoding="utf-8"?>
-<p:sldLayout xmlns:a="http://schemas.openxmlformats.org/drawingml/2006/main" xmlns:p="http://schemas.openxmlformats.org/presentationml/2006/main" xmlns:r="http://schemas.openxmlformats.org/officeDocument/2006/relationships" xmlns:p14="http://schemas.microsoft.com/office/powerpoint/2010/main" xmlns:p15="http://schemas.microsoft.com/office/powerpoint/2012/main" xmlns:mc="http://schemas.openxmlformats.org/markup-compatibility/2006" type="twoObj" preserve="1">
+<p:sldLayout xmlns:a="http://schemas.openxmlformats.org/drawingml/2006/main" xmlns:r="http://schemas.openxmlformats.org/officeDocument/2006/relationships" xmlns:p="http://schemas.openxmlformats.org/presentationml/2006/main" type="twoObj" preserve="1">
   <p:cSld name="Title, 2 Content">
     <p:spTree>
       <p:nvGrpSpPr>
@@ -1934,11 +2194,12 @@
           </a:prstGeom>
         </p:spPr>
         <p:txBody>
-          <a:bodyPr lIns="0" rIns="0" tIns="0" bIns="0" anchor="ctr"/>
-          <a:p>
-            <a:endParaRPr b="0" lang="ru-RU" sz="3200" spc="-1" strike="noStrike">
-              <a:solidFill>
-                <a:srgbClr val="4d4d4d"/>
+          <a:bodyPr lIns="0" tIns="0" rIns="0" bIns="0" anchor="ctr"/>
+          <a:lstStyle/>
+          <a:p>
+            <a:endParaRPr lang="ru-RU" sz="3200" b="0" strike="noStrike" spc="-1">
+              <a:solidFill>
+                <a:srgbClr val="4D4D4D"/>
               </a:solidFill>
               <a:latin typeface="Arial"/>
             </a:endParaRPr>
@@ -1965,13 +2226,14 @@
           </a:prstGeom>
         </p:spPr>
         <p:txBody>
-          <a:bodyPr lIns="0" rIns="0" tIns="0" bIns="0">
+          <a:bodyPr lIns="0" tIns="0" rIns="0" bIns="0">
             <a:normAutofit/>
           </a:bodyPr>
-          <a:p>
-            <a:endParaRPr b="0" lang="ru-RU" sz="2800" spc="-1" strike="noStrike">
-              <a:solidFill>
-                <a:srgbClr val="ffffff"/>
+          <a:lstStyle/>
+          <a:p>
+            <a:endParaRPr lang="ru-RU" sz="2800" b="0" strike="noStrike" spc="-1">
+              <a:solidFill>
+                <a:srgbClr val="FFFFFF"/>
               </a:solidFill>
               <a:latin typeface="Arial"/>
             </a:endParaRPr>
@@ -1998,13 +2260,14 @@
           </a:prstGeom>
         </p:spPr>
         <p:txBody>
-          <a:bodyPr lIns="0" rIns="0" tIns="0" bIns="0">
+          <a:bodyPr lIns="0" tIns="0" rIns="0" bIns="0">
             <a:normAutofit/>
           </a:bodyPr>
-          <a:p>
-            <a:endParaRPr b="0" lang="ru-RU" sz="2800" spc="-1" strike="noStrike">
-              <a:solidFill>
-                <a:srgbClr val="ffffff"/>
+          <a:lstStyle/>
+          <a:p>
+            <a:endParaRPr lang="ru-RU" sz="2800" b="0" strike="noStrike" spc="-1">
+              <a:solidFill>
+                <a:srgbClr val="FFFFFF"/>
               </a:solidFill>
               <a:latin typeface="Arial"/>
             </a:endParaRPr>
@@ -2013,11 +2276,14 @@
       </p:sp>
     </p:spTree>
   </p:cSld>
+  <p:clrMapOvr>
+    <a:masterClrMapping/>
+  </p:clrMapOvr>
 </p:sldLayout>
 </file>
 
 <file path=ppt/slideLayouts/slideLayout17.xml><?xml version="1.0" encoding="utf-8"?>
-<p:sldLayout xmlns:a="http://schemas.openxmlformats.org/drawingml/2006/main" xmlns:p="http://schemas.openxmlformats.org/presentationml/2006/main" xmlns:r="http://schemas.openxmlformats.org/officeDocument/2006/relationships" xmlns:p14="http://schemas.microsoft.com/office/powerpoint/2010/main" xmlns:p15="http://schemas.microsoft.com/office/powerpoint/2012/main" xmlns:mc="http://schemas.openxmlformats.org/markup-compatibility/2006" type="titleOnly" preserve="1">
+<p:sldLayout xmlns:a="http://schemas.openxmlformats.org/drawingml/2006/main" xmlns:r="http://schemas.openxmlformats.org/officeDocument/2006/relationships" xmlns:p="http://schemas.openxmlformats.org/presentationml/2006/main" type="titleOnly" preserve="1">
   <p:cSld name="Title Only">
     <p:spTree>
       <p:nvGrpSpPr>
@@ -2053,11 +2319,12 @@
           </a:prstGeom>
         </p:spPr>
         <p:txBody>
-          <a:bodyPr lIns="0" rIns="0" tIns="0" bIns="0" anchor="ctr"/>
-          <a:p>
-            <a:endParaRPr b="0" lang="ru-RU" sz="3200" spc="-1" strike="noStrike">
-              <a:solidFill>
-                <a:srgbClr val="4d4d4d"/>
+          <a:bodyPr lIns="0" tIns="0" rIns="0" bIns="0" anchor="ctr"/>
+          <a:lstStyle/>
+          <a:p>
+            <a:endParaRPr lang="ru-RU" sz="3200" b="0" strike="noStrike" spc="-1">
+              <a:solidFill>
+                <a:srgbClr val="4D4D4D"/>
               </a:solidFill>
               <a:latin typeface="Arial"/>
             </a:endParaRPr>
@@ -2066,11 +2333,14 @@
       </p:sp>
     </p:spTree>
   </p:cSld>
+  <p:clrMapOvr>
+    <a:masterClrMapping/>
+  </p:clrMapOvr>
 </p:sldLayout>
 </file>
 
 <file path=ppt/slideLayouts/slideLayout18.xml><?xml version="1.0" encoding="utf-8"?>
-<p:sldLayout xmlns:a="http://schemas.openxmlformats.org/drawingml/2006/main" xmlns:p="http://schemas.openxmlformats.org/presentationml/2006/main" xmlns:r="http://schemas.openxmlformats.org/officeDocument/2006/relationships" xmlns:p14="http://schemas.microsoft.com/office/powerpoint/2010/main" xmlns:p15="http://schemas.microsoft.com/office/powerpoint/2012/main" xmlns:mc="http://schemas.openxmlformats.org/markup-compatibility/2006" type="objOnly" preserve="1">
+<p:sldLayout xmlns:a="http://schemas.openxmlformats.org/drawingml/2006/main" xmlns:r="http://schemas.openxmlformats.org/officeDocument/2006/relationships" xmlns:p="http://schemas.openxmlformats.org/presentationml/2006/main" type="objOnly" preserve="1">
   <p:cSld name="Centered Text">
     <p:spTree>
       <p:nvGrpSpPr>
@@ -2106,10 +2376,11 @@
           </a:prstGeom>
         </p:spPr>
         <p:txBody>
-          <a:bodyPr lIns="0" rIns="0" tIns="0" bIns="0" anchor="ctr"/>
+          <a:bodyPr lIns="0" tIns="0" rIns="0" bIns="0" anchor="ctr"/>
+          <a:lstStyle/>
           <a:p>
             <a:pPr algn="ctr"/>
-            <a:endParaRPr b="0" lang="es-PY" sz="3200" spc="-1" strike="noStrike">
+            <a:endParaRPr lang="es-PY" sz="3200" b="0" strike="noStrike" spc="-1">
               <a:latin typeface="Arial"/>
             </a:endParaRPr>
           </a:p>
@@ -2117,11 +2388,14 @@
       </p:sp>
     </p:spTree>
   </p:cSld>
+  <p:clrMapOvr>
+    <a:masterClrMapping/>
+  </p:clrMapOvr>
 </p:sldLayout>
 </file>
 
 <file path=ppt/slideLayouts/slideLayout19.xml><?xml version="1.0" encoding="utf-8"?>
-<p:sldLayout xmlns:a="http://schemas.openxmlformats.org/drawingml/2006/main" xmlns:p="http://schemas.openxmlformats.org/presentationml/2006/main" xmlns:r="http://schemas.openxmlformats.org/officeDocument/2006/relationships" xmlns:p14="http://schemas.microsoft.com/office/powerpoint/2010/main" xmlns:p15="http://schemas.microsoft.com/office/powerpoint/2012/main" xmlns:mc="http://schemas.openxmlformats.org/markup-compatibility/2006" type="twoObjAndObj" preserve="1">
+<p:sldLayout xmlns:a="http://schemas.openxmlformats.org/drawingml/2006/main" xmlns:r="http://schemas.openxmlformats.org/officeDocument/2006/relationships" xmlns:p="http://schemas.openxmlformats.org/presentationml/2006/main" type="twoObjAndObj" preserve="1">
   <p:cSld name="Title, 2 Content and Content">
     <p:spTree>
       <p:nvGrpSpPr>
@@ -2157,11 +2431,12 @@
           </a:prstGeom>
         </p:spPr>
         <p:txBody>
-          <a:bodyPr lIns="0" rIns="0" tIns="0" bIns="0" anchor="ctr"/>
-          <a:p>
-            <a:endParaRPr b="0" lang="ru-RU" sz="3200" spc="-1" strike="noStrike">
-              <a:solidFill>
-                <a:srgbClr val="4d4d4d"/>
+          <a:bodyPr lIns="0" tIns="0" rIns="0" bIns="0" anchor="ctr"/>
+          <a:lstStyle/>
+          <a:p>
+            <a:endParaRPr lang="ru-RU" sz="3200" b="0" strike="noStrike" spc="-1">
+              <a:solidFill>
+                <a:srgbClr val="4D4D4D"/>
               </a:solidFill>
               <a:latin typeface="Arial"/>
             </a:endParaRPr>
@@ -2188,13 +2463,14 @@
           </a:prstGeom>
         </p:spPr>
         <p:txBody>
-          <a:bodyPr lIns="0" rIns="0" tIns="0" bIns="0">
+          <a:bodyPr lIns="0" tIns="0" rIns="0" bIns="0">
             <a:normAutofit/>
           </a:bodyPr>
-          <a:p>
-            <a:endParaRPr b="0" lang="ru-RU" sz="2800" spc="-1" strike="noStrike">
-              <a:solidFill>
-                <a:srgbClr val="ffffff"/>
+          <a:lstStyle/>
+          <a:p>
+            <a:endParaRPr lang="ru-RU" sz="2800" b="0" strike="noStrike" spc="-1">
+              <a:solidFill>
+                <a:srgbClr val="FFFFFF"/>
               </a:solidFill>
               <a:latin typeface="Arial"/>
             </a:endParaRPr>
@@ -2221,13 +2497,14 @@
           </a:prstGeom>
         </p:spPr>
         <p:txBody>
-          <a:bodyPr lIns="0" rIns="0" tIns="0" bIns="0">
+          <a:bodyPr lIns="0" tIns="0" rIns="0" bIns="0">
             <a:normAutofit/>
           </a:bodyPr>
-          <a:p>
-            <a:endParaRPr b="0" lang="ru-RU" sz="2800" spc="-1" strike="noStrike">
-              <a:solidFill>
-                <a:srgbClr val="ffffff"/>
+          <a:lstStyle/>
+          <a:p>
+            <a:endParaRPr lang="ru-RU" sz="2800" b="0" strike="noStrike" spc="-1">
+              <a:solidFill>
+                <a:srgbClr val="FFFFFF"/>
               </a:solidFill>
               <a:latin typeface="Arial"/>
             </a:endParaRPr>
@@ -2254,13 +2531,14 @@
           </a:prstGeom>
         </p:spPr>
         <p:txBody>
-          <a:bodyPr lIns="0" rIns="0" tIns="0" bIns="0">
+          <a:bodyPr lIns="0" tIns="0" rIns="0" bIns="0">
             <a:normAutofit/>
           </a:bodyPr>
-          <a:p>
-            <a:endParaRPr b="0" lang="ru-RU" sz="2800" spc="-1" strike="noStrike">
-              <a:solidFill>
-                <a:srgbClr val="ffffff"/>
+          <a:lstStyle/>
+          <a:p>
+            <a:endParaRPr lang="ru-RU" sz="2800" b="0" strike="noStrike" spc="-1">
+              <a:solidFill>
+                <a:srgbClr val="FFFFFF"/>
               </a:solidFill>
               <a:latin typeface="Arial"/>
             </a:endParaRPr>
@@ -2269,11 +2547,14 @@
       </p:sp>
     </p:spTree>
   </p:cSld>
+  <p:clrMapOvr>
+    <a:masterClrMapping/>
+  </p:clrMapOvr>
 </p:sldLayout>
 </file>
 
 <file path=ppt/slideLayouts/slideLayout2.xml><?xml version="1.0" encoding="utf-8"?>
-<p:sldLayout xmlns:a="http://schemas.openxmlformats.org/drawingml/2006/main" xmlns:p="http://schemas.openxmlformats.org/presentationml/2006/main" xmlns:r="http://schemas.openxmlformats.org/officeDocument/2006/relationships" xmlns:p14="http://schemas.microsoft.com/office/powerpoint/2010/main" xmlns:p15="http://schemas.microsoft.com/office/powerpoint/2012/main" xmlns:mc="http://schemas.openxmlformats.org/markup-compatibility/2006" type="tx" preserve="1">
+<p:sldLayout xmlns:a="http://schemas.openxmlformats.org/drawingml/2006/main" xmlns:r="http://schemas.openxmlformats.org/officeDocument/2006/relationships" xmlns:p="http://schemas.openxmlformats.org/presentationml/2006/main" type="tx" preserve="1">
   <p:cSld name="Title Slide">
     <p:spTree>
       <p:nvGrpSpPr>
@@ -2309,11 +2590,12 @@
           </a:prstGeom>
         </p:spPr>
         <p:txBody>
-          <a:bodyPr lIns="0" rIns="0" tIns="0" bIns="0" anchor="ctr"/>
-          <a:p>
-            <a:endParaRPr b="0" lang="ru-RU" sz="3200" spc="-1" strike="noStrike">
-              <a:solidFill>
-                <a:srgbClr val="4d4d4d"/>
+          <a:bodyPr lIns="0" tIns="0" rIns="0" bIns="0" anchor="ctr"/>
+          <a:lstStyle/>
+          <a:p>
+            <a:endParaRPr lang="ru-RU" sz="3200" b="0" strike="noStrike" spc="-1">
+              <a:solidFill>
+                <a:srgbClr val="4D4D4D"/>
               </a:solidFill>
               <a:latin typeface="Arial"/>
             </a:endParaRPr>
@@ -2340,10 +2622,11 @@
           </a:prstGeom>
         </p:spPr>
         <p:txBody>
-          <a:bodyPr lIns="0" rIns="0" tIns="0" bIns="0" anchor="ctr"/>
+          <a:bodyPr lIns="0" tIns="0" rIns="0" bIns="0" anchor="ctr"/>
+          <a:lstStyle/>
           <a:p>
             <a:pPr algn="ctr"/>
-            <a:endParaRPr b="0" lang="es-PY" sz="3200" spc="-1" strike="noStrike">
+            <a:endParaRPr lang="es-PY" sz="3200" b="0" strike="noStrike" spc="-1">
               <a:latin typeface="Arial"/>
             </a:endParaRPr>
           </a:p>
@@ -2351,11 +2634,14 @@
       </p:sp>
     </p:spTree>
   </p:cSld>
+  <p:clrMapOvr>
+    <a:masterClrMapping/>
+  </p:clrMapOvr>
 </p:sldLayout>
 </file>
 
 <file path=ppt/slideLayouts/slideLayout20.xml><?xml version="1.0" encoding="utf-8"?>
-<p:sldLayout xmlns:a="http://schemas.openxmlformats.org/drawingml/2006/main" xmlns:p="http://schemas.openxmlformats.org/presentationml/2006/main" xmlns:r="http://schemas.openxmlformats.org/officeDocument/2006/relationships" xmlns:p14="http://schemas.microsoft.com/office/powerpoint/2010/main" xmlns:p15="http://schemas.microsoft.com/office/powerpoint/2012/main" xmlns:mc="http://schemas.openxmlformats.org/markup-compatibility/2006" type="objAndTwoObj" preserve="1">
+<p:sldLayout xmlns:a="http://schemas.openxmlformats.org/drawingml/2006/main" xmlns:r="http://schemas.openxmlformats.org/officeDocument/2006/relationships" xmlns:p="http://schemas.openxmlformats.org/presentationml/2006/main" type="objAndTwoObj" preserve="1">
   <p:cSld name="Title Content and 2 Content">
     <p:spTree>
       <p:nvGrpSpPr>
@@ -2391,11 +2677,12 @@
           </a:prstGeom>
         </p:spPr>
         <p:txBody>
-          <a:bodyPr lIns="0" rIns="0" tIns="0" bIns="0" anchor="ctr"/>
-          <a:p>
-            <a:endParaRPr b="0" lang="ru-RU" sz="3200" spc="-1" strike="noStrike">
-              <a:solidFill>
-                <a:srgbClr val="4d4d4d"/>
+          <a:bodyPr lIns="0" tIns="0" rIns="0" bIns="0" anchor="ctr"/>
+          <a:lstStyle/>
+          <a:p>
+            <a:endParaRPr lang="ru-RU" sz="3200" b="0" strike="noStrike" spc="-1">
+              <a:solidFill>
+                <a:srgbClr val="4D4D4D"/>
               </a:solidFill>
               <a:latin typeface="Arial"/>
             </a:endParaRPr>
@@ -2422,13 +2709,14 @@
           </a:prstGeom>
         </p:spPr>
         <p:txBody>
-          <a:bodyPr lIns="0" rIns="0" tIns="0" bIns="0">
+          <a:bodyPr lIns="0" tIns="0" rIns="0" bIns="0">
             <a:normAutofit/>
           </a:bodyPr>
-          <a:p>
-            <a:endParaRPr b="0" lang="ru-RU" sz="2800" spc="-1" strike="noStrike">
-              <a:solidFill>
-                <a:srgbClr val="ffffff"/>
+          <a:lstStyle/>
+          <a:p>
+            <a:endParaRPr lang="ru-RU" sz="2800" b="0" strike="noStrike" spc="-1">
+              <a:solidFill>
+                <a:srgbClr val="FFFFFF"/>
               </a:solidFill>
               <a:latin typeface="Arial"/>
             </a:endParaRPr>
@@ -2455,13 +2743,14 @@
           </a:prstGeom>
         </p:spPr>
         <p:txBody>
-          <a:bodyPr lIns="0" rIns="0" tIns="0" bIns="0">
+          <a:bodyPr lIns="0" tIns="0" rIns="0" bIns="0">
             <a:normAutofit/>
           </a:bodyPr>
-          <a:p>
-            <a:endParaRPr b="0" lang="ru-RU" sz="2800" spc="-1" strike="noStrike">
-              <a:solidFill>
-                <a:srgbClr val="ffffff"/>
+          <a:lstStyle/>
+          <a:p>
+            <a:endParaRPr lang="ru-RU" sz="2800" b="0" strike="noStrike" spc="-1">
+              <a:solidFill>
+                <a:srgbClr val="FFFFFF"/>
               </a:solidFill>
               <a:latin typeface="Arial"/>
             </a:endParaRPr>
@@ -2488,13 +2777,14 @@
           </a:prstGeom>
         </p:spPr>
         <p:txBody>
-          <a:bodyPr lIns="0" rIns="0" tIns="0" bIns="0">
+          <a:bodyPr lIns="0" tIns="0" rIns="0" bIns="0">
             <a:normAutofit/>
           </a:bodyPr>
-          <a:p>
-            <a:endParaRPr b="0" lang="ru-RU" sz="2800" spc="-1" strike="noStrike">
-              <a:solidFill>
-                <a:srgbClr val="ffffff"/>
+          <a:lstStyle/>
+          <a:p>
+            <a:endParaRPr lang="ru-RU" sz="2800" b="0" strike="noStrike" spc="-1">
+              <a:solidFill>
+                <a:srgbClr val="FFFFFF"/>
               </a:solidFill>
               <a:latin typeface="Arial"/>
             </a:endParaRPr>
@@ -2503,11 +2793,14 @@
       </p:sp>
     </p:spTree>
   </p:cSld>
+  <p:clrMapOvr>
+    <a:masterClrMapping/>
+  </p:clrMapOvr>
 </p:sldLayout>
 </file>
 
 <file path=ppt/slideLayouts/slideLayout21.xml><?xml version="1.0" encoding="utf-8"?>
-<p:sldLayout xmlns:a="http://schemas.openxmlformats.org/drawingml/2006/main" xmlns:p="http://schemas.openxmlformats.org/presentationml/2006/main" xmlns:r="http://schemas.openxmlformats.org/officeDocument/2006/relationships" xmlns:p14="http://schemas.microsoft.com/office/powerpoint/2010/main" xmlns:p15="http://schemas.microsoft.com/office/powerpoint/2012/main" xmlns:mc="http://schemas.openxmlformats.org/markup-compatibility/2006" type="twoObjOverTx" preserve="1">
+<p:sldLayout xmlns:a="http://schemas.openxmlformats.org/drawingml/2006/main" xmlns:r="http://schemas.openxmlformats.org/officeDocument/2006/relationships" xmlns:p="http://schemas.openxmlformats.org/presentationml/2006/main" type="twoObjOverTx" preserve="1">
   <p:cSld name="Title, 2 Content over Content">
     <p:spTree>
       <p:nvGrpSpPr>
@@ -2543,11 +2836,12 @@
           </a:prstGeom>
         </p:spPr>
         <p:txBody>
-          <a:bodyPr lIns="0" rIns="0" tIns="0" bIns="0" anchor="ctr"/>
-          <a:p>
-            <a:endParaRPr b="0" lang="ru-RU" sz="3200" spc="-1" strike="noStrike">
-              <a:solidFill>
-                <a:srgbClr val="4d4d4d"/>
+          <a:bodyPr lIns="0" tIns="0" rIns="0" bIns="0" anchor="ctr"/>
+          <a:lstStyle/>
+          <a:p>
+            <a:endParaRPr lang="ru-RU" sz="3200" b="0" strike="noStrike" spc="-1">
+              <a:solidFill>
+                <a:srgbClr val="4D4D4D"/>
               </a:solidFill>
               <a:latin typeface="Arial"/>
             </a:endParaRPr>
@@ -2574,13 +2868,14 @@
           </a:prstGeom>
         </p:spPr>
         <p:txBody>
-          <a:bodyPr lIns="0" rIns="0" tIns="0" bIns="0">
+          <a:bodyPr lIns="0" tIns="0" rIns="0" bIns="0">
             <a:normAutofit/>
           </a:bodyPr>
-          <a:p>
-            <a:endParaRPr b="0" lang="ru-RU" sz="2800" spc="-1" strike="noStrike">
-              <a:solidFill>
-                <a:srgbClr val="ffffff"/>
+          <a:lstStyle/>
+          <a:p>
+            <a:endParaRPr lang="ru-RU" sz="2800" b="0" strike="noStrike" spc="-1">
+              <a:solidFill>
+                <a:srgbClr val="FFFFFF"/>
               </a:solidFill>
               <a:latin typeface="Arial"/>
             </a:endParaRPr>
@@ -2607,13 +2902,14 @@
           </a:prstGeom>
         </p:spPr>
         <p:txBody>
-          <a:bodyPr lIns="0" rIns="0" tIns="0" bIns="0">
+          <a:bodyPr lIns="0" tIns="0" rIns="0" bIns="0">
             <a:normAutofit/>
           </a:bodyPr>
-          <a:p>
-            <a:endParaRPr b="0" lang="ru-RU" sz="2800" spc="-1" strike="noStrike">
-              <a:solidFill>
-                <a:srgbClr val="ffffff"/>
+          <a:lstStyle/>
+          <a:p>
+            <a:endParaRPr lang="ru-RU" sz="2800" b="0" strike="noStrike" spc="-1">
+              <a:solidFill>
+                <a:srgbClr val="FFFFFF"/>
               </a:solidFill>
               <a:latin typeface="Arial"/>
             </a:endParaRPr>
@@ -2640,13 +2936,14 @@
           </a:prstGeom>
         </p:spPr>
         <p:txBody>
-          <a:bodyPr lIns="0" rIns="0" tIns="0" bIns="0">
+          <a:bodyPr lIns="0" tIns="0" rIns="0" bIns="0">
             <a:normAutofit/>
           </a:bodyPr>
-          <a:p>
-            <a:endParaRPr b="0" lang="ru-RU" sz="2800" spc="-1" strike="noStrike">
-              <a:solidFill>
-                <a:srgbClr val="ffffff"/>
+          <a:lstStyle/>
+          <a:p>
+            <a:endParaRPr lang="ru-RU" sz="2800" b="0" strike="noStrike" spc="-1">
+              <a:solidFill>
+                <a:srgbClr val="FFFFFF"/>
               </a:solidFill>
               <a:latin typeface="Arial"/>
             </a:endParaRPr>
@@ -2655,11 +2952,14 @@
       </p:sp>
     </p:spTree>
   </p:cSld>
+  <p:clrMapOvr>
+    <a:masterClrMapping/>
+  </p:clrMapOvr>
 </p:sldLayout>
 </file>
 
 <file path=ppt/slideLayouts/slideLayout22.xml><?xml version="1.0" encoding="utf-8"?>
-<p:sldLayout xmlns:a="http://schemas.openxmlformats.org/drawingml/2006/main" xmlns:p="http://schemas.openxmlformats.org/presentationml/2006/main" xmlns:r="http://schemas.openxmlformats.org/officeDocument/2006/relationships" xmlns:p14="http://schemas.microsoft.com/office/powerpoint/2010/main" xmlns:p15="http://schemas.microsoft.com/office/powerpoint/2012/main" xmlns:mc="http://schemas.openxmlformats.org/markup-compatibility/2006" type="objOverTx" preserve="1">
+<p:sldLayout xmlns:a="http://schemas.openxmlformats.org/drawingml/2006/main" xmlns:r="http://schemas.openxmlformats.org/officeDocument/2006/relationships" xmlns:p="http://schemas.openxmlformats.org/presentationml/2006/main" type="objOverTx" preserve="1">
   <p:cSld name="Title, Content over Content">
     <p:spTree>
       <p:nvGrpSpPr>
@@ -2695,11 +2995,12 @@
           </a:prstGeom>
         </p:spPr>
         <p:txBody>
-          <a:bodyPr lIns="0" rIns="0" tIns="0" bIns="0" anchor="ctr"/>
-          <a:p>
-            <a:endParaRPr b="0" lang="ru-RU" sz="3200" spc="-1" strike="noStrike">
-              <a:solidFill>
-                <a:srgbClr val="4d4d4d"/>
+          <a:bodyPr lIns="0" tIns="0" rIns="0" bIns="0" anchor="ctr"/>
+          <a:lstStyle/>
+          <a:p>
+            <a:endParaRPr lang="ru-RU" sz="3200" b="0" strike="noStrike" spc="-1">
+              <a:solidFill>
+                <a:srgbClr val="4D4D4D"/>
               </a:solidFill>
               <a:latin typeface="Arial"/>
             </a:endParaRPr>
@@ -2726,13 +3027,14 @@
           </a:prstGeom>
         </p:spPr>
         <p:txBody>
-          <a:bodyPr lIns="0" rIns="0" tIns="0" bIns="0">
+          <a:bodyPr lIns="0" tIns="0" rIns="0" bIns="0">
             <a:normAutofit/>
           </a:bodyPr>
-          <a:p>
-            <a:endParaRPr b="0" lang="ru-RU" sz="2800" spc="-1" strike="noStrike">
-              <a:solidFill>
-                <a:srgbClr val="ffffff"/>
+          <a:lstStyle/>
+          <a:p>
+            <a:endParaRPr lang="ru-RU" sz="2800" b="0" strike="noStrike" spc="-1">
+              <a:solidFill>
+                <a:srgbClr val="FFFFFF"/>
               </a:solidFill>
               <a:latin typeface="Arial"/>
             </a:endParaRPr>
@@ -2759,13 +3061,14 @@
           </a:prstGeom>
         </p:spPr>
         <p:txBody>
-          <a:bodyPr lIns="0" rIns="0" tIns="0" bIns="0">
+          <a:bodyPr lIns="0" tIns="0" rIns="0" bIns="0">
             <a:normAutofit/>
           </a:bodyPr>
-          <a:p>
-            <a:endParaRPr b="0" lang="ru-RU" sz="2800" spc="-1" strike="noStrike">
-              <a:solidFill>
-                <a:srgbClr val="ffffff"/>
+          <a:lstStyle/>
+          <a:p>
+            <a:endParaRPr lang="ru-RU" sz="2800" b="0" strike="noStrike" spc="-1">
+              <a:solidFill>
+                <a:srgbClr val="FFFFFF"/>
               </a:solidFill>
               <a:latin typeface="Arial"/>
             </a:endParaRPr>
@@ -2774,11 +3077,14 @@
       </p:sp>
     </p:spTree>
   </p:cSld>
+  <p:clrMapOvr>
+    <a:masterClrMapping/>
+  </p:clrMapOvr>
 </p:sldLayout>
 </file>
 
 <file path=ppt/slideLayouts/slideLayout23.xml><?xml version="1.0" encoding="utf-8"?>
-<p:sldLayout xmlns:a="http://schemas.openxmlformats.org/drawingml/2006/main" xmlns:p="http://schemas.openxmlformats.org/presentationml/2006/main" xmlns:r="http://schemas.openxmlformats.org/officeDocument/2006/relationships" xmlns:p14="http://schemas.microsoft.com/office/powerpoint/2010/main" xmlns:p15="http://schemas.microsoft.com/office/powerpoint/2012/main" xmlns:mc="http://schemas.openxmlformats.org/markup-compatibility/2006" type="fourObj" preserve="1">
+<p:sldLayout xmlns:a="http://schemas.openxmlformats.org/drawingml/2006/main" xmlns:r="http://schemas.openxmlformats.org/officeDocument/2006/relationships" xmlns:p="http://schemas.openxmlformats.org/presentationml/2006/main" type="fourObj" preserve="1">
   <p:cSld name="Title, 4 Content">
     <p:spTree>
       <p:nvGrpSpPr>
@@ -2814,11 +3120,12 @@
           </a:prstGeom>
         </p:spPr>
         <p:txBody>
-          <a:bodyPr lIns="0" rIns="0" tIns="0" bIns="0" anchor="ctr"/>
-          <a:p>
-            <a:endParaRPr b="0" lang="ru-RU" sz="3200" spc="-1" strike="noStrike">
-              <a:solidFill>
-                <a:srgbClr val="4d4d4d"/>
+          <a:bodyPr lIns="0" tIns="0" rIns="0" bIns="0" anchor="ctr"/>
+          <a:lstStyle/>
+          <a:p>
+            <a:endParaRPr lang="ru-RU" sz="3200" b="0" strike="noStrike" spc="-1">
+              <a:solidFill>
+                <a:srgbClr val="4D4D4D"/>
               </a:solidFill>
               <a:latin typeface="Arial"/>
             </a:endParaRPr>
@@ -2845,13 +3152,14 @@
           </a:prstGeom>
         </p:spPr>
         <p:txBody>
-          <a:bodyPr lIns="0" rIns="0" tIns="0" bIns="0">
+          <a:bodyPr lIns="0" tIns="0" rIns="0" bIns="0">
             <a:normAutofit/>
           </a:bodyPr>
-          <a:p>
-            <a:endParaRPr b="0" lang="ru-RU" sz="2800" spc="-1" strike="noStrike">
-              <a:solidFill>
-                <a:srgbClr val="ffffff"/>
+          <a:lstStyle/>
+          <a:p>
+            <a:endParaRPr lang="ru-RU" sz="2800" b="0" strike="noStrike" spc="-1">
+              <a:solidFill>
+                <a:srgbClr val="FFFFFF"/>
               </a:solidFill>
               <a:latin typeface="Arial"/>
             </a:endParaRPr>
@@ -2878,13 +3186,14 @@
           </a:prstGeom>
         </p:spPr>
         <p:txBody>
-          <a:bodyPr lIns="0" rIns="0" tIns="0" bIns="0">
+          <a:bodyPr lIns="0" tIns="0" rIns="0" bIns="0">
             <a:normAutofit/>
           </a:bodyPr>
-          <a:p>
-            <a:endParaRPr b="0" lang="ru-RU" sz="2800" spc="-1" strike="noStrike">
-              <a:solidFill>
-                <a:srgbClr val="ffffff"/>
+          <a:lstStyle/>
+          <a:p>
+            <a:endParaRPr lang="ru-RU" sz="2800" b="0" strike="noStrike" spc="-1">
+              <a:solidFill>
+                <a:srgbClr val="FFFFFF"/>
               </a:solidFill>
               <a:latin typeface="Arial"/>
             </a:endParaRPr>
@@ -2911,13 +3220,14 @@
           </a:prstGeom>
         </p:spPr>
         <p:txBody>
-          <a:bodyPr lIns="0" rIns="0" tIns="0" bIns="0">
+          <a:bodyPr lIns="0" tIns="0" rIns="0" bIns="0">
             <a:normAutofit/>
           </a:bodyPr>
-          <a:p>
-            <a:endParaRPr b="0" lang="ru-RU" sz="2800" spc="-1" strike="noStrike">
-              <a:solidFill>
-                <a:srgbClr val="ffffff"/>
+          <a:lstStyle/>
+          <a:p>
+            <a:endParaRPr lang="ru-RU" sz="2800" b="0" strike="noStrike" spc="-1">
+              <a:solidFill>
+                <a:srgbClr val="FFFFFF"/>
               </a:solidFill>
               <a:latin typeface="Arial"/>
             </a:endParaRPr>
@@ -2944,13 +3254,14 @@
           </a:prstGeom>
         </p:spPr>
         <p:txBody>
-          <a:bodyPr lIns="0" rIns="0" tIns="0" bIns="0">
+          <a:bodyPr lIns="0" tIns="0" rIns="0" bIns="0">
             <a:normAutofit/>
           </a:bodyPr>
-          <a:p>
-            <a:endParaRPr b="0" lang="ru-RU" sz="2800" spc="-1" strike="noStrike">
-              <a:solidFill>
-                <a:srgbClr val="ffffff"/>
+          <a:lstStyle/>
+          <a:p>
+            <a:endParaRPr lang="ru-RU" sz="2800" b="0" strike="noStrike" spc="-1">
+              <a:solidFill>
+                <a:srgbClr val="FFFFFF"/>
               </a:solidFill>
               <a:latin typeface="Arial"/>
             </a:endParaRPr>
@@ -2959,11 +3270,14 @@
       </p:sp>
     </p:spTree>
   </p:cSld>
+  <p:clrMapOvr>
+    <a:masterClrMapping/>
+  </p:clrMapOvr>
 </p:sldLayout>
 </file>
 
 <file path=ppt/slideLayouts/slideLayout24.xml><?xml version="1.0" encoding="utf-8"?>
-<p:sldLayout xmlns:a="http://schemas.openxmlformats.org/drawingml/2006/main" xmlns:p="http://schemas.openxmlformats.org/presentationml/2006/main" xmlns:r="http://schemas.openxmlformats.org/officeDocument/2006/relationships" xmlns:p14="http://schemas.microsoft.com/office/powerpoint/2010/main" xmlns:p15="http://schemas.microsoft.com/office/powerpoint/2012/main" xmlns:mc="http://schemas.openxmlformats.org/markup-compatibility/2006" type="blank" preserve="1">
+<p:sldLayout xmlns:a="http://schemas.openxmlformats.org/drawingml/2006/main" xmlns:r="http://schemas.openxmlformats.org/officeDocument/2006/relationships" xmlns:p="http://schemas.openxmlformats.org/presentationml/2006/main" type="blank" preserve="1">
   <p:cSld name="Title, 6 Content">
     <p:spTree>
       <p:nvGrpSpPr>
@@ -2999,11 +3313,12 @@
           </a:prstGeom>
         </p:spPr>
         <p:txBody>
-          <a:bodyPr lIns="0" rIns="0" tIns="0" bIns="0" anchor="ctr"/>
-          <a:p>
-            <a:endParaRPr b="0" lang="ru-RU" sz="3200" spc="-1" strike="noStrike">
-              <a:solidFill>
-                <a:srgbClr val="4d4d4d"/>
+          <a:bodyPr lIns="0" tIns="0" rIns="0" bIns="0" anchor="ctr"/>
+          <a:lstStyle/>
+          <a:p>
+            <a:endParaRPr lang="ru-RU" sz="3200" b="0" strike="noStrike" spc="-1">
+              <a:solidFill>
+                <a:srgbClr val="4D4D4D"/>
               </a:solidFill>
               <a:latin typeface="Arial"/>
             </a:endParaRPr>
@@ -3030,13 +3345,14 @@
           </a:prstGeom>
         </p:spPr>
         <p:txBody>
-          <a:bodyPr lIns="0" rIns="0" tIns="0" bIns="0">
+          <a:bodyPr lIns="0" tIns="0" rIns="0" bIns="0">
             <a:normAutofit/>
           </a:bodyPr>
-          <a:p>
-            <a:endParaRPr b="0" lang="ru-RU" sz="2800" spc="-1" strike="noStrike">
-              <a:solidFill>
-                <a:srgbClr val="ffffff"/>
+          <a:lstStyle/>
+          <a:p>
+            <a:endParaRPr lang="ru-RU" sz="2800" b="0" strike="noStrike" spc="-1">
+              <a:solidFill>
+                <a:srgbClr val="FFFFFF"/>
               </a:solidFill>
               <a:latin typeface="Arial"/>
             </a:endParaRPr>
@@ -3063,13 +3379,14 @@
           </a:prstGeom>
         </p:spPr>
         <p:txBody>
-          <a:bodyPr lIns="0" rIns="0" tIns="0" bIns="0">
+          <a:bodyPr lIns="0" tIns="0" rIns="0" bIns="0">
             <a:normAutofit/>
           </a:bodyPr>
-          <a:p>
-            <a:endParaRPr b="0" lang="ru-RU" sz="2800" spc="-1" strike="noStrike">
-              <a:solidFill>
-                <a:srgbClr val="ffffff"/>
+          <a:lstStyle/>
+          <a:p>
+            <a:endParaRPr lang="ru-RU" sz="2800" b="0" strike="noStrike" spc="-1">
+              <a:solidFill>
+                <a:srgbClr val="FFFFFF"/>
               </a:solidFill>
               <a:latin typeface="Arial"/>
             </a:endParaRPr>
@@ -3096,13 +3413,14 @@
           </a:prstGeom>
         </p:spPr>
         <p:txBody>
-          <a:bodyPr lIns="0" rIns="0" tIns="0" bIns="0">
+          <a:bodyPr lIns="0" tIns="0" rIns="0" bIns="0">
             <a:normAutofit/>
           </a:bodyPr>
-          <a:p>
-            <a:endParaRPr b="0" lang="ru-RU" sz="2800" spc="-1" strike="noStrike">
-              <a:solidFill>
-                <a:srgbClr val="ffffff"/>
+          <a:lstStyle/>
+          <a:p>
+            <a:endParaRPr lang="ru-RU" sz="2800" b="0" strike="noStrike" spc="-1">
+              <a:solidFill>
+                <a:srgbClr val="FFFFFF"/>
               </a:solidFill>
               <a:latin typeface="Arial"/>
             </a:endParaRPr>
@@ -3129,13 +3447,14 @@
           </a:prstGeom>
         </p:spPr>
         <p:txBody>
-          <a:bodyPr lIns="0" rIns="0" tIns="0" bIns="0">
+          <a:bodyPr lIns="0" tIns="0" rIns="0" bIns="0">
             <a:normAutofit/>
           </a:bodyPr>
-          <a:p>
-            <a:endParaRPr b="0" lang="ru-RU" sz="2800" spc="-1" strike="noStrike">
-              <a:solidFill>
-                <a:srgbClr val="ffffff"/>
+          <a:lstStyle/>
+          <a:p>
+            <a:endParaRPr lang="ru-RU" sz="2800" b="0" strike="noStrike" spc="-1">
+              <a:solidFill>
+                <a:srgbClr val="FFFFFF"/>
               </a:solidFill>
               <a:latin typeface="Arial"/>
             </a:endParaRPr>
@@ -3162,13 +3481,14 @@
           </a:prstGeom>
         </p:spPr>
         <p:txBody>
-          <a:bodyPr lIns="0" rIns="0" tIns="0" bIns="0">
+          <a:bodyPr lIns="0" tIns="0" rIns="0" bIns="0">
             <a:normAutofit/>
           </a:bodyPr>
-          <a:p>
-            <a:endParaRPr b="0" lang="ru-RU" sz="2800" spc="-1" strike="noStrike">
-              <a:solidFill>
-                <a:srgbClr val="ffffff"/>
+          <a:lstStyle/>
+          <a:p>
+            <a:endParaRPr lang="ru-RU" sz="2800" b="0" strike="noStrike" spc="-1">
+              <a:solidFill>
+                <a:srgbClr val="FFFFFF"/>
               </a:solidFill>
               <a:latin typeface="Arial"/>
             </a:endParaRPr>
@@ -3195,13 +3515,14 @@
           </a:prstGeom>
         </p:spPr>
         <p:txBody>
-          <a:bodyPr lIns="0" rIns="0" tIns="0" bIns="0">
+          <a:bodyPr lIns="0" tIns="0" rIns="0" bIns="0">
             <a:normAutofit/>
           </a:bodyPr>
-          <a:p>
-            <a:endParaRPr b="0" lang="ru-RU" sz="2800" spc="-1" strike="noStrike">
-              <a:solidFill>
-                <a:srgbClr val="ffffff"/>
+          <a:lstStyle/>
+          <a:p>
+            <a:endParaRPr lang="ru-RU" sz="2800" b="0" strike="noStrike" spc="-1">
+              <a:solidFill>
+                <a:srgbClr val="FFFFFF"/>
               </a:solidFill>
               <a:latin typeface="Arial"/>
             </a:endParaRPr>
@@ -3210,11 +3531,14 @@
       </p:sp>
     </p:spTree>
   </p:cSld>
+  <p:clrMapOvr>
+    <a:masterClrMapping/>
+  </p:clrMapOvr>
 </p:sldLayout>
 </file>
 
 <file path=ppt/slideLayouts/slideLayout3.xml><?xml version="1.0" encoding="utf-8"?>
-<p:sldLayout xmlns:a="http://schemas.openxmlformats.org/drawingml/2006/main" xmlns:p="http://schemas.openxmlformats.org/presentationml/2006/main" xmlns:r="http://schemas.openxmlformats.org/officeDocument/2006/relationships" xmlns:p14="http://schemas.microsoft.com/office/powerpoint/2010/main" xmlns:p15="http://schemas.microsoft.com/office/powerpoint/2012/main" xmlns:mc="http://schemas.openxmlformats.org/markup-compatibility/2006" type="obj" preserve="1">
+<p:sldLayout xmlns:a="http://schemas.openxmlformats.org/drawingml/2006/main" xmlns:r="http://schemas.openxmlformats.org/officeDocument/2006/relationships" xmlns:p="http://schemas.openxmlformats.org/presentationml/2006/main" type="obj" preserve="1">
   <p:cSld name="Title, Content">
     <p:spTree>
       <p:nvGrpSpPr>
@@ -3250,11 +3574,12 @@
           </a:prstGeom>
         </p:spPr>
         <p:txBody>
-          <a:bodyPr lIns="0" rIns="0" tIns="0" bIns="0" anchor="ctr"/>
-          <a:p>
-            <a:endParaRPr b="0" lang="ru-RU" sz="3200" spc="-1" strike="noStrike">
-              <a:solidFill>
-                <a:srgbClr val="4d4d4d"/>
+          <a:bodyPr lIns="0" tIns="0" rIns="0" bIns="0" anchor="ctr"/>
+          <a:lstStyle/>
+          <a:p>
+            <a:endParaRPr lang="ru-RU" sz="3200" b="0" strike="noStrike" spc="-1">
+              <a:solidFill>
+                <a:srgbClr val="4D4D4D"/>
               </a:solidFill>
               <a:latin typeface="Arial"/>
             </a:endParaRPr>
@@ -3281,13 +3606,14 @@
           </a:prstGeom>
         </p:spPr>
         <p:txBody>
-          <a:bodyPr lIns="0" rIns="0" tIns="0" bIns="0">
+          <a:bodyPr lIns="0" tIns="0" rIns="0" bIns="0">
             <a:normAutofit/>
           </a:bodyPr>
-          <a:p>
-            <a:endParaRPr b="0" lang="ru-RU" sz="2800" spc="-1" strike="noStrike">
-              <a:solidFill>
-                <a:srgbClr val="ffffff"/>
+          <a:lstStyle/>
+          <a:p>
+            <a:endParaRPr lang="ru-RU" sz="2800" b="0" strike="noStrike" spc="-1">
+              <a:solidFill>
+                <a:srgbClr val="FFFFFF"/>
               </a:solidFill>
               <a:latin typeface="Arial"/>
             </a:endParaRPr>
@@ -3296,11 +3622,14 @@
       </p:sp>
     </p:spTree>
   </p:cSld>
+  <p:clrMapOvr>
+    <a:masterClrMapping/>
+  </p:clrMapOvr>
 </p:sldLayout>
 </file>
 
 <file path=ppt/slideLayouts/slideLayout4.xml><?xml version="1.0" encoding="utf-8"?>
-<p:sldLayout xmlns:a="http://schemas.openxmlformats.org/drawingml/2006/main" xmlns:p="http://schemas.openxmlformats.org/presentationml/2006/main" xmlns:r="http://schemas.openxmlformats.org/officeDocument/2006/relationships" xmlns:p14="http://schemas.microsoft.com/office/powerpoint/2010/main" xmlns:p15="http://schemas.microsoft.com/office/powerpoint/2012/main" xmlns:mc="http://schemas.openxmlformats.org/markup-compatibility/2006" type="twoObj" preserve="1">
+<p:sldLayout xmlns:a="http://schemas.openxmlformats.org/drawingml/2006/main" xmlns:r="http://schemas.openxmlformats.org/officeDocument/2006/relationships" xmlns:p="http://schemas.openxmlformats.org/presentationml/2006/main" type="twoObj" preserve="1">
   <p:cSld name="Title, 2 Content">
     <p:spTree>
       <p:nvGrpSpPr>
@@ -3336,11 +3665,12 @@
           </a:prstGeom>
         </p:spPr>
         <p:txBody>
-          <a:bodyPr lIns="0" rIns="0" tIns="0" bIns="0" anchor="ctr"/>
-          <a:p>
-            <a:endParaRPr b="0" lang="ru-RU" sz="3200" spc="-1" strike="noStrike">
-              <a:solidFill>
-                <a:srgbClr val="4d4d4d"/>
+          <a:bodyPr lIns="0" tIns="0" rIns="0" bIns="0" anchor="ctr"/>
+          <a:lstStyle/>
+          <a:p>
+            <a:endParaRPr lang="ru-RU" sz="3200" b="0" strike="noStrike" spc="-1">
+              <a:solidFill>
+                <a:srgbClr val="4D4D4D"/>
               </a:solidFill>
               <a:latin typeface="Arial"/>
             </a:endParaRPr>
@@ -3367,13 +3697,14 @@
           </a:prstGeom>
         </p:spPr>
         <p:txBody>
-          <a:bodyPr lIns="0" rIns="0" tIns="0" bIns="0">
+          <a:bodyPr lIns="0" tIns="0" rIns="0" bIns="0">
             <a:normAutofit/>
           </a:bodyPr>
-          <a:p>
-            <a:endParaRPr b="0" lang="ru-RU" sz="2800" spc="-1" strike="noStrike">
-              <a:solidFill>
-                <a:srgbClr val="ffffff"/>
+          <a:lstStyle/>
+          <a:p>
+            <a:endParaRPr lang="ru-RU" sz="2800" b="0" strike="noStrike" spc="-1">
+              <a:solidFill>
+                <a:srgbClr val="FFFFFF"/>
               </a:solidFill>
               <a:latin typeface="Arial"/>
             </a:endParaRPr>
@@ -3400,13 +3731,14 @@
           </a:prstGeom>
         </p:spPr>
         <p:txBody>
-          <a:bodyPr lIns="0" rIns="0" tIns="0" bIns="0">
+          <a:bodyPr lIns="0" tIns="0" rIns="0" bIns="0">
             <a:normAutofit/>
           </a:bodyPr>
-          <a:p>
-            <a:endParaRPr b="0" lang="ru-RU" sz="2800" spc="-1" strike="noStrike">
-              <a:solidFill>
-                <a:srgbClr val="ffffff"/>
+          <a:lstStyle/>
+          <a:p>
+            <a:endParaRPr lang="ru-RU" sz="2800" b="0" strike="noStrike" spc="-1">
+              <a:solidFill>
+                <a:srgbClr val="FFFFFF"/>
               </a:solidFill>
               <a:latin typeface="Arial"/>
             </a:endParaRPr>
@@ -3415,11 +3747,14 @@
       </p:sp>
     </p:spTree>
   </p:cSld>
+  <p:clrMapOvr>
+    <a:masterClrMapping/>
+  </p:clrMapOvr>
 </p:sldLayout>
 </file>
 
 <file path=ppt/slideLayouts/slideLayout5.xml><?xml version="1.0" encoding="utf-8"?>
-<p:sldLayout xmlns:a="http://schemas.openxmlformats.org/drawingml/2006/main" xmlns:p="http://schemas.openxmlformats.org/presentationml/2006/main" xmlns:r="http://schemas.openxmlformats.org/officeDocument/2006/relationships" xmlns:p14="http://schemas.microsoft.com/office/powerpoint/2010/main" xmlns:p15="http://schemas.microsoft.com/office/powerpoint/2012/main" xmlns:mc="http://schemas.openxmlformats.org/markup-compatibility/2006" type="titleOnly" preserve="1">
+<p:sldLayout xmlns:a="http://schemas.openxmlformats.org/drawingml/2006/main" xmlns:r="http://schemas.openxmlformats.org/officeDocument/2006/relationships" xmlns:p="http://schemas.openxmlformats.org/presentationml/2006/main" type="titleOnly" preserve="1">
   <p:cSld name="Title Only">
     <p:spTree>
       <p:nvGrpSpPr>
@@ -3455,11 +3790,12 @@
           </a:prstGeom>
         </p:spPr>
         <p:txBody>
-          <a:bodyPr lIns="0" rIns="0" tIns="0" bIns="0" anchor="ctr"/>
-          <a:p>
-            <a:endParaRPr b="0" lang="ru-RU" sz="3200" spc="-1" strike="noStrike">
-              <a:solidFill>
-                <a:srgbClr val="4d4d4d"/>
+          <a:bodyPr lIns="0" tIns="0" rIns="0" bIns="0" anchor="ctr"/>
+          <a:lstStyle/>
+          <a:p>
+            <a:endParaRPr lang="ru-RU" sz="3200" b="0" strike="noStrike" spc="-1">
+              <a:solidFill>
+                <a:srgbClr val="4D4D4D"/>
               </a:solidFill>
               <a:latin typeface="Arial"/>
             </a:endParaRPr>
@@ -3468,11 +3804,14 @@
       </p:sp>
     </p:spTree>
   </p:cSld>
+  <p:clrMapOvr>
+    <a:masterClrMapping/>
+  </p:clrMapOvr>
 </p:sldLayout>
 </file>
 
 <file path=ppt/slideLayouts/slideLayout6.xml><?xml version="1.0" encoding="utf-8"?>
-<p:sldLayout xmlns:a="http://schemas.openxmlformats.org/drawingml/2006/main" xmlns:p="http://schemas.openxmlformats.org/presentationml/2006/main" xmlns:r="http://schemas.openxmlformats.org/officeDocument/2006/relationships" xmlns:p14="http://schemas.microsoft.com/office/powerpoint/2010/main" xmlns:p15="http://schemas.microsoft.com/office/powerpoint/2012/main" xmlns:mc="http://schemas.openxmlformats.org/markup-compatibility/2006" type="objOnly" preserve="1">
+<p:sldLayout xmlns:a="http://schemas.openxmlformats.org/drawingml/2006/main" xmlns:r="http://schemas.openxmlformats.org/officeDocument/2006/relationships" xmlns:p="http://schemas.openxmlformats.org/presentationml/2006/main" type="objOnly" preserve="1">
   <p:cSld name="Centered Text">
     <p:spTree>
       <p:nvGrpSpPr>
@@ -3508,10 +3847,11 @@
           </a:prstGeom>
         </p:spPr>
         <p:txBody>
-          <a:bodyPr lIns="0" rIns="0" tIns="0" bIns="0" anchor="ctr"/>
+          <a:bodyPr lIns="0" tIns="0" rIns="0" bIns="0" anchor="ctr"/>
+          <a:lstStyle/>
           <a:p>
             <a:pPr algn="ctr"/>
-            <a:endParaRPr b="0" lang="es-PY" sz="3200" spc="-1" strike="noStrike">
+            <a:endParaRPr lang="es-PY" sz="3200" b="0" strike="noStrike" spc="-1">
               <a:latin typeface="Arial"/>
             </a:endParaRPr>
           </a:p>
@@ -3519,11 +3859,14 @@
       </p:sp>
     </p:spTree>
   </p:cSld>
+  <p:clrMapOvr>
+    <a:masterClrMapping/>
+  </p:clrMapOvr>
 </p:sldLayout>
 </file>
 
 <file path=ppt/slideLayouts/slideLayout7.xml><?xml version="1.0" encoding="utf-8"?>
-<p:sldLayout xmlns:a="http://schemas.openxmlformats.org/drawingml/2006/main" xmlns:p="http://schemas.openxmlformats.org/presentationml/2006/main" xmlns:r="http://schemas.openxmlformats.org/officeDocument/2006/relationships" xmlns:p14="http://schemas.microsoft.com/office/powerpoint/2010/main" xmlns:p15="http://schemas.microsoft.com/office/powerpoint/2012/main" xmlns:mc="http://schemas.openxmlformats.org/markup-compatibility/2006" type="twoObjAndObj" preserve="1">
+<p:sldLayout xmlns:a="http://schemas.openxmlformats.org/drawingml/2006/main" xmlns:r="http://schemas.openxmlformats.org/officeDocument/2006/relationships" xmlns:p="http://schemas.openxmlformats.org/presentationml/2006/main" type="twoObjAndObj" preserve="1">
   <p:cSld name="Title, 2 Content and Content">
     <p:spTree>
       <p:nvGrpSpPr>
@@ -3559,11 +3902,12 @@
           </a:prstGeom>
         </p:spPr>
         <p:txBody>
-          <a:bodyPr lIns="0" rIns="0" tIns="0" bIns="0" anchor="ctr"/>
-          <a:p>
-            <a:endParaRPr b="0" lang="ru-RU" sz="3200" spc="-1" strike="noStrike">
-              <a:solidFill>
-                <a:srgbClr val="4d4d4d"/>
+          <a:bodyPr lIns="0" tIns="0" rIns="0" bIns="0" anchor="ctr"/>
+          <a:lstStyle/>
+          <a:p>
+            <a:endParaRPr lang="ru-RU" sz="3200" b="0" strike="noStrike" spc="-1">
+              <a:solidFill>
+                <a:srgbClr val="4D4D4D"/>
               </a:solidFill>
               <a:latin typeface="Arial"/>
             </a:endParaRPr>
@@ -3590,13 +3934,14 @@
           </a:prstGeom>
         </p:spPr>
         <p:txBody>
-          <a:bodyPr lIns="0" rIns="0" tIns="0" bIns="0">
+          <a:bodyPr lIns="0" tIns="0" rIns="0" bIns="0">
             <a:normAutofit/>
           </a:bodyPr>
-          <a:p>
-            <a:endParaRPr b="0" lang="ru-RU" sz="2800" spc="-1" strike="noStrike">
-              <a:solidFill>
-                <a:srgbClr val="ffffff"/>
+          <a:lstStyle/>
+          <a:p>
+            <a:endParaRPr lang="ru-RU" sz="2800" b="0" strike="noStrike" spc="-1">
+              <a:solidFill>
+                <a:srgbClr val="FFFFFF"/>
               </a:solidFill>
               <a:latin typeface="Arial"/>
             </a:endParaRPr>
@@ -3623,13 +3968,14 @@
           </a:prstGeom>
         </p:spPr>
         <p:txBody>
-          <a:bodyPr lIns="0" rIns="0" tIns="0" bIns="0">
+          <a:bodyPr lIns="0" tIns="0" rIns="0" bIns="0">
             <a:normAutofit/>
           </a:bodyPr>
-          <a:p>
-            <a:endParaRPr b="0" lang="ru-RU" sz="2800" spc="-1" strike="noStrike">
-              <a:solidFill>
-                <a:srgbClr val="ffffff"/>
+          <a:lstStyle/>
+          <a:p>
+            <a:endParaRPr lang="ru-RU" sz="2800" b="0" strike="noStrike" spc="-1">
+              <a:solidFill>
+                <a:srgbClr val="FFFFFF"/>
               </a:solidFill>
               <a:latin typeface="Arial"/>
             </a:endParaRPr>
@@ -3656,13 +4002,14 @@
           </a:prstGeom>
         </p:spPr>
         <p:txBody>
-          <a:bodyPr lIns="0" rIns="0" tIns="0" bIns="0">
+          <a:bodyPr lIns="0" tIns="0" rIns="0" bIns="0">
             <a:normAutofit/>
           </a:bodyPr>
-          <a:p>
-            <a:endParaRPr b="0" lang="ru-RU" sz="2800" spc="-1" strike="noStrike">
-              <a:solidFill>
-                <a:srgbClr val="ffffff"/>
+          <a:lstStyle/>
+          <a:p>
+            <a:endParaRPr lang="ru-RU" sz="2800" b="0" strike="noStrike" spc="-1">
+              <a:solidFill>
+                <a:srgbClr val="FFFFFF"/>
               </a:solidFill>
               <a:latin typeface="Arial"/>
             </a:endParaRPr>
@@ -3671,11 +4018,14 @@
       </p:sp>
     </p:spTree>
   </p:cSld>
+  <p:clrMapOvr>
+    <a:masterClrMapping/>
+  </p:clrMapOvr>
 </p:sldLayout>
 </file>
 
 <file path=ppt/slideLayouts/slideLayout8.xml><?xml version="1.0" encoding="utf-8"?>
-<p:sldLayout xmlns:a="http://schemas.openxmlformats.org/drawingml/2006/main" xmlns:p="http://schemas.openxmlformats.org/presentationml/2006/main" xmlns:r="http://schemas.openxmlformats.org/officeDocument/2006/relationships" xmlns:p14="http://schemas.microsoft.com/office/powerpoint/2010/main" xmlns:p15="http://schemas.microsoft.com/office/powerpoint/2012/main" xmlns:mc="http://schemas.openxmlformats.org/markup-compatibility/2006" type="objAndTwoObj" preserve="1">
+<p:sldLayout xmlns:a="http://schemas.openxmlformats.org/drawingml/2006/main" xmlns:r="http://schemas.openxmlformats.org/officeDocument/2006/relationships" xmlns:p="http://schemas.openxmlformats.org/presentationml/2006/main" type="objAndTwoObj" preserve="1">
   <p:cSld name="Title Content and 2 Content">
     <p:spTree>
       <p:nvGrpSpPr>
@@ -3711,11 +4061,12 @@
           </a:prstGeom>
         </p:spPr>
         <p:txBody>
-          <a:bodyPr lIns="0" rIns="0" tIns="0" bIns="0" anchor="ctr"/>
-          <a:p>
-            <a:endParaRPr b="0" lang="ru-RU" sz="3200" spc="-1" strike="noStrike">
-              <a:solidFill>
-                <a:srgbClr val="4d4d4d"/>
+          <a:bodyPr lIns="0" tIns="0" rIns="0" bIns="0" anchor="ctr"/>
+          <a:lstStyle/>
+          <a:p>
+            <a:endParaRPr lang="ru-RU" sz="3200" b="0" strike="noStrike" spc="-1">
+              <a:solidFill>
+                <a:srgbClr val="4D4D4D"/>
               </a:solidFill>
               <a:latin typeface="Arial"/>
             </a:endParaRPr>
@@ -3742,13 +4093,14 @@
           </a:prstGeom>
         </p:spPr>
         <p:txBody>
-          <a:bodyPr lIns="0" rIns="0" tIns="0" bIns="0">
+          <a:bodyPr lIns="0" tIns="0" rIns="0" bIns="0">
             <a:normAutofit/>
           </a:bodyPr>
-          <a:p>
-            <a:endParaRPr b="0" lang="ru-RU" sz="2800" spc="-1" strike="noStrike">
-              <a:solidFill>
-                <a:srgbClr val="ffffff"/>
+          <a:lstStyle/>
+          <a:p>
+            <a:endParaRPr lang="ru-RU" sz="2800" b="0" strike="noStrike" spc="-1">
+              <a:solidFill>
+                <a:srgbClr val="FFFFFF"/>
               </a:solidFill>
               <a:latin typeface="Arial"/>
             </a:endParaRPr>
@@ -3775,13 +4127,14 @@
           </a:prstGeom>
         </p:spPr>
         <p:txBody>
-          <a:bodyPr lIns="0" rIns="0" tIns="0" bIns="0">
+          <a:bodyPr lIns="0" tIns="0" rIns="0" bIns="0">
             <a:normAutofit/>
           </a:bodyPr>
-          <a:p>
-            <a:endParaRPr b="0" lang="ru-RU" sz="2800" spc="-1" strike="noStrike">
-              <a:solidFill>
-                <a:srgbClr val="ffffff"/>
+          <a:lstStyle/>
+          <a:p>
+            <a:endParaRPr lang="ru-RU" sz="2800" b="0" strike="noStrike" spc="-1">
+              <a:solidFill>
+                <a:srgbClr val="FFFFFF"/>
               </a:solidFill>
               <a:latin typeface="Arial"/>
             </a:endParaRPr>
@@ -3808,13 +4161,14 @@
           </a:prstGeom>
         </p:spPr>
         <p:txBody>
-          <a:bodyPr lIns="0" rIns="0" tIns="0" bIns="0">
+          <a:bodyPr lIns="0" tIns="0" rIns="0" bIns="0">
             <a:normAutofit/>
           </a:bodyPr>
-          <a:p>
-            <a:endParaRPr b="0" lang="ru-RU" sz="2800" spc="-1" strike="noStrike">
-              <a:solidFill>
-                <a:srgbClr val="ffffff"/>
+          <a:lstStyle/>
+          <a:p>
+            <a:endParaRPr lang="ru-RU" sz="2800" b="0" strike="noStrike" spc="-1">
+              <a:solidFill>
+                <a:srgbClr val="FFFFFF"/>
               </a:solidFill>
               <a:latin typeface="Arial"/>
             </a:endParaRPr>
@@ -3823,11 +4177,14 @@
       </p:sp>
     </p:spTree>
   </p:cSld>
+  <p:clrMapOvr>
+    <a:masterClrMapping/>
+  </p:clrMapOvr>
 </p:sldLayout>
 </file>
 
 <file path=ppt/slideLayouts/slideLayout9.xml><?xml version="1.0" encoding="utf-8"?>
-<p:sldLayout xmlns:a="http://schemas.openxmlformats.org/drawingml/2006/main" xmlns:p="http://schemas.openxmlformats.org/presentationml/2006/main" xmlns:r="http://schemas.openxmlformats.org/officeDocument/2006/relationships" xmlns:p14="http://schemas.microsoft.com/office/powerpoint/2010/main" xmlns:p15="http://schemas.microsoft.com/office/powerpoint/2012/main" xmlns:mc="http://schemas.openxmlformats.org/markup-compatibility/2006" type="twoObjOverTx" preserve="1">
+<p:sldLayout xmlns:a="http://schemas.openxmlformats.org/drawingml/2006/main" xmlns:r="http://schemas.openxmlformats.org/officeDocument/2006/relationships" xmlns:p="http://schemas.openxmlformats.org/presentationml/2006/main" type="twoObjOverTx" preserve="1">
   <p:cSld name="Title, 2 Content over Content">
     <p:spTree>
       <p:nvGrpSpPr>
@@ -3863,11 +4220,12 @@
           </a:prstGeom>
         </p:spPr>
         <p:txBody>
-          <a:bodyPr lIns="0" rIns="0" tIns="0" bIns="0" anchor="ctr"/>
-          <a:p>
-            <a:endParaRPr b="0" lang="ru-RU" sz="3200" spc="-1" strike="noStrike">
-              <a:solidFill>
-                <a:srgbClr val="4d4d4d"/>
+          <a:bodyPr lIns="0" tIns="0" rIns="0" bIns="0" anchor="ctr"/>
+          <a:lstStyle/>
+          <a:p>
+            <a:endParaRPr lang="ru-RU" sz="3200" b="0" strike="noStrike" spc="-1">
+              <a:solidFill>
+                <a:srgbClr val="4D4D4D"/>
               </a:solidFill>
               <a:latin typeface="Arial"/>
             </a:endParaRPr>
@@ -3894,13 +4252,14 @@
           </a:prstGeom>
         </p:spPr>
         <p:txBody>
-          <a:bodyPr lIns="0" rIns="0" tIns="0" bIns="0">
+          <a:bodyPr lIns="0" tIns="0" rIns="0" bIns="0">
             <a:normAutofit/>
           </a:bodyPr>
-          <a:p>
-            <a:endParaRPr b="0" lang="ru-RU" sz="2800" spc="-1" strike="noStrike">
-              <a:solidFill>
-                <a:srgbClr val="ffffff"/>
+          <a:lstStyle/>
+          <a:p>
+            <a:endParaRPr lang="ru-RU" sz="2800" b="0" strike="noStrike" spc="-1">
+              <a:solidFill>
+                <a:srgbClr val="FFFFFF"/>
               </a:solidFill>
               <a:latin typeface="Arial"/>
             </a:endParaRPr>
@@ -3927,13 +4286,14 @@
           </a:prstGeom>
         </p:spPr>
         <p:txBody>
-          <a:bodyPr lIns="0" rIns="0" tIns="0" bIns="0">
+          <a:bodyPr lIns="0" tIns="0" rIns="0" bIns="0">
             <a:normAutofit/>
           </a:bodyPr>
-          <a:p>
-            <a:endParaRPr b="0" lang="ru-RU" sz="2800" spc="-1" strike="noStrike">
-              <a:solidFill>
-                <a:srgbClr val="ffffff"/>
+          <a:lstStyle/>
+          <a:p>
+            <a:endParaRPr lang="ru-RU" sz="2800" b="0" strike="noStrike" spc="-1">
+              <a:solidFill>
+                <a:srgbClr val="FFFFFF"/>
               </a:solidFill>
               <a:latin typeface="Arial"/>
             </a:endParaRPr>
@@ -3960,13 +4320,14 @@
           </a:prstGeom>
         </p:spPr>
         <p:txBody>
-          <a:bodyPr lIns="0" rIns="0" tIns="0" bIns="0">
+          <a:bodyPr lIns="0" tIns="0" rIns="0" bIns="0">
             <a:normAutofit/>
           </a:bodyPr>
-          <a:p>
-            <a:endParaRPr b="0" lang="ru-RU" sz="2800" spc="-1" strike="noStrike">
-              <a:solidFill>
-                <a:srgbClr val="ffffff"/>
+          <a:lstStyle/>
+          <a:p>
+            <a:endParaRPr lang="ru-RU" sz="2800" b="0" strike="noStrike" spc="-1">
+              <a:solidFill>
+                <a:srgbClr val="FFFFFF"/>
               </a:solidFill>
               <a:latin typeface="Arial"/>
             </a:endParaRPr>
@@ -3975,20 +4336,24 @@
       </p:sp>
     </p:spTree>
   </p:cSld>
+  <p:clrMapOvr>
+    <a:masterClrMapping/>
+  </p:clrMapOvr>
 </p:sldLayout>
 </file>
 
 <file path=ppt/slideMasters/slideMaster1.xml><?xml version="1.0" encoding="utf-8"?>
-<p:sldMaster xmlns:a="http://schemas.openxmlformats.org/drawingml/2006/main" xmlns:p="http://schemas.openxmlformats.org/presentationml/2006/main" xmlns:r="http://schemas.openxmlformats.org/officeDocument/2006/relationships" xmlns:p14="http://schemas.microsoft.com/office/powerpoint/2010/main" xmlns:p15="http://schemas.microsoft.com/office/powerpoint/2012/main" xmlns:mc="http://schemas.openxmlformats.org/markup-compatibility/2006">
+<p:sldMaster xmlns:a="http://schemas.openxmlformats.org/drawingml/2006/main" xmlns:r="http://schemas.openxmlformats.org/officeDocument/2006/relationships" xmlns:p="http://schemas.openxmlformats.org/presentationml/2006/main">
   <p:cSld>
     <p:bg>
       <p:bgPr>
         <a:blipFill rotWithShape="0">
-          <a:blip r:embed="rId2"/>
+          <a:blip r:embed="rId14"/>
           <a:stretch>
             <a:fillRect/>
           </a:stretch>
         </a:blipFill>
+        <a:effectLst/>
       </p:bgPr>
     </p:bg>
     <p:spTree>
@@ -4007,7 +4372,7 @@
       </p:grpSpPr>
       <p:sp>
         <p:nvSpPr>
-          <p:cNvPr id="0" name="PlaceHolder 1"/>
+          <p:cNvPr id="2" name="PlaceHolder 1"/>
           <p:cNvSpPr>
             <a:spLocks noGrp="1"/>
           </p:cNvSpPr>
@@ -4026,6 +4391,7 @@
         </p:spPr>
         <p:txBody>
           <a:bodyPr anchor="ctr"/>
+          <a:lstStyle/>
           <a:p>
             <a:pPr>
               <a:lnSpc>
@@ -4033,71 +4399,26 @@
               </a:lnSpc>
             </a:pPr>
             <a:r>
-              <a:rPr b="1" lang="ru-RU" sz="2800" spc="-1" strike="noStrike">
+              <a:rPr lang="ru-RU" sz="2800" b="1" strike="noStrike" spc="-1">
                 <a:solidFill>
-                  <a:srgbClr val="ffffff"/>
+                  <a:srgbClr val="FFFFFF"/>
                 </a:solidFill>
                 <a:latin typeface="Arial"/>
               </a:rPr>
-              <a:t>Haga clic </a:t>
+              <a:t>Haga clic para modificar el estilo de título del patrón</a:t>
             </a:r>
-            <a:r>
-              <a:rPr b="1" lang="ru-RU" sz="2800" spc="-1" strike="noStrike">
-                <a:solidFill>
-                  <a:srgbClr val="ffffff"/>
-                </a:solidFill>
-                <a:latin typeface="Arial"/>
-              </a:rPr>
-              <a:t>para </a:t>
-            </a:r>
-            <a:r>
-              <a:rPr b="1" lang="ru-RU" sz="2800" spc="-1" strike="noStrike">
-                <a:solidFill>
-                  <a:srgbClr val="ffffff"/>
-                </a:solidFill>
-                <a:latin typeface="Arial"/>
-              </a:rPr>
-              <a:t>modificar el </a:t>
-            </a:r>
-            <a:r>
-              <a:rPr b="1" lang="ru-RU" sz="2800" spc="-1" strike="noStrike">
-                <a:solidFill>
-                  <a:srgbClr val="ffffff"/>
-                </a:solidFill>
-                <a:latin typeface="Arial"/>
-              </a:rPr>
-              <a:t>estilo de </a:t>
-            </a:r>
-            <a:r>
-              <a:rPr b="1" lang="ru-RU" sz="2800" spc="-1" strike="noStrike">
-                <a:solidFill>
-                  <a:srgbClr val="ffffff"/>
-                </a:solidFill>
-                <a:latin typeface="Arial"/>
-              </a:rPr>
-              <a:t>título del </a:t>
-            </a:r>
-            <a:r>
-              <a:rPr b="1" lang="ru-RU" sz="2800" spc="-1" strike="noStrike">
-                <a:solidFill>
-                  <a:srgbClr val="ffffff"/>
-                </a:solidFill>
-                <a:latin typeface="Arial"/>
-              </a:rPr>
-              <a:t>patrón</a:t>
-            </a:r>
-            <a:endParaRPr b="0" lang="ru-RU" sz="2800" spc="-1" strike="noStrike">
-              <a:solidFill>
-                <a:srgbClr val="4d4d4d"/>
-              </a:solidFill>
-              <a:latin typeface="Arial"/>
-            </a:endParaRPr>
-          </a:p>
-        </p:txBody>
-      </p:sp>
-      <p:sp>
-        <p:nvSpPr>
-          <p:cNvPr id="1" name="PlaceHolder 2"/>
+            <a:endParaRPr lang="ru-RU" sz="2800" b="0" strike="noStrike" spc="-1">
+              <a:solidFill>
+                <a:srgbClr val="4D4D4D"/>
+              </a:solidFill>
+              <a:latin typeface="Arial"/>
+            </a:endParaRPr>
+          </a:p>
+        </p:txBody>
+      </p:sp>
+      <p:sp>
+        <p:nvSpPr>
+          <p:cNvPr id="3" name="PlaceHolder 2"/>
           <p:cNvSpPr>
             <a:spLocks noGrp="1"/>
           </p:cNvSpPr>
@@ -4115,9 +4436,10 @@
           </a:prstGeom>
         </p:spPr>
         <p:txBody>
-          <a:bodyPr lIns="0" rIns="0" tIns="0" bIns="0">
+          <a:bodyPr lIns="0" tIns="0" rIns="0" bIns="0">
             <a:normAutofit/>
           </a:bodyPr>
+          <a:lstStyle/>
           <a:p>
             <a:pPr marL="432000" indent="-324000">
               <a:spcBef>
@@ -4131,41 +4453,17 @@
               <a:buChar char=""/>
             </a:pPr>
             <a:r>
-              <a:rPr b="0" lang="ru-RU" sz="2800" spc="-1" strike="noStrike">
+              <a:rPr lang="ru-RU" sz="2800" b="0" strike="noStrike" spc="-1">
                 <a:solidFill>
-                  <a:srgbClr val="ffffff"/>
+                  <a:srgbClr val="FFFFFF"/>
                 </a:solidFill>
                 <a:latin typeface="Arial"/>
               </a:rPr>
-              <a:t>Pulse para editar el </a:t>
+              <a:t>Pulse para editar el formato de esquema del texto</a:t>
             </a:r>
-            <a:r>
-              <a:rPr b="0" lang="ru-RU" sz="2800" spc="-1" strike="noStrike">
-                <a:solidFill>
-                  <a:srgbClr val="ffffff"/>
-                </a:solidFill>
-                <a:latin typeface="Arial"/>
-              </a:rPr>
-              <a:t>formato de esquema </a:t>
-            </a:r>
-            <a:r>
-              <a:rPr b="0" lang="ru-RU" sz="2800" spc="-1" strike="noStrike">
-                <a:solidFill>
-                  <a:srgbClr val="ffffff"/>
-                </a:solidFill>
-                <a:latin typeface="Arial"/>
-              </a:rPr>
-              <a:t>del texto</a:t>
-            </a:r>
-            <a:endParaRPr b="0" lang="ru-RU" sz="2800" spc="-1" strike="noStrike">
-              <a:solidFill>
-                <a:srgbClr val="ffffff"/>
-              </a:solidFill>
-              <a:latin typeface="Arial"/>
-            </a:endParaRPr>
-          </a:p>
-          <a:p>
-            <a:pPr lvl="1" marL="864000" indent="-324000">
+          </a:p>
+          <a:p>
+            <a:pPr marL="864000" lvl="1" indent="-324000">
               <a:spcBef>
                 <a:spcPts val="1134"/>
               </a:spcBef>
@@ -4177,32 +4475,17 @@
               <a:buChar char=""/>
             </a:pPr>
             <a:r>
-              <a:rPr b="0" lang="ru-RU" sz="2400" spc="-1" strike="noStrike">
+              <a:rPr lang="ru-RU" sz="2400" b="0" strike="noStrike" spc="-1">
                 <a:solidFill>
-                  <a:srgbClr val="ffffff"/>
+                  <a:srgbClr val="FFFFFF"/>
                 </a:solidFill>
                 <a:latin typeface="Arial"/>
               </a:rPr>
-              <a:t>Segundo nivel del </a:t>
+              <a:t>Segundo nivel del esquema</a:t>
             </a:r>
-            <a:r>
-              <a:rPr b="0" lang="ru-RU" sz="2400" spc="-1" strike="noStrike">
-                <a:solidFill>
-                  <a:srgbClr val="ffffff"/>
-                </a:solidFill>
-                <a:latin typeface="Arial"/>
-              </a:rPr>
-              <a:t>esquema</a:t>
-            </a:r>
-            <a:endParaRPr b="0" lang="ru-RU" sz="2400" spc="-1" strike="noStrike">
-              <a:solidFill>
-                <a:srgbClr val="ffffff"/>
-              </a:solidFill>
-              <a:latin typeface="Arial"/>
-            </a:endParaRPr>
-          </a:p>
-          <a:p>
-            <a:pPr lvl="2" marL="1296000" indent="-288000">
+          </a:p>
+          <a:p>
+            <a:pPr marL="1296000" lvl="2" indent="-288000">
               <a:spcBef>
                 <a:spcPts val="850"/>
               </a:spcBef>
@@ -4214,32 +4497,17 @@
               <a:buChar char=""/>
             </a:pPr>
             <a:r>
-              <a:rPr b="0" lang="ru-RU" sz="2000" spc="-1" strike="noStrike">
+              <a:rPr lang="ru-RU" sz="2000" b="0" strike="noStrike" spc="-1">
                 <a:solidFill>
-                  <a:srgbClr val="4d4d4d"/>
+                  <a:srgbClr val="4D4D4D"/>
                 </a:solidFill>
                 <a:latin typeface="Arial"/>
               </a:rPr>
-              <a:t>Tercer nivel del </a:t>
+              <a:t>Tercer nivel del esquema</a:t>
             </a:r>
-            <a:r>
-              <a:rPr b="0" lang="ru-RU" sz="2000" spc="-1" strike="noStrike">
-                <a:solidFill>
-                  <a:srgbClr val="4d4d4d"/>
-                </a:solidFill>
-                <a:latin typeface="Arial"/>
-              </a:rPr>
-              <a:t>esquema</a:t>
-            </a:r>
-            <a:endParaRPr b="0" lang="ru-RU" sz="2000" spc="-1" strike="noStrike">
-              <a:solidFill>
-                <a:srgbClr val="4d4d4d"/>
-              </a:solidFill>
-              <a:latin typeface="Arial"/>
-            </a:endParaRPr>
-          </a:p>
-          <a:p>
-            <a:pPr lvl="3" marL="1728000" indent="-216000">
+          </a:p>
+          <a:p>
+            <a:pPr marL="1728000" lvl="3" indent="-216000">
               <a:spcBef>
                 <a:spcPts val="567"/>
               </a:spcBef>
@@ -4251,32 +4519,17 @@
               <a:buChar char=""/>
             </a:pPr>
             <a:r>
-              <a:rPr b="0" lang="ru-RU" sz="2000" spc="-1" strike="noStrike">
+              <a:rPr lang="ru-RU" sz="2000" b="0" strike="noStrike" spc="-1">
                 <a:solidFill>
-                  <a:srgbClr val="4d4d4d"/>
+                  <a:srgbClr val="4D4D4D"/>
                 </a:solidFill>
                 <a:latin typeface="Arial"/>
               </a:rPr>
-              <a:t>Cuarto nivel del </a:t>
+              <a:t>Cuarto nivel del esquema</a:t>
             </a:r>
-            <a:r>
-              <a:rPr b="0" lang="ru-RU" sz="2000" spc="-1" strike="noStrike">
-                <a:solidFill>
-                  <a:srgbClr val="4d4d4d"/>
-                </a:solidFill>
-                <a:latin typeface="Arial"/>
-              </a:rPr>
-              <a:t>esquema</a:t>
-            </a:r>
-            <a:endParaRPr b="0" lang="ru-RU" sz="2000" spc="-1" strike="noStrike">
-              <a:solidFill>
-                <a:srgbClr val="4d4d4d"/>
-              </a:solidFill>
-              <a:latin typeface="Arial"/>
-            </a:endParaRPr>
-          </a:p>
-          <a:p>
-            <a:pPr lvl="4" marL="2160000" indent="-216000">
+          </a:p>
+          <a:p>
+            <a:pPr marL="2160000" lvl="4" indent="-216000">
               <a:spcBef>
                 <a:spcPts val="283"/>
               </a:spcBef>
@@ -4288,32 +4541,17 @@
               <a:buChar char=""/>
             </a:pPr>
             <a:r>
-              <a:rPr b="0" lang="ru-RU" sz="2000" spc="-1" strike="noStrike">
+              <a:rPr lang="ru-RU" sz="2000" b="0" strike="noStrike" spc="-1">
                 <a:solidFill>
-                  <a:srgbClr val="4d4d4d"/>
+                  <a:srgbClr val="4D4D4D"/>
                 </a:solidFill>
                 <a:latin typeface="Arial"/>
               </a:rPr>
-              <a:t>Quinto nivel </a:t>
+              <a:t>Quinto nivel del esquema</a:t>
             </a:r>
-            <a:r>
-              <a:rPr b="0" lang="ru-RU" sz="2000" spc="-1" strike="noStrike">
-                <a:solidFill>
-                  <a:srgbClr val="4d4d4d"/>
-                </a:solidFill>
-                <a:latin typeface="Arial"/>
-              </a:rPr>
-              <a:t>del esquema</a:t>
-            </a:r>
-            <a:endParaRPr b="0" lang="ru-RU" sz="2000" spc="-1" strike="noStrike">
-              <a:solidFill>
-                <a:srgbClr val="4d4d4d"/>
-              </a:solidFill>
-              <a:latin typeface="Arial"/>
-            </a:endParaRPr>
-          </a:p>
-          <a:p>
-            <a:pPr lvl="5" marL="2592000" indent="-216000">
+          </a:p>
+          <a:p>
+            <a:pPr marL="2592000" lvl="5" indent="-216000">
               <a:spcBef>
                 <a:spcPts val="283"/>
               </a:spcBef>
@@ -4325,41 +4563,17 @@
               <a:buChar char=""/>
             </a:pPr>
             <a:r>
-              <a:rPr b="0" lang="ru-RU" sz="2000" spc="-1" strike="noStrike">
+              <a:rPr lang="ru-RU" sz="2000" b="0" strike="noStrike" spc="-1">
                 <a:solidFill>
-                  <a:srgbClr val="4d4d4d"/>
+                  <a:srgbClr val="4D4D4D"/>
                 </a:solidFill>
                 <a:latin typeface="Arial"/>
               </a:rPr>
-              <a:t>Sexto </a:t>
+              <a:t>Sexto nivel del esquema</a:t>
             </a:r>
-            <a:r>
-              <a:rPr b="0" lang="ru-RU" sz="2000" spc="-1" strike="noStrike">
-                <a:solidFill>
-                  <a:srgbClr val="4d4d4d"/>
-                </a:solidFill>
-                <a:latin typeface="Arial"/>
-              </a:rPr>
-              <a:t>nivel del </a:t>
-            </a:r>
-            <a:r>
-              <a:rPr b="0" lang="ru-RU" sz="2000" spc="-1" strike="noStrike">
-                <a:solidFill>
-                  <a:srgbClr val="4d4d4d"/>
-                </a:solidFill>
-                <a:latin typeface="Arial"/>
-              </a:rPr>
-              <a:t>esquema</a:t>
-            </a:r>
-            <a:endParaRPr b="0" lang="ru-RU" sz="2000" spc="-1" strike="noStrike">
-              <a:solidFill>
-                <a:srgbClr val="4d4d4d"/>
-              </a:solidFill>
-              <a:latin typeface="Arial"/>
-            </a:endParaRPr>
-          </a:p>
-          <a:p>
-            <a:pPr lvl="6" marL="3024000" indent="-216000">
+          </a:p>
+          <a:p>
+            <a:pPr marL="3024000" lvl="6" indent="-216000">
               <a:spcBef>
                 <a:spcPts val="283"/>
               </a:spcBef>
@@ -4371,90 +4585,329 @@
               <a:buChar char=""/>
             </a:pPr>
             <a:r>
-              <a:rPr b="0" lang="ru-RU" sz="2000" spc="-1" strike="noStrike">
+              <a:rPr lang="ru-RU" sz="2000" b="0" strike="noStrike" spc="-1">
                 <a:solidFill>
-                  <a:srgbClr val="4d4d4d"/>
+                  <a:srgbClr val="4D4D4D"/>
                 </a:solidFill>
                 <a:latin typeface="Arial"/>
               </a:rPr>
-              <a:t>Séptim</a:t>
+              <a:t>Séptimo nivel del esquema</a:t>
             </a:r>
-            <a:r>
-              <a:rPr b="0" lang="ru-RU" sz="2000" spc="-1" strike="noStrike">
-                <a:solidFill>
-                  <a:srgbClr val="4d4d4d"/>
-                </a:solidFill>
-                <a:latin typeface="Arial"/>
-              </a:rPr>
-              <a:t>o nivel </a:t>
-            </a:r>
-            <a:r>
-              <a:rPr b="0" lang="ru-RU" sz="2000" spc="-1" strike="noStrike">
-                <a:solidFill>
-                  <a:srgbClr val="4d4d4d"/>
-                </a:solidFill>
-                <a:latin typeface="Arial"/>
-              </a:rPr>
-              <a:t>del </a:t>
-            </a:r>
-            <a:r>
-              <a:rPr b="0" lang="ru-RU" sz="2000" spc="-1" strike="noStrike">
-                <a:solidFill>
-                  <a:srgbClr val="4d4d4d"/>
-                </a:solidFill>
-                <a:latin typeface="Arial"/>
-              </a:rPr>
-              <a:t>esque</a:t>
-            </a:r>
-            <a:r>
-              <a:rPr b="0" lang="ru-RU" sz="2000" spc="-1" strike="noStrike">
-                <a:solidFill>
-                  <a:srgbClr val="4d4d4d"/>
-                </a:solidFill>
-                <a:latin typeface="Arial"/>
-              </a:rPr>
-              <a:t>ma</a:t>
-            </a:r>
-            <a:endParaRPr b="0" lang="ru-RU" sz="2000" spc="-1" strike="noStrike">
-              <a:solidFill>
-                <a:srgbClr val="4d4d4d"/>
-              </a:solidFill>
-              <a:latin typeface="Arial"/>
-            </a:endParaRPr>
           </a:p>
         </p:txBody>
       </p:sp>
     </p:spTree>
   </p:cSld>
-  <p:clrMap bg1="lt1" bg2="lt2" tx1="dk1" tx2="dk2" accent1="accent1" accent2="accent2" accent3="accent3" accent4="accent4" accent5="accent5" accent6="accent6" hlink="hlink" folHlink="folHlink"/>
+  <p:clrMap bg1="lt1" tx1="dk1" bg2="lt2" tx2="dk2" accent1="accent1" accent2="accent2" accent3="accent3" accent4="accent4" accent5="accent5" accent6="accent6" hlink="hlink" folHlink="folHlink"/>
   <p:sldLayoutIdLst>
-    <p:sldLayoutId id="2147483649" r:id="rId3"/>
-    <p:sldLayoutId id="2147483650" r:id="rId4"/>
-    <p:sldLayoutId id="2147483651" r:id="rId5"/>
-    <p:sldLayoutId id="2147483652" r:id="rId6"/>
-    <p:sldLayoutId id="2147483653" r:id="rId7"/>
-    <p:sldLayoutId id="2147483654" r:id="rId8"/>
-    <p:sldLayoutId id="2147483655" r:id="rId9"/>
-    <p:sldLayoutId id="2147483656" r:id="rId10"/>
-    <p:sldLayoutId id="2147483657" r:id="rId11"/>
-    <p:sldLayoutId id="2147483658" r:id="rId12"/>
-    <p:sldLayoutId id="2147483659" r:id="rId13"/>
-    <p:sldLayoutId id="2147483660" r:id="rId14"/>
+    <p:sldLayoutId id="2147483649" r:id="rId1"/>
+    <p:sldLayoutId id="2147483650" r:id="rId2"/>
+    <p:sldLayoutId id="2147483651" r:id="rId3"/>
+    <p:sldLayoutId id="2147483652" r:id="rId4"/>
+    <p:sldLayoutId id="2147483653" r:id="rId5"/>
+    <p:sldLayoutId id="2147483654" r:id="rId6"/>
+    <p:sldLayoutId id="2147483655" r:id="rId7"/>
+    <p:sldLayoutId id="2147483656" r:id="rId8"/>
+    <p:sldLayoutId id="2147483657" r:id="rId9"/>
+    <p:sldLayoutId id="2147483658" r:id="rId10"/>
+    <p:sldLayoutId id="2147483659" r:id="rId11"/>
+    <p:sldLayoutId id="2147483660" r:id="rId12"/>
   </p:sldLayoutIdLst>
+  <p:txStyles>
+    <p:titleStyle>
+      <a:lvl1pPr algn="l" defTabSz="914400" rtl="0" eaLnBrk="1" latinLnBrk="0" hangingPunct="1">
+        <a:lnSpc>
+          <a:spcPct val="90000"/>
+        </a:lnSpc>
+        <a:spcBef>
+          <a:spcPct val="0"/>
+        </a:spcBef>
+        <a:buNone/>
+        <a:defRPr sz="4400" kern="1200">
+          <a:solidFill>
+            <a:schemeClr val="tx1"/>
+          </a:solidFill>
+          <a:latin typeface="+mj-lt"/>
+          <a:ea typeface="+mj-ea"/>
+          <a:cs typeface="+mj-cs"/>
+        </a:defRPr>
+      </a:lvl1pPr>
+    </p:titleStyle>
+    <p:bodyStyle>
+      <a:lvl1pPr marL="228600" indent="-228600" algn="l" defTabSz="914400" rtl="0" eaLnBrk="1" latinLnBrk="0" hangingPunct="1">
+        <a:lnSpc>
+          <a:spcPct val="90000"/>
+        </a:lnSpc>
+        <a:spcBef>
+          <a:spcPts val="1000"/>
+        </a:spcBef>
+        <a:buFont typeface="Arial" panose="020B0604020202020204" pitchFamily="34" charset="0"/>
+        <a:buChar char="•"/>
+        <a:defRPr sz="2800" kern="1200">
+          <a:solidFill>
+            <a:schemeClr val="tx1"/>
+          </a:solidFill>
+          <a:latin typeface="+mn-lt"/>
+          <a:ea typeface="+mn-ea"/>
+          <a:cs typeface="+mn-cs"/>
+        </a:defRPr>
+      </a:lvl1pPr>
+      <a:lvl2pPr marL="685800" indent="-228600" algn="l" defTabSz="914400" rtl="0" eaLnBrk="1" latinLnBrk="0" hangingPunct="1">
+        <a:lnSpc>
+          <a:spcPct val="90000"/>
+        </a:lnSpc>
+        <a:spcBef>
+          <a:spcPts val="500"/>
+        </a:spcBef>
+        <a:buFont typeface="Arial" panose="020B0604020202020204" pitchFamily="34" charset="0"/>
+        <a:buChar char="•"/>
+        <a:defRPr sz="2400" kern="1200">
+          <a:solidFill>
+            <a:schemeClr val="tx1"/>
+          </a:solidFill>
+          <a:latin typeface="+mn-lt"/>
+          <a:ea typeface="+mn-ea"/>
+          <a:cs typeface="+mn-cs"/>
+        </a:defRPr>
+      </a:lvl2pPr>
+      <a:lvl3pPr marL="1143000" indent="-228600" algn="l" defTabSz="914400" rtl="0" eaLnBrk="1" latinLnBrk="0" hangingPunct="1">
+        <a:lnSpc>
+          <a:spcPct val="90000"/>
+        </a:lnSpc>
+        <a:spcBef>
+          <a:spcPts val="500"/>
+        </a:spcBef>
+        <a:buFont typeface="Arial" panose="020B0604020202020204" pitchFamily="34" charset="0"/>
+        <a:buChar char="•"/>
+        <a:defRPr sz="2000" kern="1200">
+          <a:solidFill>
+            <a:schemeClr val="tx1"/>
+          </a:solidFill>
+          <a:latin typeface="+mn-lt"/>
+          <a:ea typeface="+mn-ea"/>
+          <a:cs typeface="+mn-cs"/>
+        </a:defRPr>
+      </a:lvl3pPr>
+      <a:lvl4pPr marL="1600200" indent="-228600" algn="l" defTabSz="914400" rtl="0" eaLnBrk="1" latinLnBrk="0" hangingPunct="1">
+        <a:lnSpc>
+          <a:spcPct val="90000"/>
+        </a:lnSpc>
+        <a:spcBef>
+          <a:spcPts val="500"/>
+        </a:spcBef>
+        <a:buFont typeface="Arial" panose="020B0604020202020204" pitchFamily="34" charset="0"/>
+        <a:buChar char="•"/>
+        <a:defRPr sz="1800" kern="1200">
+          <a:solidFill>
+            <a:schemeClr val="tx1"/>
+          </a:solidFill>
+          <a:latin typeface="+mn-lt"/>
+          <a:ea typeface="+mn-ea"/>
+          <a:cs typeface="+mn-cs"/>
+        </a:defRPr>
+      </a:lvl4pPr>
+      <a:lvl5pPr marL="2057400" indent="-228600" algn="l" defTabSz="914400" rtl="0" eaLnBrk="1" latinLnBrk="0" hangingPunct="1">
+        <a:lnSpc>
+          <a:spcPct val="90000"/>
+        </a:lnSpc>
+        <a:spcBef>
+          <a:spcPts val="500"/>
+        </a:spcBef>
+        <a:buFont typeface="Arial" panose="020B0604020202020204" pitchFamily="34" charset="0"/>
+        <a:buChar char="•"/>
+        <a:defRPr sz="1800" kern="1200">
+          <a:solidFill>
+            <a:schemeClr val="tx1"/>
+          </a:solidFill>
+          <a:latin typeface="+mn-lt"/>
+          <a:ea typeface="+mn-ea"/>
+          <a:cs typeface="+mn-cs"/>
+        </a:defRPr>
+      </a:lvl5pPr>
+      <a:lvl6pPr marL="2514600" indent="-228600" algn="l" defTabSz="914400" rtl="0" eaLnBrk="1" latinLnBrk="0" hangingPunct="1">
+        <a:lnSpc>
+          <a:spcPct val="90000"/>
+        </a:lnSpc>
+        <a:spcBef>
+          <a:spcPts val="500"/>
+        </a:spcBef>
+        <a:buFont typeface="Arial" panose="020B0604020202020204" pitchFamily="34" charset="0"/>
+        <a:buChar char="•"/>
+        <a:defRPr sz="1800" kern="1200">
+          <a:solidFill>
+            <a:schemeClr val="tx1"/>
+          </a:solidFill>
+          <a:latin typeface="+mn-lt"/>
+          <a:ea typeface="+mn-ea"/>
+          <a:cs typeface="+mn-cs"/>
+        </a:defRPr>
+      </a:lvl6pPr>
+      <a:lvl7pPr marL="2971800" indent="-228600" algn="l" defTabSz="914400" rtl="0" eaLnBrk="1" latinLnBrk="0" hangingPunct="1">
+        <a:lnSpc>
+          <a:spcPct val="90000"/>
+        </a:lnSpc>
+        <a:spcBef>
+          <a:spcPts val="500"/>
+        </a:spcBef>
+        <a:buFont typeface="Arial" panose="020B0604020202020204" pitchFamily="34" charset="0"/>
+        <a:buChar char="•"/>
+        <a:defRPr sz="1800" kern="1200">
+          <a:solidFill>
+            <a:schemeClr val="tx1"/>
+          </a:solidFill>
+          <a:latin typeface="+mn-lt"/>
+          <a:ea typeface="+mn-ea"/>
+          <a:cs typeface="+mn-cs"/>
+        </a:defRPr>
+      </a:lvl7pPr>
+      <a:lvl8pPr marL="3429000" indent="-228600" algn="l" defTabSz="914400" rtl="0" eaLnBrk="1" latinLnBrk="0" hangingPunct="1">
+        <a:lnSpc>
+          <a:spcPct val="90000"/>
+        </a:lnSpc>
+        <a:spcBef>
+          <a:spcPts val="500"/>
+        </a:spcBef>
+        <a:buFont typeface="Arial" panose="020B0604020202020204" pitchFamily="34" charset="0"/>
+        <a:buChar char="•"/>
+        <a:defRPr sz="1800" kern="1200">
+          <a:solidFill>
+            <a:schemeClr val="tx1"/>
+          </a:solidFill>
+          <a:latin typeface="+mn-lt"/>
+          <a:ea typeface="+mn-ea"/>
+          <a:cs typeface="+mn-cs"/>
+        </a:defRPr>
+      </a:lvl8pPr>
+      <a:lvl9pPr marL="3886200" indent="-228600" algn="l" defTabSz="914400" rtl="0" eaLnBrk="1" latinLnBrk="0" hangingPunct="1">
+        <a:lnSpc>
+          <a:spcPct val="90000"/>
+        </a:lnSpc>
+        <a:spcBef>
+          <a:spcPts val="500"/>
+        </a:spcBef>
+        <a:buFont typeface="Arial" panose="020B0604020202020204" pitchFamily="34" charset="0"/>
+        <a:buChar char="•"/>
+        <a:defRPr sz="1800" kern="1200">
+          <a:solidFill>
+            <a:schemeClr val="tx1"/>
+          </a:solidFill>
+          <a:latin typeface="+mn-lt"/>
+          <a:ea typeface="+mn-ea"/>
+          <a:cs typeface="+mn-cs"/>
+        </a:defRPr>
+      </a:lvl9pPr>
+    </p:bodyStyle>
+    <p:otherStyle>
+      <a:defPPr>
+        <a:defRPr lang="es-ES"/>
+      </a:defPPr>
+      <a:lvl1pPr marL="0" algn="l" defTabSz="914400" rtl="0" eaLnBrk="1" latinLnBrk="0" hangingPunct="1">
+        <a:defRPr sz="1800" kern="1200">
+          <a:solidFill>
+            <a:schemeClr val="tx1"/>
+          </a:solidFill>
+          <a:latin typeface="+mn-lt"/>
+          <a:ea typeface="+mn-ea"/>
+          <a:cs typeface="+mn-cs"/>
+        </a:defRPr>
+      </a:lvl1pPr>
+      <a:lvl2pPr marL="457200" algn="l" defTabSz="914400" rtl="0" eaLnBrk="1" latinLnBrk="0" hangingPunct="1">
+        <a:defRPr sz="1800" kern="1200">
+          <a:solidFill>
+            <a:schemeClr val="tx1"/>
+          </a:solidFill>
+          <a:latin typeface="+mn-lt"/>
+          <a:ea typeface="+mn-ea"/>
+          <a:cs typeface="+mn-cs"/>
+        </a:defRPr>
+      </a:lvl2pPr>
+      <a:lvl3pPr marL="914400" algn="l" defTabSz="914400" rtl="0" eaLnBrk="1" latinLnBrk="0" hangingPunct="1">
+        <a:defRPr sz="1800" kern="1200">
+          <a:solidFill>
+            <a:schemeClr val="tx1"/>
+          </a:solidFill>
+          <a:latin typeface="+mn-lt"/>
+          <a:ea typeface="+mn-ea"/>
+          <a:cs typeface="+mn-cs"/>
+        </a:defRPr>
+      </a:lvl3pPr>
+      <a:lvl4pPr marL="1371600" algn="l" defTabSz="914400" rtl="0" eaLnBrk="1" latinLnBrk="0" hangingPunct="1">
+        <a:defRPr sz="1800" kern="1200">
+          <a:solidFill>
+            <a:schemeClr val="tx1"/>
+          </a:solidFill>
+          <a:latin typeface="+mn-lt"/>
+          <a:ea typeface="+mn-ea"/>
+          <a:cs typeface="+mn-cs"/>
+        </a:defRPr>
+      </a:lvl4pPr>
+      <a:lvl5pPr marL="1828800" algn="l" defTabSz="914400" rtl="0" eaLnBrk="1" latinLnBrk="0" hangingPunct="1">
+        <a:defRPr sz="1800" kern="1200">
+          <a:solidFill>
+            <a:schemeClr val="tx1"/>
+          </a:solidFill>
+          <a:latin typeface="+mn-lt"/>
+          <a:ea typeface="+mn-ea"/>
+          <a:cs typeface="+mn-cs"/>
+        </a:defRPr>
+      </a:lvl5pPr>
+      <a:lvl6pPr marL="2286000" algn="l" defTabSz="914400" rtl="0" eaLnBrk="1" latinLnBrk="0" hangingPunct="1">
+        <a:defRPr sz="1800" kern="1200">
+          <a:solidFill>
+            <a:schemeClr val="tx1"/>
+          </a:solidFill>
+          <a:latin typeface="+mn-lt"/>
+          <a:ea typeface="+mn-ea"/>
+          <a:cs typeface="+mn-cs"/>
+        </a:defRPr>
+      </a:lvl6pPr>
+      <a:lvl7pPr marL="2743200" algn="l" defTabSz="914400" rtl="0" eaLnBrk="1" latinLnBrk="0" hangingPunct="1">
+        <a:defRPr sz="1800" kern="1200">
+          <a:solidFill>
+            <a:schemeClr val="tx1"/>
+          </a:solidFill>
+          <a:latin typeface="+mn-lt"/>
+          <a:ea typeface="+mn-ea"/>
+          <a:cs typeface="+mn-cs"/>
+        </a:defRPr>
+      </a:lvl7pPr>
+      <a:lvl8pPr marL="3200400" algn="l" defTabSz="914400" rtl="0" eaLnBrk="1" latinLnBrk="0" hangingPunct="1">
+        <a:defRPr sz="1800" kern="1200">
+          <a:solidFill>
+            <a:schemeClr val="tx1"/>
+          </a:solidFill>
+          <a:latin typeface="+mn-lt"/>
+          <a:ea typeface="+mn-ea"/>
+          <a:cs typeface="+mn-cs"/>
+        </a:defRPr>
+      </a:lvl8pPr>
+      <a:lvl9pPr marL="3657600" algn="l" defTabSz="914400" rtl="0" eaLnBrk="1" latinLnBrk="0" hangingPunct="1">
+        <a:defRPr sz="1800" kern="1200">
+          <a:solidFill>
+            <a:schemeClr val="tx1"/>
+          </a:solidFill>
+          <a:latin typeface="+mn-lt"/>
+          <a:ea typeface="+mn-ea"/>
+          <a:cs typeface="+mn-cs"/>
+        </a:defRPr>
+      </a:lvl9pPr>
+    </p:otherStyle>
+  </p:txStyles>
 </p:sldMaster>
 </file>
 
 <file path=ppt/slideMasters/slideMaster2.xml><?xml version="1.0" encoding="utf-8"?>
-<p:sldMaster xmlns:a="http://schemas.openxmlformats.org/drawingml/2006/main" xmlns:p="http://schemas.openxmlformats.org/presentationml/2006/main" xmlns:r="http://schemas.openxmlformats.org/officeDocument/2006/relationships" xmlns:p14="http://schemas.microsoft.com/office/powerpoint/2010/main" xmlns:p15="http://schemas.microsoft.com/office/powerpoint/2012/main" xmlns:mc="http://schemas.openxmlformats.org/markup-compatibility/2006">
+<p:sldMaster xmlns:a="http://schemas.openxmlformats.org/drawingml/2006/main" xmlns:r="http://schemas.openxmlformats.org/officeDocument/2006/relationships" xmlns:p="http://schemas.openxmlformats.org/presentationml/2006/main">
   <p:cSld>
     <p:bg>
       <p:bgPr>
         <a:blipFill rotWithShape="0">
-          <a:blip r:embed="rId2"/>
+          <a:blip r:embed="rId14"/>
           <a:stretch>
             <a:fillRect/>
           </a:stretch>
         </a:blipFill>
+        <a:effectLst/>
       </p:bgPr>
     </p:bg>
     <p:spTree>
@@ -4492,6 +4945,7 @@
         </p:spPr>
         <p:txBody>
           <a:bodyPr anchor="ctr"/>
+          <a:lstStyle/>
           <a:p>
             <a:pPr>
               <a:lnSpc>
@@ -4499,17 +4953,17 @@
               </a:lnSpc>
             </a:pPr>
             <a:r>
-              <a:rPr b="0" lang="ru-RU" sz="3200" spc="-1" strike="noStrike">
+              <a:rPr lang="ru-RU" sz="3200" b="0" strike="noStrike" spc="-1">
                 <a:solidFill>
-                  <a:srgbClr val="ffffff"/>
+                  <a:srgbClr val="FFFFFF"/>
                 </a:solidFill>
                 <a:latin typeface="Arial"/>
               </a:rPr>
               <a:t>Haga clic para modificar el estilo de título del patrón</a:t>
             </a:r>
-            <a:endParaRPr b="0" lang="ru-RU" sz="3200" spc="-1" strike="noStrike">
-              <a:solidFill>
-                <a:srgbClr val="4d4d4d"/>
+            <a:endParaRPr lang="ru-RU" sz="3200" b="0" strike="noStrike" spc="-1">
+              <a:solidFill>
+                <a:srgbClr val="4D4D4D"/>
               </a:solidFill>
               <a:latin typeface="Arial"/>
             </a:endParaRPr>
@@ -4537,6 +4991,7 @@
         </p:spPr>
         <p:txBody>
           <a:bodyPr/>
+          <a:lstStyle/>
           <a:p>
             <a:pPr marL="343080" indent="-342720">
               <a:lnSpc>
@@ -4546,29 +5001,23 @@
                 <a:spcPts val="561"/>
               </a:spcBef>
               <a:buClr>
-                <a:srgbClr val="ffffff"/>
+                <a:srgbClr val="FFFFFF"/>
               </a:buClr>
               <a:buFont typeface="Symbol" charset="2"/>
               <a:buChar char=""/>
             </a:pPr>
             <a:r>
-              <a:rPr b="0" lang="ru-RU" sz="2800" spc="-1" strike="noStrike">
+              <a:rPr lang="ru-RU" sz="2800" b="0" strike="noStrike" spc="-1">
                 <a:solidFill>
-                  <a:srgbClr val="ffffff"/>
+                  <a:srgbClr val="FFFFFF"/>
                 </a:solidFill>
                 <a:latin typeface="Arial"/>
               </a:rPr>
               <a:t>Haga clic para modificar los estilos de texto del patrón</a:t>
             </a:r>
-            <a:endParaRPr b="0" lang="ru-RU" sz="2800" spc="-1" strike="noStrike">
-              <a:solidFill>
-                <a:srgbClr val="ffffff"/>
-              </a:solidFill>
-              <a:latin typeface="Arial"/>
-            </a:endParaRPr>
-          </a:p>
-          <a:p>
-            <a:pPr lvl="1" marL="743040" indent="-285480">
+          </a:p>
+          <a:p>
+            <a:pPr marL="743040" lvl="1" indent="-285480">
               <a:lnSpc>
                 <a:spcPct val="100000"/>
               </a:lnSpc>
@@ -4576,29 +5025,29 @@
                 <a:spcPts val="479"/>
               </a:spcBef>
               <a:buClr>
-                <a:srgbClr val="ffffff"/>
+                <a:srgbClr val="FFFFFF"/>
               </a:buClr>
               <a:buFont typeface="Symbol" charset="2"/>
               <a:buChar char=""/>
             </a:pPr>
             <a:r>
-              <a:rPr b="1" lang="ru-RU" sz="2400" spc="-1" strike="noStrike">
+              <a:rPr lang="ru-RU" sz="2400" b="1" strike="noStrike" spc="-1">
                 <a:solidFill>
-                  <a:srgbClr val="ffffff"/>
+                  <a:srgbClr val="FFFFFF"/>
                 </a:solidFill>
                 <a:latin typeface="Arial"/>
               </a:rPr>
               <a:t>Segundo nivel</a:t>
             </a:r>
-            <a:endParaRPr b="0" lang="ru-RU" sz="2400" spc="-1" strike="noStrike">
-              <a:solidFill>
-                <a:srgbClr val="ffffff"/>
-              </a:solidFill>
-              <a:latin typeface="Arial"/>
-            </a:endParaRPr>
-          </a:p>
-          <a:p>
-            <a:pPr lvl="2" marL="1143000" indent="-228240">
+            <a:endParaRPr lang="ru-RU" sz="2400" b="0" strike="noStrike" spc="-1">
+              <a:solidFill>
+                <a:srgbClr val="FFFFFF"/>
+              </a:solidFill>
+              <a:latin typeface="Arial"/>
+            </a:endParaRPr>
+          </a:p>
+          <a:p>
+            <a:pPr marL="1143000" lvl="2" indent="-228240">
               <a:lnSpc>
                 <a:spcPct val="100000"/>
               </a:lnSpc>
@@ -4606,29 +5055,29 @@
                 <a:spcPts val="479"/>
               </a:spcBef>
               <a:buClr>
-                <a:srgbClr val="ffffff"/>
+                <a:srgbClr val="FFFFFF"/>
               </a:buClr>
               <a:buFont typeface="Symbol" charset="2"/>
               <a:buChar char=""/>
             </a:pPr>
             <a:r>
-              <a:rPr b="0" lang="ru-RU" sz="2400" spc="-1" strike="noStrike">
+              <a:rPr lang="ru-RU" sz="2400" b="0" strike="noStrike" spc="-1">
                 <a:solidFill>
-                  <a:srgbClr val="ffffff"/>
+                  <a:srgbClr val="FFFFFF"/>
                 </a:solidFill>
                 <a:latin typeface="Arial"/>
               </a:rPr>
               <a:t>Tercer nivel</a:t>
             </a:r>
-            <a:endParaRPr b="0" lang="ru-RU" sz="2400" spc="-1" strike="noStrike">
-              <a:solidFill>
-                <a:srgbClr val="4d4d4d"/>
-              </a:solidFill>
-              <a:latin typeface="Arial"/>
-            </a:endParaRPr>
-          </a:p>
-          <a:p>
-            <a:pPr lvl="3" marL="1600200" indent="-228240">
+            <a:endParaRPr lang="ru-RU" sz="2400" b="0" strike="noStrike" spc="-1">
+              <a:solidFill>
+                <a:srgbClr val="4D4D4D"/>
+              </a:solidFill>
+              <a:latin typeface="Arial"/>
+            </a:endParaRPr>
+          </a:p>
+          <a:p>
+            <a:pPr marL="1600200" lvl="3" indent="-228240">
               <a:lnSpc>
                 <a:spcPct val="100000"/>
               </a:lnSpc>
@@ -4636,29 +5085,23 @@
                 <a:spcPts val="400"/>
               </a:spcBef>
               <a:buClr>
-                <a:srgbClr val="4d4d4d"/>
+                <a:srgbClr val="4D4D4D"/>
               </a:buClr>
               <a:buFont typeface="Symbol" charset="2"/>
               <a:buChar char=""/>
             </a:pPr>
             <a:r>
-              <a:rPr b="0" lang="ru-RU" sz="2000" spc="-1" strike="noStrike">
+              <a:rPr lang="ru-RU" sz="2000" b="0" strike="noStrike" spc="-1">
                 <a:solidFill>
-                  <a:srgbClr val="4d4d4d"/>
+                  <a:srgbClr val="4D4D4D"/>
                 </a:solidFill>
                 <a:latin typeface="Arial"/>
               </a:rPr>
               <a:t>Cuarto nivel</a:t>
             </a:r>
-            <a:endParaRPr b="0" lang="ru-RU" sz="2000" spc="-1" strike="noStrike">
-              <a:solidFill>
-                <a:srgbClr val="4d4d4d"/>
-              </a:solidFill>
-              <a:latin typeface="Arial"/>
-            </a:endParaRPr>
-          </a:p>
-          <a:p>
-            <a:pPr lvl="4" marL="2057400" indent="-228240">
+          </a:p>
+          <a:p>
+            <a:pPr marL="2057400" lvl="4" indent="-228240">
               <a:lnSpc>
                 <a:spcPct val="100000"/>
               </a:lnSpc>
@@ -4666,51 +5109,325 @@
                 <a:spcPts val="400"/>
               </a:spcBef>
               <a:buClr>
-                <a:srgbClr val="4d4d4d"/>
+                <a:srgbClr val="4D4D4D"/>
               </a:buClr>
               <a:buFont typeface="StarSymbol"/>
               <a:buChar char="»"/>
             </a:pPr>
             <a:r>
-              <a:rPr b="0" lang="ru-RU" sz="2000" spc="-1" strike="noStrike">
+              <a:rPr lang="ru-RU" sz="2000" b="0" strike="noStrike" spc="-1">
                 <a:solidFill>
-                  <a:srgbClr val="4d4d4d"/>
+                  <a:srgbClr val="4D4D4D"/>
                 </a:solidFill>
                 <a:latin typeface="Arial"/>
               </a:rPr>
               <a:t>Quinto nivel</a:t>
             </a:r>
-            <a:endParaRPr b="0" lang="ru-RU" sz="2000" spc="-1" strike="noStrike">
-              <a:solidFill>
-                <a:srgbClr val="4d4d4d"/>
-              </a:solidFill>
-              <a:latin typeface="Arial"/>
-            </a:endParaRPr>
           </a:p>
         </p:txBody>
       </p:sp>
     </p:spTree>
   </p:cSld>
-  <p:clrMap bg1="lt1" bg2="lt2" tx1="dk1" tx2="dk2" accent1="accent1" accent2="accent2" accent3="accent3" accent4="accent4" accent5="accent5" accent6="accent6" hlink="hlink" folHlink="folHlink"/>
+  <p:clrMap bg1="lt1" tx1="dk1" bg2="lt2" tx2="dk2" accent1="accent1" accent2="accent2" accent3="accent3" accent4="accent4" accent5="accent5" accent6="accent6" hlink="hlink" folHlink="folHlink"/>
   <p:sldLayoutIdLst>
-    <p:sldLayoutId id="2147483662" r:id="rId3"/>
-    <p:sldLayoutId id="2147483663" r:id="rId4"/>
-    <p:sldLayoutId id="2147483664" r:id="rId5"/>
-    <p:sldLayoutId id="2147483665" r:id="rId6"/>
-    <p:sldLayoutId id="2147483666" r:id="rId7"/>
-    <p:sldLayoutId id="2147483667" r:id="rId8"/>
-    <p:sldLayoutId id="2147483668" r:id="rId9"/>
-    <p:sldLayoutId id="2147483669" r:id="rId10"/>
-    <p:sldLayoutId id="2147483670" r:id="rId11"/>
-    <p:sldLayoutId id="2147483671" r:id="rId12"/>
-    <p:sldLayoutId id="2147483672" r:id="rId13"/>
-    <p:sldLayoutId id="2147483673" r:id="rId14"/>
+    <p:sldLayoutId id="2147483662" r:id="rId1"/>
+    <p:sldLayoutId id="2147483663" r:id="rId2"/>
+    <p:sldLayoutId id="2147483664" r:id="rId3"/>
+    <p:sldLayoutId id="2147483665" r:id="rId4"/>
+    <p:sldLayoutId id="2147483666" r:id="rId5"/>
+    <p:sldLayoutId id="2147483667" r:id="rId6"/>
+    <p:sldLayoutId id="2147483668" r:id="rId7"/>
+    <p:sldLayoutId id="2147483669" r:id="rId8"/>
+    <p:sldLayoutId id="2147483670" r:id="rId9"/>
+    <p:sldLayoutId id="2147483671" r:id="rId10"/>
+    <p:sldLayoutId id="2147483672" r:id="rId11"/>
+    <p:sldLayoutId id="2147483673" r:id="rId12"/>
   </p:sldLayoutIdLst>
+  <p:txStyles>
+    <p:titleStyle>
+      <a:lvl1pPr algn="l" defTabSz="914400" rtl="0" eaLnBrk="1" latinLnBrk="0" hangingPunct="1">
+        <a:lnSpc>
+          <a:spcPct val="90000"/>
+        </a:lnSpc>
+        <a:spcBef>
+          <a:spcPct val="0"/>
+        </a:spcBef>
+        <a:buNone/>
+        <a:defRPr sz="4400" kern="1200">
+          <a:solidFill>
+            <a:schemeClr val="tx1"/>
+          </a:solidFill>
+          <a:latin typeface="+mj-lt"/>
+          <a:ea typeface="+mj-ea"/>
+          <a:cs typeface="+mj-cs"/>
+        </a:defRPr>
+      </a:lvl1pPr>
+    </p:titleStyle>
+    <p:bodyStyle>
+      <a:lvl1pPr marL="228600" indent="-228600" algn="l" defTabSz="914400" rtl="0" eaLnBrk="1" latinLnBrk="0" hangingPunct="1">
+        <a:lnSpc>
+          <a:spcPct val="90000"/>
+        </a:lnSpc>
+        <a:spcBef>
+          <a:spcPts val="1000"/>
+        </a:spcBef>
+        <a:buFont typeface="Arial" panose="020B0604020202020204" pitchFamily="34" charset="0"/>
+        <a:buChar char="•"/>
+        <a:defRPr sz="2800" kern="1200">
+          <a:solidFill>
+            <a:schemeClr val="tx1"/>
+          </a:solidFill>
+          <a:latin typeface="+mn-lt"/>
+          <a:ea typeface="+mn-ea"/>
+          <a:cs typeface="+mn-cs"/>
+        </a:defRPr>
+      </a:lvl1pPr>
+      <a:lvl2pPr marL="685800" indent="-228600" algn="l" defTabSz="914400" rtl="0" eaLnBrk="1" latinLnBrk="0" hangingPunct="1">
+        <a:lnSpc>
+          <a:spcPct val="90000"/>
+        </a:lnSpc>
+        <a:spcBef>
+          <a:spcPts val="500"/>
+        </a:spcBef>
+        <a:buFont typeface="Arial" panose="020B0604020202020204" pitchFamily="34" charset="0"/>
+        <a:buChar char="•"/>
+        <a:defRPr sz="2400" kern="1200">
+          <a:solidFill>
+            <a:schemeClr val="tx1"/>
+          </a:solidFill>
+          <a:latin typeface="+mn-lt"/>
+          <a:ea typeface="+mn-ea"/>
+          <a:cs typeface="+mn-cs"/>
+        </a:defRPr>
+      </a:lvl2pPr>
+      <a:lvl3pPr marL="1143000" indent="-228600" algn="l" defTabSz="914400" rtl="0" eaLnBrk="1" latinLnBrk="0" hangingPunct="1">
+        <a:lnSpc>
+          <a:spcPct val="90000"/>
+        </a:lnSpc>
+        <a:spcBef>
+          <a:spcPts val="500"/>
+        </a:spcBef>
+        <a:buFont typeface="Arial" panose="020B0604020202020204" pitchFamily="34" charset="0"/>
+        <a:buChar char="•"/>
+        <a:defRPr sz="2000" kern="1200">
+          <a:solidFill>
+            <a:schemeClr val="tx1"/>
+          </a:solidFill>
+          <a:latin typeface="+mn-lt"/>
+          <a:ea typeface="+mn-ea"/>
+          <a:cs typeface="+mn-cs"/>
+        </a:defRPr>
+      </a:lvl3pPr>
+      <a:lvl4pPr marL="1600200" indent="-228600" algn="l" defTabSz="914400" rtl="0" eaLnBrk="1" latinLnBrk="0" hangingPunct="1">
+        <a:lnSpc>
+          <a:spcPct val="90000"/>
+        </a:lnSpc>
+        <a:spcBef>
+          <a:spcPts val="500"/>
+        </a:spcBef>
+        <a:buFont typeface="Arial" panose="020B0604020202020204" pitchFamily="34" charset="0"/>
+        <a:buChar char="•"/>
+        <a:defRPr sz="1800" kern="1200">
+          <a:solidFill>
+            <a:schemeClr val="tx1"/>
+          </a:solidFill>
+          <a:latin typeface="+mn-lt"/>
+          <a:ea typeface="+mn-ea"/>
+          <a:cs typeface="+mn-cs"/>
+        </a:defRPr>
+      </a:lvl4pPr>
+      <a:lvl5pPr marL="2057400" indent="-228600" algn="l" defTabSz="914400" rtl="0" eaLnBrk="1" latinLnBrk="0" hangingPunct="1">
+        <a:lnSpc>
+          <a:spcPct val="90000"/>
+        </a:lnSpc>
+        <a:spcBef>
+          <a:spcPts val="500"/>
+        </a:spcBef>
+        <a:buFont typeface="Arial" panose="020B0604020202020204" pitchFamily="34" charset="0"/>
+        <a:buChar char="•"/>
+        <a:defRPr sz="1800" kern="1200">
+          <a:solidFill>
+            <a:schemeClr val="tx1"/>
+          </a:solidFill>
+          <a:latin typeface="+mn-lt"/>
+          <a:ea typeface="+mn-ea"/>
+          <a:cs typeface="+mn-cs"/>
+        </a:defRPr>
+      </a:lvl5pPr>
+      <a:lvl6pPr marL="2514600" indent="-228600" algn="l" defTabSz="914400" rtl="0" eaLnBrk="1" latinLnBrk="0" hangingPunct="1">
+        <a:lnSpc>
+          <a:spcPct val="90000"/>
+        </a:lnSpc>
+        <a:spcBef>
+          <a:spcPts val="500"/>
+        </a:spcBef>
+        <a:buFont typeface="Arial" panose="020B0604020202020204" pitchFamily="34" charset="0"/>
+        <a:buChar char="•"/>
+        <a:defRPr sz="1800" kern="1200">
+          <a:solidFill>
+            <a:schemeClr val="tx1"/>
+          </a:solidFill>
+          <a:latin typeface="+mn-lt"/>
+          <a:ea typeface="+mn-ea"/>
+          <a:cs typeface="+mn-cs"/>
+        </a:defRPr>
+      </a:lvl6pPr>
+      <a:lvl7pPr marL="2971800" indent="-228600" algn="l" defTabSz="914400" rtl="0" eaLnBrk="1" latinLnBrk="0" hangingPunct="1">
+        <a:lnSpc>
+          <a:spcPct val="90000"/>
+        </a:lnSpc>
+        <a:spcBef>
+          <a:spcPts val="500"/>
+        </a:spcBef>
+        <a:buFont typeface="Arial" panose="020B0604020202020204" pitchFamily="34" charset="0"/>
+        <a:buChar char="•"/>
+        <a:defRPr sz="1800" kern="1200">
+          <a:solidFill>
+            <a:schemeClr val="tx1"/>
+          </a:solidFill>
+          <a:latin typeface="+mn-lt"/>
+          <a:ea typeface="+mn-ea"/>
+          <a:cs typeface="+mn-cs"/>
+        </a:defRPr>
+      </a:lvl7pPr>
+      <a:lvl8pPr marL="3429000" indent="-228600" algn="l" defTabSz="914400" rtl="0" eaLnBrk="1" latinLnBrk="0" hangingPunct="1">
+        <a:lnSpc>
+          <a:spcPct val="90000"/>
+        </a:lnSpc>
+        <a:spcBef>
+          <a:spcPts val="500"/>
+        </a:spcBef>
+        <a:buFont typeface="Arial" panose="020B0604020202020204" pitchFamily="34" charset="0"/>
+        <a:buChar char="•"/>
+        <a:defRPr sz="1800" kern="1200">
+          <a:solidFill>
+            <a:schemeClr val="tx1"/>
+          </a:solidFill>
+          <a:latin typeface="+mn-lt"/>
+          <a:ea typeface="+mn-ea"/>
+          <a:cs typeface="+mn-cs"/>
+        </a:defRPr>
+      </a:lvl8pPr>
+      <a:lvl9pPr marL="3886200" indent="-228600" algn="l" defTabSz="914400" rtl="0" eaLnBrk="1" latinLnBrk="0" hangingPunct="1">
+        <a:lnSpc>
+          <a:spcPct val="90000"/>
+        </a:lnSpc>
+        <a:spcBef>
+          <a:spcPts val="500"/>
+        </a:spcBef>
+        <a:buFont typeface="Arial" panose="020B0604020202020204" pitchFamily="34" charset="0"/>
+        <a:buChar char="•"/>
+        <a:defRPr sz="1800" kern="1200">
+          <a:solidFill>
+            <a:schemeClr val="tx1"/>
+          </a:solidFill>
+          <a:latin typeface="+mn-lt"/>
+          <a:ea typeface="+mn-ea"/>
+          <a:cs typeface="+mn-cs"/>
+        </a:defRPr>
+      </a:lvl9pPr>
+    </p:bodyStyle>
+    <p:otherStyle>
+      <a:defPPr>
+        <a:defRPr lang="es-ES"/>
+      </a:defPPr>
+      <a:lvl1pPr marL="0" algn="l" defTabSz="914400" rtl="0" eaLnBrk="1" latinLnBrk="0" hangingPunct="1">
+        <a:defRPr sz="1800" kern="1200">
+          <a:solidFill>
+            <a:schemeClr val="tx1"/>
+          </a:solidFill>
+          <a:latin typeface="+mn-lt"/>
+          <a:ea typeface="+mn-ea"/>
+          <a:cs typeface="+mn-cs"/>
+        </a:defRPr>
+      </a:lvl1pPr>
+      <a:lvl2pPr marL="457200" algn="l" defTabSz="914400" rtl="0" eaLnBrk="1" latinLnBrk="0" hangingPunct="1">
+        <a:defRPr sz="1800" kern="1200">
+          <a:solidFill>
+            <a:schemeClr val="tx1"/>
+          </a:solidFill>
+          <a:latin typeface="+mn-lt"/>
+          <a:ea typeface="+mn-ea"/>
+          <a:cs typeface="+mn-cs"/>
+        </a:defRPr>
+      </a:lvl2pPr>
+      <a:lvl3pPr marL="914400" algn="l" defTabSz="914400" rtl="0" eaLnBrk="1" latinLnBrk="0" hangingPunct="1">
+        <a:defRPr sz="1800" kern="1200">
+          <a:solidFill>
+            <a:schemeClr val="tx1"/>
+          </a:solidFill>
+          <a:latin typeface="+mn-lt"/>
+          <a:ea typeface="+mn-ea"/>
+          <a:cs typeface="+mn-cs"/>
+        </a:defRPr>
+      </a:lvl3pPr>
+      <a:lvl4pPr marL="1371600" algn="l" defTabSz="914400" rtl="0" eaLnBrk="1" latinLnBrk="0" hangingPunct="1">
+        <a:defRPr sz="1800" kern="1200">
+          <a:solidFill>
+            <a:schemeClr val="tx1"/>
+          </a:solidFill>
+          <a:latin typeface="+mn-lt"/>
+          <a:ea typeface="+mn-ea"/>
+          <a:cs typeface="+mn-cs"/>
+        </a:defRPr>
+      </a:lvl4pPr>
+      <a:lvl5pPr marL="1828800" algn="l" defTabSz="914400" rtl="0" eaLnBrk="1" latinLnBrk="0" hangingPunct="1">
+        <a:defRPr sz="1800" kern="1200">
+          <a:solidFill>
+            <a:schemeClr val="tx1"/>
+          </a:solidFill>
+          <a:latin typeface="+mn-lt"/>
+          <a:ea typeface="+mn-ea"/>
+          <a:cs typeface="+mn-cs"/>
+        </a:defRPr>
+      </a:lvl5pPr>
+      <a:lvl6pPr marL="2286000" algn="l" defTabSz="914400" rtl="0" eaLnBrk="1" latinLnBrk="0" hangingPunct="1">
+        <a:defRPr sz="1800" kern="1200">
+          <a:solidFill>
+            <a:schemeClr val="tx1"/>
+          </a:solidFill>
+          <a:latin typeface="+mn-lt"/>
+          <a:ea typeface="+mn-ea"/>
+          <a:cs typeface="+mn-cs"/>
+        </a:defRPr>
+      </a:lvl6pPr>
+      <a:lvl7pPr marL="2743200" algn="l" defTabSz="914400" rtl="0" eaLnBrk="1" latinLnBrk="0" hangingPunct="1">
+        <a:defRPr sz="1800" kern="1200">
+          <a:solidFill>
+            <a:schemeClr val="tx1"/>
+          </a:solidFill>
+          <a:latin typeface="+mn-lt"/>
+          <a:ea typeface="+mn-ea"/>
+          <a:cs typeface="+mn-cs"/>
+        </a:defRPr>
+      </a:lvl7pPr>
+      <a:lvl8pPr marL="3200400" algn="l" defTabSz="914400" rtl="0" eaLnBrk="1" latinLnBrk="0" hangingPunct="1">
+        <a:defRPr sz="1800" kern="1200">
+          <a:solidFill>
+            <a:schemeClr val="tx1"/>
+          </a:solidFill>
+          <a:latin typeface="+mn-lt"/>
+          <a:ea typeface="+mn-ea"/>
+          <a:cs typeface="+mn-cs"/>
+        </a:defRPr>
+      </a:lvl8pPr>
+      <a:lvl9pPr marL="3657600" algn="l" defTabSz="914400" rtl="0" eaLnBrk="1" latinLnBrk="0" hangingPunct="1">
+        <a:defRPr sz="1800" kern="1200">
+          <a:solidFill>
+            <a:schemeClr val="tx1"/>
+          </a:solidFill>
+          <a:latin typeface="+mn-lt"/>
+          <a:ea typeface="+mn-ea"/>
+          <a:cs typeface="+mn-cs"/>
+        </a:defRPr>
+      </a:lvl9pPr>
+    </p:otherStyle>
+  </p:txStyles>
 </p:sldMaster>
 </file>
 
 <file path=ppt/slides/slide1.xml><?xml version="1.0" encoding="utf-8"?>
-<p:sld xmlns:a="http://schemas.openxmlformats.org/drawingml/2006/main" xmlns:p="http://schemas.openxmlformats.org/presentationml/2006/main" xmlns:r="http://schemas.openxmlformats.org/officeDocument/2006/relationships" xmlns:p14="http://schemas.microsoft.com/office/powerpoint/2010/main" xmlns:p15="http://schemas.microsoft.com/office/powerpoint/2012/main" xmlns:mc="http://schemas.openxmlformats.org/markup-compatibility/2006">
+<p:sld xmlns:a="http://schemas.openxmlformats.org/drawingml/2006/main" xmlns:r="http://schemas.openxmlformats.org/officeDocument/2006/relationships" xmlns:p="http://schemas.openxmlformats.org/presentationml/2006/main">
   <p:cSld>
     <p:spTree>
       <p:nvGrpSpPr>
@@ -4747,6 +5464,7 @@
         </p:spPr>
         <p:txBody>
           <a:bodyPr anchor="ctr"/>
+          <a:lstStyle/>
           <a:p>
             <a:pPr>
               <a:lnSpc>
@@ -4754,9 +5472,9 @@
               </a:lnSpc>
             </a:pPr>
             <a:r>
-              <a:rPr b="1" lang="ru-RU" sz="2000" spc="-1" strike="noStrike">
+              <a:rPr lang="ru-RU" sz="2000" b="1" strike="noStrike" spc="-1">
                 <a:solidFill>
-                  <a:srgbClr val="ffffff"/>
+                  <a:srgbClr val="FFFFFF"/>
                 </a:solidFill>
                 <a:latin typeface="Tahoma"/>
               </a:rPr>
@@ -4764,36 +5482,27 @@
             </a:r>
             <a:br/>
             <a:r>
-              <a:rPr b="1" lang="ru-RU" sz="1700" spc="-1" strike="noStrike">
+              <a:rPr lang="ru-RU" sz="1700" b="1" strike="noStrike" spc="-1">
                 <a:solidFill>
-                  <a:srgbClr val="ffffff"/>
+                  <a:srgbClr val="FFFFFF"/>
                 </a:solidFill>
                 <a:latin typeface="Tahoma"/>
               </a:rPr>
-              <a:t>Lic. Miguel Angel Villalba </a:t>
-            </a:r>
-            <a:r>
-              <a:rPr b="1" lang="ru-RU" sz="1700" spc="-1" strike="noStrike">
-                <a:solidFill>
-                  <a:srgbClr val="ffffff"/>
-                </a:solidFill>
-                <a:latin typeface="Tahoma"/>
-              </a:rPr>
-              <a:t>Cabañas</a:t>
+              <a:t>Lic. Miguel Angel Villalba Cabañas</a:t>
             </a:r>
             <a:br/>
             <a:r>
-              <a:rPr b="1" lang="ru-RU" sz="1700" spc="-1" strike="noStrike">
+              <a:rPr lang="ru-RU" sz="1700" b="1" strike="noStrike" spc="-1">
                 <a:solidFill>
-                  <a:srgbClr val="ffffff"/>
+                  <a:srgbClr val="FFFFFF"/>
                 </a:solidFill>
                 <a:latin typeface="Tahoma"/>
               </a:rPr>
               <a:t>Lic. Marco Álvarez Pereira</a:t>
             </a:r>
-            <a:endParaRPr b="0" lang="ru-RU" sz="1700" spc="-1" strike="noStrike">
-              <a:solidFill>
-                <a:srgbClr val="4d4d4d"/>
+            <a:endParaRPr lang="ru-RU" sz="1700" b="0" strike="noStrike" spc="-1">
+              <a:solidFill>
+                <a:srgbClr val="4D4D4D"/>
               </a:solidFill>
               <a:latin typeface="Arial"/>
             </a:endParaRPr>
@@ -4820,13 +5529,20 @@
           </a:ln>
         </p:spPr>
         <p:style>
-          <a:lnRef idx="0"/>
-          <a:fillRef idx="0"/>
-          <a:effectRef idx="0"/>
+          <a:lnRef idx="0">
+            <a:scrgbClr r="0" g="0" b="0"/>
+          </a:lnRef>
+          <a:fillRef idx="0">
+            <a:scrgbClr r="0" g="0" b="0"/>
+          </a:fillRef>
+          <a:effectRef idx="0">
+            <a:scrgbClr r="0" g="0" b="0"/>
+          </a:effectRef>
           <a:fontRef idx="minor"/>
         </p:style>
         <p:txBody>
           <a:bodyPr anchor="ctr"/>
+          <a:lstStyle/>
           <a:p>
             <a:pPr>
               <a:lnSpc>
@@ -4834,7 +5550,7 @@
               </a:lnSpc>
             </a:pPr>
             <a:r>
-              <a:rPr b="1" lang="es-PY" sz="2000" spc="-1" strike="noStrike">
+              <a:rPr lang="es-PY" sz="2000" b="1" strike="noStrike" spc="-1">
                 <a:solidFill>
                   <a:srgbClr val="202020"/>
                 </a:solidFill>
@@ -4843,7 +5559,7 @@
               <a:t>UNIVERSIDAD </a:t>
             </a:r>
             <a:r>
-              <a:rPr b="1" lang="es-PY" sz="1800" spc="-1" strike="noStrike">
+              <a:rPr lang="es-PY" sz="1800" b="1" strike="noStrike" spc="-1">
                 <a:solidFill>
                   <a:srgbClr val="202020"/>
                 </a:solidFill>
@@ -4852,7 +5568,7 @@
               <a:t>TECNOLÓGICA</a:t>
             </a:r>
             <a:r>
-              <a:rPr b="1" lang="es-PY" sz="2000" spc="-1" strike="noStrike">
+              <a:rPr lang="es-PY" sz="2000" b="1" strike="noStrike" spc="-1">
                 <a:solidFill>
                   <a:srgbClr val="202020"/>
                 </a:solidFill>
@@ -4860,7 +5576,7 @@
               </a:rPr>
               <a:t> INTERCONTINENTAL</a:t>
             </a:r>
-            <a:endParaRPr b="0" lang="es-PY" sz="2000" spc="-1" strike="noStrike">
+            <a:endParaRPr lang="es-PY" sz="2000" b="0" strike="noStrike" spc="-1">
               <a:latin typeface="Arial"/>
             </a:endParaRPr>
           </a:p>
@@ -4871,7 +5587,7 @@
               </a:lnSpc>
             </a:pPr>
             <a:r>
-              <a:rPr b="1" lang="es-PY" sz="2000" spc="-1" strike="noStrike">
+              <a:rPr lang="es-PY" sz="2000" b="1" strike="noStrike" spc="-1">
                 <a:solidFill>
                   <a:srgbClr val="202020"/>
                 </a:solidFill>
@@ -4879,7 +5595,7 @@
               </a:rPr>
               <a:t>Aplicación Móvil “ParkingAppV2.0”</a:t>
             </a:r>
-            <a:endParaRPr b="0" lang="es-PY" sz="2000" spc="-1" strike="noStrike">
+            <a:endParaRPr lang="es-PY" sz="2000" b="0" strike="noStrike" spc="-1">
               <a:latin typeface="Arial"/>
             </a:endParaRPr>
           </a:p>
@@ -4905,13 +5621,20 @@
           </a:ln>
         </p:spPr>
         <p:style>
-          <a:lnRef idx="0"/>
-          <a:fillRef idx="0"/>
-          <a:effectRef idx="0"/>
+          <a:lnRef idx="0">
+            <a:scrgbClr r="0" g="0" b="0"/>
+          </a:lnRef>
+          <a:fillRef idx="0">
+            <a:scrgbClr r="0" g="0" b="0"/>
+          </a:fillRef>
+          <a:effectRef idx="0">
+            <a:scrgbClr r="0" g="0" b="0"/>
+          </a:effectRef>
           <a:fontRef idx="minor"/>
         </p:style>
         <p:txBody>
           <a:bodyPr anchor="ctr"/>
+          <a:lstStyle/>
           <a:p>
             <a:pPr>
               <a:lnSpc>
@@ -4919,15 +5642,15 @@
               </a:lnSpc>
             </a:pPr>
             <a:r>
-              <a:rPr b="1" lang="es-PY" sz="1600" spc="-1" strike="noStrike">
+              <a:rPr lang="es-PY" sz="1600" b="1" strike="noStrike" spc="-1">
                 <a:solidFill>
-                  <a:srgbClr val="4779e0"/>
+                  <a:srgbClr val="4779E0"/>
                 </a:solidFill>
                 <a:latin typeface="Tahoma"/>
               </a:rPr>
               <a:t>Sistemas Corporativos II</a:t>
             </a:r>
-            <a:endParaRPr b="0" lang="es-PY" sz="1600" spc="-1" strike="noStrike">
+            <a:endParaRPr lang="es-PY" sz="1600" b="0" strike="noStrike" spc="-1">
               <a:latin typeface="Arial"/>
             </a:endParaRPr>
           </a:p>
@@ -4953,13 +5676,20 @@
           </a:ln>
         </p:spPr>
         <p:style>
-          <a:lnRef idx="0"/>
-          <a:fillRef idx="0"/>
-          <a:effectRef idx="0"/>
+          <a:lnRef idx="0">
+            <a:scrgbClr r="0" g="0" b="0"/>
+          </a:lnRef>
+          <a:fillRef idx="0">
+            <a:scrgbClr r="0" g="0" b="0"/>
+          </a:fillRef>
+          <a:effectRef idx="0">
+            <a:scrgbClr r="0" g="0" b="0"/>
+          </a:effectRef>
           <a:fontRef idx="minor"/>
         </p:style>
         <p:txBody>
           <a:bodyPr anchor="ctr"/>
+          <a:lstStyle/>
           <a:p>
             <a:pPr>
               <a:lnSpc>
@@ -4967,15 +5697,15 @@
               </a:lnSpc>
             </a:pPr>
             <a:r>
-              <a:rPr b="1" lang="es-PY" sz="1600" spc="-1" strike="noStrike">
+              <a:rPr lang="es-PY" sz="1600" b="1" strike="noStrike" spc="-1">
                 <a:solidFill>
-                  <a:srgbClr val="ffffff"/>
+                  <a:srgbClr val="FFFFFF"/>
                 </a:solidFill>
                 <a:latin typeface="Tahoma"/>
               </a:rPr>
               <a:t>Docente:</a:t>
             </a:r>
-            <a:endParaRPr b="0" lang="es-PY" sz="1600" spc="-1" strike="noStrike">
+            <a:endParaRPr lang="es-PY" sz="1600" b="0" strike="noStrike" spc="-1">
               <a:latin typeface="Arial"/>
             </a:endParaRPr>
           </a:p>
@@ -4986,15 +5716,15 @@
               </a:lnSpc>
             </a:pPr>
             <a:r>
-              <a:rPr b="1" lang="es-PY" sz="1600" spc="-1" strike="noStrike">
+              <a:rPr lang="es-PY" sz="1600" b="1" strike="noStrike" spc="-1">
                 <a:solidFill>
-                  <a:srgbClr val="ffffff"/>
+                  <a:srgbClr val="FFFFFF"/>
                 </a:solidFill>
                 <a:latin typeface="Tahoma"/>
               </a:rPr>
               <a:t>Ing. Charles Fernando Cabrera Gómez</a:t>
             </a:r>
-            <a:endParaRPr b="0" lang="es-PY" sz="1600" spc="-1" strike="noStrike">
+            <a:endParaRPr lang="es-PY" sz="1600" b="0" strike="noStrike" spc="-1">
               <a:latin typeface="Arial"/>
             </a:endParaRPr>
           </a:p>
@@ -5020,13 +5750,20 @@
           </a:ln>
         </p:spPr>
         <p:style>
-          <a:lnRef idx="0"/>
-          <a:fillRef idx="0"/>
-          <a:effectRef idx="0"/>
+          <a:lnRef idx="0">
+            <a:scrgbClr r="0" g="0" b="0"/>
+          </a:lnRef>
+          <a:fillRef idx="0">
+            <a:scrgbClr r="0" g="0" b="0"/>
+          </a:fillRef>
+          <a:effectRef idx="0">
+            <a:scrgbClr r="0" g="0" b="0"/>
+          </a:effectRef>
           <a:fontRef idx="minor"/>
         </p:style>
         <p:txBody>
           <a:bodyPr anchor="ctr"/>
+          <a:lstStyle/>
           <a:p>
             <a:pPr>
               <a:lnSpc>
@@ -5034,15 +5771,15 @@
               </a:lnSpc>
             </a:pPr>
             <a:r>
-              <a:rPr b="1" lang="es-PY" sz="1600" spc="-1" strike="noStrike">
+              <a:rPr lang="es-PY" sz="1600" b="1" strike="noStrike" spc="-1">
                 <a:solidFill>
-                  <a:srgbClr val="ffffff"/>
+                  <a:srgbClr val="FFFFFF"/>
                 </a:solidFill>
                 <a:latin typeface="Tahoma"/>
               </a:rPr>
               <a:t>Año – 2021</a:t>
             </a:r>
-            <a:endParaRPr b="0" lang="es-PY" sz="1600" spc="-1" strike="noStrike">
+            <a:endParaRPr lang="es-PY" sz="1600" b="0" strike="noStrike" spc="-1">
               <a:latin typeface="Arial"/>
             </a:endParaRPr>
           </a:p>
@@ -5050,6 +5787,9 @@
       </p:sp>
     </p:spTree>
   </p:cSld>
+  <p:clrMapOvr>
+    <a:masterClrMapping/>
+  </p:clrMapOvr>
   <p:timing>
     <p:tnLst>
       <p:par>
@@ -5058,14 +5798,14 @@
             <p:seq>
               <p:cTn id="2" dur="indefinite" nodeType="mainSeq"/>
               <p:prevCondLst>
-                <p:cond delay="0" evt="onPrev">
+                <p:cond evt="onPrev" delay="0">
                   <p:tgtEl>
                     <p:sldTgt/>
                   </p:tgtEl>
                 </p:cond>
               </p:prevCondLst>
               <p:nextCondLst>
-                <p:cond delay="0" evt="onNext">
+                <p:cond evt="onNext" delay="0">
                   <p:tgtEl>
                     <p:sldTgt/>
                   </p:tgtEl>
@@ -5081,7 +5821,7 @@
 </file>
 
 <file path=ppt/slides/slide2.xml><?xml version="1.0" encoding="utf-8"?>
-<p:sld xmlns:a="http://schemas.openxmlformats.org/drawingml/2006/main" xmlns:p="http://schemas.openxmlformats.org/presentationml/2006/main" xmlns:r="http://schemas.openxmlformats.org/officeDocument/2006/relationships" xmlns:p14="http://schemas.microsoft.com/office/powerpoint/2010/main" xmlns:p15="http://schemas.microsoft.com/office/powerpoint/2012/main" xmlns:mc="http://schemas.openxmlformats.org/markup-compatibility/2006">
+<p:sld xmlns:a="http://schemas.openxmlformats.org/drawingml/2006/main" xmlns:r="http://schemas.openxmlformats.org/officeDocument/2006/relationships" xmlns:p="http://schemas.openxmlformats.org/presentationml/2006/main">
   <p:cSld>
     <p:spTree>
       <p:nvGrpSpPr>
@@ -5118,6 +5858,7 @@
         </p:spPr>
         <p:txBody>
           <a:bodyPr anchor="ctr"/>
+          <a:lstStyle/>
           <a:p>
             <a:pPr>
               <a:lnSpc>
@@ -5125,17 +5866,17 @@
               </a:lnSpc>
             </a:pPr>
             <a:r>
-              <a:rPr b="1" lang="ru-RU" sz="3200" spc="-1" strike="noStrike">
+              <a:rPr lang="ru-RU" sz="3200" b="1" strike="noStrike" spc="-1">
                 <a:solidFill>
-                  <a:srgbClr val="ffffff"/>
+                  <a:srgbClr val="FFFFFF"/>
                 </a:solidFill>
                 <a:latin typeface="Tahoma"/>
               </a:rPr>
               <a:t>Modelo de Negocio</a:t>
             </a:r>
-            <a:endParaRPr b="0" lang="ru-RU" sz="3200" spc="-1" strike="noStrike">
-              <a:solidFill>
-                <a:srgbClr val="4d4d4d"/>
+            <a:endParaRPr lang="ru-RU" sz="3200" b="0" strike="noStrike" spc="-1">
+              <a:solidFill>
+                <a:srgbClr val="4D4D4D"/>
               </a:solidFill>
               <a:latin typeface="Arial"/>
             </a:endParaRPr>
@@ -5144,12 +5885,12 @@
       </p:sp>
       <p:pic>
         <p:nvPicPr>
-          <p:cNvPr id="88" name="" descr=""/>
+          <p:cNvPr id="88" name="Imagen 87"/>
           <p:cNvPicPr/>
           <p:nvPr/>
         </p:nvPicPr>
         <p:blipFill>
-          <a:blip r:embed="rId1"/>
+          <a:blip r:embed="rId3"/>
           <a:stretch/>
         </p:blipFill>
         <p:spPr>
@@ -5167,22 +5908,25 @@
       </p:pic>
     </p:spTree>
   </p:cSld>
+  <p:clrMapOvr>
+    <a:masterClrMapping/>
+  </p:clrMapOvr>
   <p:timing>
     <p:tnLst>
       <p:par>
-        <p:cTn id="3" dur="indefinite" restart="never" nodeType="tmRoot">
+        <p:cTn id="1" dur="indefinite" restart="never" nodeType="tmRoot">
           <p:childTnLst>
             <p:seq>
-              <p:cTn id="4" dur="indefinite" nodeType="mainSeq"/>
+              <p:cTn id="2" dur="indefinite" nodeType="mainSeq"/>
               <p:prevCondLst>
-                <p:cond delay="0" evt="onPrev">
+                <p:cond evt="onPrev" delay="0">
                   <p:tgtEl>
                     <p:sldTgt/>
                   </p:tgtEl>
                 </p:cond>
               </p:prevCondLst>
               <p:nextCondLst>
-                <p:cond delay="0" evt="onNext">
+                <p:cond evt="onNext" delay="0">
                   <p:tgtEl>
                     <p:sldTgt/>
                   </p:tgtEl>
@@ -5198,7 +5942,7 @@
 </file>
 
 <file path=ppt/slides/slide3.xml><?xml version="1.0" encoding="utf-8"?>
-<p:sld xmlns:a="http://schemas.openxmlformats.org/drawingml/2006/main" xmlns:p="http://schemas.openxmlformats.org/presentationml/2006/main" xmlns:r="http://schemas.openxmlformats.org/officeDocument/2006/relationships" xmlns:p14="http://schemas.microsoft.com/office/powerpoint/2010/main" xmlns:p15="http://schemas.microsoft.com/office/powerpoint/2012/main" xmlns:mc="http://schemas.openxmlformats.org/markup-compatibility/2006">
+<p:sld xmlns:a="http://schemas.openxmlformats.org/drawingml/2006/main" xmlns:r="http://schemas.openxmlformats.org/officeDocument/2006/relationships" xmlns:p="http://schemas.openxmlformats.org/presentationml/2006/main">
   <p:cSld>
     <p:spTree>
       <p:nvGrpSpPr>
@@ -5235,6 +5979,7 @@
         </p:spPr>
         <p:txBody>
           <a:bodyPr anchor="ctr"/>
+          <a:lstStyle/>
           <a:p>
             <a:pPr>
               <a:lnSpc>
@@ -5242,17 +5987,17 @@
               </a:lnSpc>
             </a:pPr>
             <a:r>
-              <a:rPr b="1" lang="ru-RU" sz="3200" spc="-1" strike="noStrike">
+              <a:rPr lang="ru-RU" sz="3200" b="1" strike="noStrike" spc="-1">
                 <a:solidFill>
-                  <a:srgbClr val="ffffff"/>
+                  <a:srgbClr val="FFFFFF"/>
                 </a:solidFill>
                 <a:latin typeface="Tahoma"/>
               </a:rPr>
               <a:t>DER </a:t>
             </a:r>
-            <a:endParaRPr b="0" lang="ru-RU" sz="3200" spc="-1" strike="noStrike">
-              <a:solidFill>
-                <a:srgbClr val="4d4d4d"/>
+            <a:endParaRPr lang="ru-RU" sz="3200" b="0" strike="noStrike" spc="-1">
+              <a:solidFill>
+                <a:srgbClr val="4D4D4D"/>
               </a:solidFill>
               <a:latin typeface="Arial"/>
             </a:endParaRPr>
@@ -5261,12 +6006,12 @@
       </p:sp>
       <p:pic>
         <p:nvPicPr>
-          <p:cNvPr id="90" name="" descr=""/>
+          <p:cNvPr id="90" name="Imagen 89"/>
           <p:cNvPicPr/>
           <p:nvPr/>
         </p:nvPicPr>
         <p:blipFill>
-          <a:blip r:embed="rId1"/>
+          <a:blip r:embed="rId3"/>
           <a:stretch/>
         </p:blipFill>
         <p:spPr>
@@ -5284,22 +6029,25 @@
       </p:pic>
     </p:spTree>
   </p:cSld>
+  <p:clrMapOvr>
+    <a:masterClrMapping/>
+  </p:clrMapOvr>
   <p:timing>
     <p:tnLst>
       <p:par>
-        <p:cTn id="5" dur="indefinite" restart="never" nodeType="tmRoot">
+        <p:cTn id="1" dur="indefinite" restart="never" nodeType="tmRoot">
           <p:childTnLst>
             <p:seq>
-              <p:cTn id="6" dur="indefinite" nodeType="mainSeq"/>
+              <p:cTn id="2" dur="indefinite" nodeType="mainSeq"/>
               <p:prevCondLst>
-                <p:cond delay="0" evt="onPrev">
+                <p:cond evt="onPrev" delay="0">
                   <p:tgtEl>
                     <p:sldTgt/>
                   </p:tgtEl>
                 </p:cond>
               </p:prevCondLst>
               <p:nextCondLst>
-                <p:cond delay="0" evt="onNext">
+                <p:cond evt="onNext" delay="0">
                   <p:tgtEl>
                     <p:sldTgt/>
                   </p:tgtEl>
@@ -5315,7 +6063,7 @@
 </file>
 
 <file path=ppt/slides/slide4.xml><?xml version="1.0" encoding="utf-8"?>
-<p:sld xmlns:a="http://schemas.openxmlformats.org/drawingml/2006/main" xmlns:p="http://schemas.openxmlformats.org/presentationml/2006/main" xmlns:r="http://schemas.openxmlformats.org/officeDocument/2006/relationships" xmlns:p14="http://schemas.microsoft.com/office/powerpoint/2010/main" xmlns:p15="http://schemas.microsoft.com/office/powerpoint/2012/main" xmlns:mc="http://schemas.openxmlformats.org/markup-compatibility/2006">
+<p:sld xmlns:a="http://schemas.openxmlformats.org/drawingml/2006/main" xmlns:r="http://schemas.openxmlformats.org/officeDocument/2006/relationships" xmlns:p="http://schemas.openxmlformats.org/presentationml/2006/main">
   <p:cSld>
     <p:spTree>
       <p:nvGrpSpPr>
@@ -5352,6 +6100,7 @@
         </p:spPr>
         <p:txBody>
           <a:bodyPr anchor="ctr"/>
+          <a:lstStyle/>
           <a:p>
             <a:pPr>
               <a:lnSpc>
@@ -5359,17 +6108,17 @@
               </a:lnSpc>
             </a:pPr>
             <a:r>
-              <a:rPr b="1" lang="ru-RU" sz="2000" spc="-1" strike="noStrike">
+              <a:rPr lang="ru-RU" sz="2000" b="1" strike="noStrike" spc="-1">
                 <a:solidFill>
-                  <a:srgbClr val="ffffff"/>
+                  <a:srgbClr val="FFFFFF"/>
                 </a:solidFill>
                 <a:latin typeface="Tahoma"/>
               </a:rPr>
               <a:t>Diagrama de Caso de Uso Mantenimiento y Seguridad</a:t>
             </a:r>
-            <a:endParaRPr b="0" lang="ru-RU" sz="2000" spc="-1" strike="noStrike">
-              <a:solidFill>
-                <a:srgbClr val="4d4d4d"/>
+            <a:endParaRPr lang="ru-RU" sz="2000" b="0" strike="noStrike" spc="-1">
+              <a:solidFill>
+                <a:srgbClr val="4D4D4D"/>
               </a:solidFill>
               <a:latin typeface="Arial"/>
             </a:endParaRPr>
@@ -5378,12 +6127,12 @@
       </p:sp>
       <p:pic>
         <p:nvPicPr>
-          <p:cNvPr id="92" name="" descr=""/>
+          <p:cNvPr id="92" name="Imagen 91"/>
           <p:cNvPicPr/>
           <p:nvPr/>
         </p:nvPicPr>
         <p:blipFill>
-          <a:blip r:embed="rId1"/>
+          <a:blip r:embed="rId3"/>
           <a:stretch/>
         </p:blipFill>
         <p:spPr>
@@ -5401,22 +6150,25 @@
       </p:pic>
     </p:spTree>
   </p:cSld>
+  <p:clrMapOvr>
+    <a:masterClrMapping/>
+  </p:clrMapOvr>
   <p:timing>
     <p:tnLst>
       <p:par>
-        <p:cTn id="7" dur="indefinite" restart="never" nodeType="tmRoot">
+        <p:cTn id="1" dur="indefinite" restart="never" nodeType="tmRoot">
           <p:childTnLst>
             <p:seq>
-              <p:cTn id="8" dur="indefinite" nodeType="mainSeq"/>
+              <p:cTn id="2" dur="indefinite" nodeType="mainSeq"/>
               <p:prevCondLst>
-                <p:cond delay="0" evt="onPrev">
+                <p:cond evt="onPrev" delay="0">
                   <p:tgtEl>
                     <p:sldTgt/>
                   </p:tgtEl>
                 </p:cond>
               </p:prevCondLst>
               <p:nextCondLst>
-                <p:cond delay="0" evt="onNext">
+                <p:cond evt="onNext" delay="0">
                   <p:tgtEl>
                     <p:sldTgt/>
                   </p:tgtEl>
@@ -5432,7 +6184,7 @@
 </file>
 
 <file path=ppt/slides/slide5.xml><?xml version="1.0" encoding="utf-8"?>
-<p:sld xmlns:a="http://schemas.openxmlformats.org/drawingml/2006/main" xmlns:p="http://schemas.openxmlformats.org/presentationml/2006/main" xmlns:r="http://schemas.openxmlformats.org/officeDocument/2006/relationships" xmlns:p14="http://schemas.microsoft.com/office/powerpoint/2010/main" xmlns:p15="http://schemas.microsoft.com/office/powerpoint/2012/main" xmlns:mc="http://schemas.openxmlformats.org/markup-compatibility/2006">
+<p:sld xmlns:a="http://schemas.openxmlformats.org/drawingml/2006/main" xmlns:r="http://schemas.openxmlformats.org/officeDocument/2006/relationships" xmlns:p="http://schemas.openxmlformats.org/presentationml/2006/main">
   <p:cSld>
     <p:spTree>
       <p:nvGrpSpPr>
@@ -5469,6 +6221,7 @@
         </p:spPr>
         <p:txBody>
           <a:bodyPr anchor="ctr"/>
+          <a:lstStyle/>
           <a:p>
             <a:pPr>
               <a:lnSpc>
@@ -5476,26 +6229,17 @@
               </a:lnSpc>
             </a:pPr>
             <a:r>
-              <a:rPr b="1" lang="ru-RU" sz="2000" spc="-1" strike="noStrike">
+              <a:rPr lang="ru-RU" sz="2000" b="1" strike="noStrike" spc="-1">
                 <a:solidFill>
-                  <a:srgbClr val="ffffff"/>
+                  <a:srgbClr val="FFFFFF"/>
                 </a:solidFill>
                 <a:latin typeface="Tahoma"/>
               </a:rPr>
-              <a:t>Diagrama de Caso de Uso Entrada y </a:t>
+              <a:t>Diagrama de Caso de Uso Entrada y Salida de Vehiculos</a:t>
             </a:r>
-            <a:r>
-              <a:rPr b="1" lang="ru-RU" sz="2000" spc="-1" strike="noStrike">
-                <a:solidFill>
-                  <a:srgbClr val="ffffff"/>
-                </a:solidFill>
-                <a:latin typeface="Tahoma"/>
-              </a:rPr>
-              <a:t>Salida de Vehiculos</a:t>
-            </a:r>
-            <a:endParaRPr b="0" lang="ru-RU" sz="2000" spc="-1" strike="noStrike">
-              <a:solidFill>
-                <a:srgbClr val="4d4d4d"/>
+            <a:endParaRPr lang="ru-RU" sz="2000" b="0" strike="noStrike" spc="-1">
+              <a:solidFill>
+                <a:srgbClr val="4D4D4D"/>
               </a:solidFill>
               <a:latin typeface="Arial"/>
             </a:endParaRPr>
@@ -5504,12 +6248,12 @@
       </p:sp>
       <p:pic>
         <p:nvPicPr>
-          <p:cNvPr id="94" name="" descr=""/>
+          <p:cNvPr id="94" name="Imagen 93"/>
           <p:cNvPicPr/>
           <p:nvPr/>
         </p:nvPicPr>
         <p:blipFill>
-          <a:blip r:embed="rId1"/>
+          <a:blip r:embed="rId3"/>
           <a:stretch/>
         </p:blipFill>
         <p:spPr>
@@ -5527,22 +6271,25 @@
       </p:pic>
     </p:spTree>
   </p:cSld>
+  <p:clrMapOvr>
+    <a:masterClrMapping/>
+  </p:clrMapOvr>
   <p:timing>
     <p:tnLst>
       <p:par>
-        <p:cTn id="9" dur="indefinite" restart="never" nodeType="tmRoot">
+        <p:cTn id="1" dur="indefinite" restart="never" nodeType="tmRoot">
           <p:childTnLst>
             <p:seq>
-              <p:cTn id="10" dur="indefinite" nodeType="mainSeq"/>
+              <p:cTn id="2" dur="indefinite" nodeType="mainSeq"/>
               <p:prevCondLst>
-                <p:cond delay="0" evt="onPrev">
+                <p:cond evt="onPrev" delay="0">
                   <p:tgtEl>
                     <p:sldTgt/>
                   </p:tgtEl>
                 </p:cond>
               </p:prevCondLst>
               <p:nextCondLst>
-                <p:cond delay="0" evt="onNext">
+                <p:cond evt="onNext" delay="0">
                   <p:tgtEl>
                     <p:sldTgt/>
                   </p:tgtEl>
@@ -5558,7 +6305,7 @@
 </file>
 
 <file path=ppt/slides/slide6.xml><?xml version="1.0" encoding="utf-8"?>
-<p:sld xmlns:a="http://schemas.openxmlformats.org/drawingml/2006/main" xmlns:p="http://schemas.openxmlformats.org/presentationml/2006/main" xmlns:r="http://schemas.openxmlformats.org/officeDocument/2006/relationships" xmlns:p14="http://schemas.microsoft.com/office/powerpoint/2010/main" xmlns:p15="http://schemas.microsoft.com/office/powerpoint/2012/main" xmlns:mc="http://schemas.openxmlformats.org/markup-compatibility/2006">
+<p:sld xmlns:a="http://schemas.openxmlformats.org/drawingml/2006/main" xmlns:r="http://schemas.openxmlformats.org/officeDocument/2006/relationships" xmlns:p="http://schemas.openxmlformats.org/presentationml/2006/main">
   <p:cSld>
     <p:spTree>
       <p:nvGrpSpPr>
@@ -5595,6 +6342,7 @@
         </p:spPr>
         <p:txBody>
           <a:bodyPr anchor="ctr"/>
+          <a:lstStyle/>
           <a:p>
             <a:pPr>
               <a:lnSpc>
@@ -5602,17 +6350,17 @@
               </a:lnSpc>
             </a:pPr>
             <a:r>
-              <a:rPr b="1" lang="ru-RU" sz="2000" spc="-1" strike="noStrike">
+              <a:rPr lang="ru-RU" sz="2000" b="1" strike="noStrike" spc="-1">
                 <a:solidFill>
-                  <a:srgbClr val="ffffff"/>
+                  <a:srgbClr val="FFFFFF"/>
                 </a:solidFill>
                 <a:latin typeface="Tahoma"/>
               </a:rPr>
               <a:t>Diagrama de Caso de Uso Caja de Cobros</a:t>
             </a:r>
-            <a:endParaRPr b="0" lang="ru-RU" sz="2000" spc="-1" strike="noStrike">
-              <a:solidFill>
-                <a:srgbClr val="4d4d4d"/>
+            <a:endParaRPr lang="ru-RU" sz="2000" b="0" strike="noStrike" spc="-1">
+              <a:solidFill>
+                <a:srgbClr val="4D4D4D"/>
               </a:solidFill>
               <a:latin typeface="Arial"/>
             </a:endParaRPr>
@@ -5621,12 +6369,12 @@
       </p:sp>
       <p:pic>
         <p:nvPicPr>
-          <p:cNvPr id="96" name="" descr=""/>
+          <p:cNvPr id="96" name="Imagen 95"/>
           <p:cNvPicPr/>
           <p:nvPr/>
         </p:nvPicPr>
         <p:blipFill>
-          <a:blip r:embed="rId1"/>
+          <a:blip r:embed="rId3"/>
           <a:stretch/>
         </p:blipFill>
         <p:spPr>
@@ -5644,22 +6392,25 @@
       </p:pic>
     </p:spTree>
   </p:cSld>
+  <p:clrMapOvr>
+    <a:masterClrMapping/>
+  </p:clrMapOvr>
   <p:timing>
     <p:tnLst>
       <p:par>
-        <p:cTn id="11" dur="indefinite" restart="never" nodeType="tmRoot">
+        <p:cTn id="1" dur="indefinite" restart="never" nodeType="tmRoot">
           <p:childTnLst>
             <p:seq>
-              <p:cTn id="12" dur="indefinite" nodeType="mainSeq"/>
+              <p:cTn id="2" dur="indefinite" nodeType="mainSeq"/>
               <p:prevCondLst>
-                <p:cond delay="0" evt="onPrev">
+                <p:cond evt="onPrev" delay="0">
                   <p:tgtEl>
                     <p:sldTgt/>
                   </p:tgtEl>
                 </p:cond>
               </p:prevCondLst>
               <p:nextCondLst>
-                <p:cond delay="0" evt="onNext">
+                <p:cond evt="onNext" delay="0">
                   <p:tgtEl>
                     <p:sldTgt/>
                   </p:tgtEl>
@@ -5675,16 +6426,17 @@
 </file>
 
 <file path=ppt/slides/slide7.xml><?xml version="1.0" encoding="utf-8"?>
-<p:sld xmlns:a="http://schemas.openxmlformats.org/drawingml/2006/main" xmlns:p="http://schemas.openxmlformats.org/presentationml/2006/main" xmlns:r="http://schemas.openxmlformats.org/officeDocument/2006/relationships" xmlns:p14="http://schemas.microsoft.com/office/powerpoint/2010/main" xmlns:p15="http://schemas.microsoft.com/office/powerpoint/2012/main" xmlns:mc="http://schemas.openxmlformats.org/markup-compatibility/2006">
+<p:sld xmlns:a="http://schemas.openxmlformats.org/drawingml/2006/main" xmlns:r="http://schemas.openxmlformats.org/officeDocument/2006/relationships" xmlns:p="http://schemas.openxmlformats.org/presentationml/2006/main">
   <p:cSld>
     <p:bg>
       <p:bgPr>
         <a:blipFill rotWithShape="0">
-          <a:blip r:embed="rId1"/>
+          <a:blip r:embed="rId3"/>
           <a:stretch>
             <a:fillRect/>
           </a:stretch>
         </a:blipFill>
+        <a:effectLst/>
       </p:bgPr>
     </p:bg>
     <p:spTree>
@@ -5722,6 +6474,7 @@
         </p:spPr>
         <p:txBody>
           <a:bodyPr anchor="ctr"/>
+          <a:lstStyle/>
           <a:p>
             <a:pPr>
               <a:lnSpc>
@@ -5729,7 +6482,7 @@
               </a:lnSpc>
             </a:pPr>
             <a:r>
-              <a:rPr b="0" lang="ru-RU" sz="2400" spc="-1" strike="noStrike">
+              <a:rPr lang="ru-RU" sz="2400" b="0" strike="noStrike" spc="-1">
                 <a:solidFill>
                   <a:srgbClr val="000000"/>
                 </a:solidFill>
@@ -5737,24 +6490,26 @@
               </a:rPr>
               <a:t>Prototipos</a:t>
             </a:r>
-            <a:endParaRPr b="0" lang="ru-RU" sz="2400" spc="-1" strike="noStrike">
-              <a:solidFill>
-                <a:srgbClr val="4d4d4d"/>
-              </a:solidFill>
-              <a:latin typeface="Arial"/>
-            </a:endParaRPr>
-          </a:p>
-        </p:txBody>
-      </p:sp>
-      <p:sp>
-        <p:nvSpPr>
-          <p:cNvPr id="98" name="TextShape 2"/>
+            <a:endParaRPr lang="ru-RU" sz="2400" b="0" strike="noStrike" spc="-1">
+              <a:solidFill>
+                <a:srgbClr val="4D4D4D"/>
+              </a:solidFill>
+              <a:latin typeface="Arial"/>
+            </a:endParaRPr>
+          </a:p>
+        </p:txBody>
+      </p:sp>
+      <p:sp>
+        <p:nvSpPr>
+          <p:cNvPr id="98" name="TextShape 2">
+            <a:hlinkClick r:id="rId4" action="ppaction://hlinkfile"/>
+          </p:cNvPr>
           <p:cNvSpPr txBox="1"/>
           <p:nvPr/>
         </p:nvSpPr>
         <p:spPr>
           <a:xfrm>
-            <a:off x="3276000" y="1556640"/>
+            <a:off x="2868037" y="1842840"/>
             <a:ext cx="4032000" cy="3888720"/>
           </a:xfrm>
           <a:prstGeom prst="rect">
@@ -5767,6 +6522,7 @@
         </p:spPr>
         <p:txBody>
           <a:bodyPr/>
+          <a:lstStyle/>
           <a:p>
             <a:pPr>
               <a:lnSpc>
@@ -5777,26 +6533,18 @@
               </a:spcBef>
             </a:pPr>
             <a:r>
-              <a:rPr b="0" lang="ru-RU" sz="2000" spc="-1" strike="noStrike">
+              <a:rPr lang="ru-RU" sz="2000" b="0" strike="noStrike" spc="-1" dirty="0">
                 <a:solidFill>
                   <a:srgbClr val="000000"/>
                 </a:solidFill>
                 <a:latin typeface="Arial"/>
+                <a:hlinkClick r:id="rId5" action="ppaction://hlinkfile"/>
               </a:rPr>
-              <a:t>Usuario</a:t>
+              <a:t>Usuario	</a:t>
             </a:r>
-            <a:r>
-              <a:rPr b="0" lang="ru-RU" sz="2000" spc="-1" strike="noStrike">
-                <a:solidFill>
-                  <a:srgbClr val="000000"/>
-                </a:solidFill>
-                <a:latin typeface="Arial"/>
-              </a:rPr>
-              <a:t>	</a:t>
-            </a:r>
-            <a:endParaRPr b="0" lang="ru-RU" sz="2000" spc="-1" strike="noStrike">
-              <a:solidFill>
-                <a:srgbClr val="ffffff"/>
+            <a:endParaRPr lang="ru-RU" sz="2000" b="0" strike="noStrike" spc="-1" dirty="0">
+              <a:solidFill>
+                <a:srgbClr val="FFFFFF"/>
               </a:solidFill>
               <a:latin typeface="Arial"/>
             </a:endParaRPr>
@@ -5811,16 +6559,17 @@
               </a:spcBef>
             </a:pPr>
             <a:r>
-              <a:rPr b="0" lang="ru-RU" sz="2000" spc="-1" strike="noStrike">
+              <a:rPr lang="ru-RU" sz="2000" b="0" strike="noStrike" spc="-1" dirty="0">
                 <a:solidFill>
                   <a:srgbClr val="000000"/>
                 </a:solidFill>
                 <a:latin typeface="Arial"/>
+                <a:hlinkClick r:id="rId4" action="ppaction://hlinkfile"/>
               </a:rPr>
               <a:t>Vehículo</a:t>
             </a:r>
             <a:r>
-              <a:rPr b="0" lang="ru-RU" sz="2000" spc="-1" strike="noStrike">
+              <a:rPr lang="ru-RU" sz="2000" b="0" strike="noStrike" spc="-1" dirty="0">
                 <a:solidFill>
                   <a:srgbClr val="000000"/>
                 </a:solidFill>
@@ -5828,9 +6577,9 @@
               </a:rPr>
               <a:t>	</a:t>
             </a:r>
-            <a:endParaRPr b="0" lang="ru-RU" sz="2000" spc="-1" strike="noStrike">
-              <a:solidFill>
-                <a:srgbClr val="ffffff"/>
+            <a:endParaRPr lang="ru-RU" sz="2000" b="0" strike="noStrike" spc="-1" dirty="0">
+              <a:solidFill>
+                <a:srgbClr val="FFFFFF"/>
               </a:solidFill>
               <a:latin typeface="Arial"/>
             </a:endParaRPr>
@@ -5845,16 +6594,17 @@
               </a:spcBef>
             </a:pPr>
             <a:r>
-              <a:rPr b="0" lang="ru-RU" sz="2000" spc="-1" strike="noStrike">
+              <a:rPr lang="ru-RU" sz="2000" b="0" strike="noStrike" spc="-1" dirty="0">
                 <a:solidFill>
                   <a:srgbClr val="000000"/>
                 </a:solidFill>
                 <a:latin typeface="Arial"/>
+                <a:hlinkClick r:id="rId6" action="ppaction://hlinkfile"/>
               </a:rPr>
               <a:t>Cliente</a:t>
             </a:r>
             <a:r>
-              <a:rPr b="0" lang="ru-RU" sz="2000" spc="-1" strike="noStrike">
+              <a:rPr lang="ru-RU" sz="2000" b="0" strike="noStrike" spc="-1" dirty="0">
                 <a:solidFill>
                   <a:srgbClr val="000000"/>
                 </a:solidFill>
@@ -5862,9 +6612,9 @@
               </a:rPr>
               <a:t>	</a:t>
             </a:r>
-            <a:endParaRPr b="0" lang="ru-RU" sz="2000" spc="-1" strike="noStrike">
-              <a:solidFill>
-                <a:srgbClr val="ffffff"/>
+            <a:endParaRPr lang="ru-RU" sz="2000" b="0" strike="noStrike" spc="-1" dirty="0">
+              <a:solidFill>
+                <a:srgbClr val="FFFFFF"/>
               </a:solidFill>
               <a:latin typeface="Arial"/>
             </a:endParaRPr>
@@ -5879,16 +6629,17 @@
               </a:spcBef>
             </a:pPr>
             <a:r>
-              <a:rPr b="0" lang="ru-RU" sz="2000" spc="-1" strike="noStrike">
+              <a:rPr lang="ru-RU" sz="2000" b="0" strike="noStrike" spc="-1" dirty="0">
                 <a:solidFill>
                   <a:srgbClr val="000000"/>
                 </a:solidFill>
                 <a:latin typeface="Arial"/>
+                <a:hlinkClick r:id="rId7" action="ppaction://hlinkfile"/>
               </a:rPr>
               <a:t>Tipo Bahía</a:t>
             </a:r>
             <a:r>
-              <a:rPr b="0" lang="ru-RU" sz="2000" spc="-1" strike="noStrike">
+              <a:rPr lang="ru-RU" sz="2000" b="0" strike="noStrike" spc="-1" dirty="0">
                 <a:solidFill>
                   <a:srgbClr val="000000"/>
                 </a:solidFill>
@@ -5896,9 +6647,9 @@
               </a:rPr>
               <a:t>	</a:t>
             </a:r>
-            <a:endParaRPr b="0" lang="ru-RU" sz="2000" spc="-1" strike="noStrike">
-              <a:solidFill>
-                <a:srgbClr val="ffffff"/>
+            <a:endParaRPr lang="ru-RU" sz="2000" b="0" strike="noStrike" spc="-1" dirty="0">
+              <a:solidFill>
+                <a:srgbClr val="FFFFFF"/>
               </a:solidFill>
               <a:latin typeface="Arial"/>
             </a:endParaRPr>
@@ -5913,16 +6664,17 @@
               </a:spcBef>
             </a:pPr>
             <a:r>
-              <a:rPr b="0" lang="ru-RU" sz="2000" spc="-1" strike="noStrike">
+              <a:rPr lang="ru-RU" sz="2000" b="0" strike="noStrike" spc="-1" dirty="0">
                 <a:solidFill>
                   <a:srgbClr val="000000"/>
                 </a:solidFill>
                 <a:latin typeface="Arial"/>
+                <a:hlinkClick r:id="rId8" action="ppaction://hlinkfile"/>
               </a:rPr>
               <a:t>Zona</a:t>
             </a:r>
             <a:r>
-              <a:rPr b="0" lang="ru-RU" sz="2000" spc="-1" strike="noStrike">
+              <a:rPr lang="ru-RU" sz="2000" b="0" strike="noStrike" spc="-1" dirty="0">
                 <a:solidFill>
                   <a:srgbClr val="000000"/>
                 </a:solidFill>
@@ -5930,9 +6682,9 @@
               </a:rPr>
               <a:t>	</a:t>
             </a:r>
-            <a:endParaRPr b="0" lang="ru-RU" sz="2000" spc="-1" strike="noStrike">
-              <a:solidFill>
-                <a:srgbClr val="ffffff"/>
+            <a:endParaRPr lang="ru-RU" sz="2000" b="0" strike="noStrike" spc="-1" dirty="0">
+              <a:solidFill>
+                <a:srgbClr val="FFFFFF"/>
               </a:solidFill>
               <a:latin typeface="Arial"/>
             </a:endParaRPr>
@@ -5947,16 +6699,17 @@
               </a:spcBef>
             </a:pPr>
             <a:r>
-              <a:rPr b="0" lang="ru-RU" sz="2000" spc="-1" strike="noStrike">
+              <a:rPr lang="ru-RU" sz="2000" b="0" strike="noStrike" spc="-1" dirty="0">
                 <a:solidFill>
                   <a:srgbClr val="000000"/>
                 </a:solidFill>
                 <a:latin typeface="Arial"/>
+                <a:hlinkClick r:id="rId9" action="ppaction://hlinkfile"/>
               </a:rPr>
               <a:t>Bahía</a:t>
             </a:r>
             <a:r>
-              <a:rPr b="0" lang="ru-RU" sz="2000" spc="-1" strike="noStrike">
+              <a:rPr lang="ru-RU" sz="2000" b="0" strike="noStrike" spc="-1" dirty="0">
                 <a:solidFill>
                   <a:srgbClr val="000000"/>
                 </a:solidFill>
@@ -5964,9 +6717,9 @@
               </a:rPr>
               <a:t>	</a:t>
             </a:r>
-            <a:endParaRPr b="0" lang="ru-RU" sz="2000" spc="-1" strike="noStrike">
-              <a:solidFill>
-                <a:srgbClr val="ffffff"/>
+            <a:endParaRPr lang="ru-RU" sz="2000" b="0" strike="noStrike" spc="-1" dirty="0">
+              <a:solidFill>
+                <a:srgbClr val="FFFFFF"/>
               </a:solidFill>
               <a:latin typeface="Arial"/>
             </a:endParaRPr>
@@ -5981,16 +6734,17 @@
               </a:spcBef>
             </a:pPr>
             <a:r>
-              <a:rPr b="0" lang="ru-RU" sz="2000" spc="-1" strike="noStrike">
+              <a:rPr lang="ru-RU" sz="2000" b="0" strike="noStrike" spc="-1" dirty="0">
                 <a:solidFill>
                   <a:srgbClr val="000000"/>
                 </a:solidFill>
                 <a:latin typeface="Arial"/>
+                <a:hlinkClick r:id="rId10" action="ppaction://hlinkfile"/>
               </a:rPr>
               <a:t>Marca</a:t>
             </a:r>
             <a:r>
-              <a:rPr b="0" lang="ru-RU" sz="2000" spc="-1" strike="noStrike">
+              <a:rPr lang="ru-RU" sz="2000" b="0" strike="noStrike" spc="-1" dirty="0">
                 <a:solidFill>
                   <a:srgbClr val="000000"/>
                 </a:solidFill>
@@ -5998,9 +6752,9 @@
               </a:rPr>
               <a:t>	</a:t>
             </a:r>
-            <a:endParaRPr b="0" lang="ru-RU" sz="2000" spc="-1" strike="noStrike">
-              <a:solidFill>
-                <a:srgbClr val="ffffff"/>
+            <a:endParaRPr lang="ru-RU" sz="2000" b="0" strike="noStrike" spc="-1" dirty="0">
+              <a:solidFill>
+                <a:srgbClr val="FFFFFF"/>
               </a:solidFill>
               <a:latin typeface="Arial"/>
             </a:endParaRPr>
@@ -6015,16 +6769,17 @@
               </a:spcBef>
             </a:pPr>
             <a:r>
-              <a:rPr b="0" lang="ru-RU" sz="2000" spc="-1" strike="noStrike">
+              <a:rPr lang="ru-RU" sz="2000" b="0" strike="noStrike" spc="-1" dirty="0">
                 <a:solidFill>
                   <a:srgbClr val="000000"/>
                 </a:solidFill>
                 <a:latin typeface="Arial"/>
+                <a:hlinkClick r:id="rId11" action="ppaction://hlinkfile"/>
               </a:rPr>
               <a:t>Tipo Vehículo</a:t>
             </a:r>
             <a:r>
-              <a:rPr b="0" lang="ru-RU" sz="2000" spc="-1" strike="noStrike">
+              <a:rPr lang="ru-RU" sz="2000" b="0" strike="noStrike" spc="-1" dirty="0">
                 <a:solidFill>
                   <a:srgbClr val="000000"/>
                 </a:solidFill>
@@ -6032,9 +6787,9 @@
               </a:rPr>
               <a:t>	</a:t>
             </a:r>
-            <a:endParaRPr b="0" lang="ru-RU" sz="2000" spc="-1" strike="noStrike">
-              <a:solidFill>
-                <a:srgbClr val="ffffff"/>
+            <a:endParaRPr lang="ru-RU" sz="2000" b="0" strike="noStrike" spc="-1" dirty="0">
+              <a:solidFill>
+                <a:srgbClr val="FFFFFF"/>
               </a:solidFill>
               <a:latin typeface="Arial"/>
             </a:endParaRPr>
@@ -6049,17 +6804,18 @@
               </a:spcBef>
             </a:pPr>
             <a:r>
-              <a:rPr b="0" lang="ru-RU" sz="2000" spc="-1" strike="noStrike">
+              <a:rPr lang="ru-RU" sz="2000" b="0" strike="noStrike" spc="-1" dirty="0">
                 <a:solidFill>
                   <a:srgbClr val="000000"/>
                 </a:solidFill>
                 <a:latin typeface="Arial"/>
+                <a:hlinkClick r:id="rId12" action="ppaction://hlinkfile"/>
               </a:rPr>
               <a:t>Entrada y Salida de Vehículos</a:t>
             </a:r>
-            <a:endParaRPr b="0" lang="ru-RU" sz="2000" spc="-1" strike="noStrike">
-              <a:solidFill>
-                <a:srgbClr val="ffffff"/>
+            <a:endParaRPr lang="ru-RU" sz="2000" b="0" strike="noStrike" spc="-1" dirty="0">
+              <a:solidFill>
+                <a:srgbClr val="FFFFFF"/>
               </a:solidFill>
               <a:latin typeface="Arial"/>
             </a:endParaRPr>
@@ -6074,17 +6830,18 @@
               </a:spcBef>
             </a:pPr>
             <a:r>
-              <a:rPr b="0" lang="ru-RU" sz="2000" spc="-1" strike="noStrike">
+              <a:rPr lang="ru-RU" sz="2000" b="0" strike="noStrike" spc="-1" dirty="0">
                 <a:solidFill>
                   <a:srgbClr val="000000"/>
                 </a:solidFill>
                 <a:latin typeface="Arial"/>
+                <a:hlinkClick r:id="rId13" action="ppaction://hlinkfile"/>
               </a:rPr>
               <a:t>Caja de Cobros</a:t>
             </a:r>
-            <a:endParaRPr b="0" lang="ru-RU" sz="2000" spc="-1" strike="noStrike">
-              <a:solidFill>
-                <a:srgbClr val="ffffff"/>
+            <a:endParaRPr lang="ru-RU" sz="2000" b="0" strike="noStrike" spc="-1" dirty="0">
+              <a:solidFill>
+                <a:srgbClr val="FFFFFF"/>
               </a:solidFill>
               <a:latin typeface="Arial"/>
             </a:endParaRPr>
@@ -6111,13 +6868,20 @@
           </a:ln>
         </p:spPr>
         <p:style>
-          <a:lnRef idx="0"/>
-          <a:fillRef idx="0"/>
-          <a:effectRef idx="0"/>
+          <a:lnRef idx="0">
+            <a:scrgbClr r="0" g="0" b="0"/>
+          </a:lnRef>
+          <a:fillRef idx="0">
+            <a:scrgbClr r="0" g="0" b="0"/>
+          </a:fillRef>
+          <a:effectRef idx="0">
+            <a:scrgbClr r="0" g="0" b="0"/>
+          </a:effectRef>
           <a:fontRef idx="minor"/>
         </p:style>
         <p:txBody>
           <a:bodyPr anchor="ctr"/>
+          <a:lstStyle/>
           <a:p>
             <a:pPr>
               <a:lnSpc>
@@ -6125,7 +6889,7 @@
               </a:lnSpc>
             </a:pPr>
             <a:r>
-              <a:rPr b="0" lang="es-PY" sz="2400" spc="-1" strike="noStrike">
+              <a:rPr lang="es-PY" sz="2400" b="0" strike="noStrike" spc="-1">
                 <a:solidFill>
                   <a:srgbClr val="000000"/>
                 </a:solidFill>
@@ -6133,7 +6897,7 @@
               </a:rPr>
               <a:t>Diagramas de Clases y Secuencias</a:t>
             </a:r>
-            <a:endParaRPr b="0" lang="es-PY" sz="2400" spc="-1" strike="noStrike">
+            <a:endParaRPr lang="es-PY" sz="2400" b="0" strike="noStrike" spc="-1">
               <a:latin typeface="Arial"/>
             </a:endParaRPr>
           </a:p>
@@ -6141,22 +6905,25 @@
       </p:sp>
     </p:spTree>
   </p:cSld>
+  <p:clrMapOvr>
+    <a:masterClrMapping/>
+  </p:clrMapOvr>
   <p:timing>
     <p:tnLst>
       <p:par>
-        <p:cTn id="13" dur="indefinite" restart="never" nodeType="tmRoot">
+        <p:cTn id="1" dur="indefinite" restart="never" nodeType="tmRoot">
           <p:childTnLst>
             <p:seq>
-              <p:cTn id="14" dur="indefinite" nodeType="mainSeq"/>
+              <p:cTn id="2" dur="indefinite" nodeType="mainSeq"/>
               <p:prevCondLst>
-                <p:cond delay="0" evt="onPrev">
+                <p:cond evt="onPrev" delay="0">
                   <p:tgtEl>
                     <p:sldTgt/>
                   </p:tgtEl>
                 </p:cond>
               </p:prevCondLst>
               <p:nextCondLst>
-                <p:cond delay="0" evt="onNext">
+                <p:cond evt="onNext" delay="0">
                   <p:tgtEl>
                     <p:sldTgt/>
                   </p:tgtEl>
@@ -6172,7 +6939,7 @@
 </file>
 
 <file path=ppt/slides/slide8.xml><?xml version="1.0" encoding="utf-8"?>
-<p:sld xmlns:a="http://schemas.openxmlformats.org/drawingml/2006/main" xmlns:p="http://schemas.openxmlformats.org/presentationml/2006/main" xmlns:r="http://schemas.openxmlformats.org/officeDocument/2006/relationships" xmlns:p14="http://schemas.microsoft.com/office/powerpoint/2010/main" xmlns:p15="http://schemas.microsoft.com/office/powerpoint/2012/main" xmlns:mc="http://schemas.openxmlformats.org/markup-compatibility/2006">
+<p:sld xmlns:a="http://schemas.openxmlformats.org/drawingml/2006/main" xmlns:r="http://schemas.openxmlformats.org/officeDocument/2006/relationships" xmlns:p="http://schemas.openxmlformats.org/presentationml/2006/main">
   <p:cSld>
     <p:spTree>
       <p:nvGrpSpPr>
@@ -6209,6 +6976,7 @@
         </p:spPr>
         <p:txBody>
           <a:bodyPr anchor="ctr"/>
+          <a:lstStyle/>
           <a:p>
             <a:pPr>
               <a:lnSpc>
@@ -6216,17 +6984,17 @@
               </a:lnSpc>
             </a:pPr>
             <a:r>
-              <a:rPr b="1" lang="ru-RU" sz="4400" spc="-1" strike="noStrike">
+              <a:rPr lang="ru-RU" sz="4400" b="1" strike="noStrike" spc="-1">
                 <a:solidFill>
-                  <a:srgbClr val="ffffff"/>
+                  <a:srgbClr val="FFFFFF"/>
                 </a:solidFill>
                 <a:latin typeface="Tahoma"/>
               </a:rPr>
               <a:t>Muchas Gracias!!</a:t>
             </a:r>
-            <a:endParaRPr b="0" lang="ru-RU" sz="4400" spc="-1" strike="noStrike">
-              <a:solidFill>
-                <a:srgbClr val="4d4d4d"/>
+            <a:endParaRPr lang="ru-RU" sz="4400" b="0" strike="noStrike" spc="-1">
+              <a:solidFill>
+                <a:srgbClr val="4D4D4D"/>
               </a:solidFill>
               <a:latin typeface="Arial"/>
             </a:endParaRPr>
@@ -6235,22 +7003,25 @@
       </p:sp>
     </p:spTree>
   </p:cSld>
+  <p:clrMapOvr>
+    <a:masterClrMapping/>
+  </p:clrMapOvr>
   <p:timing>
     <p:tnLst>
       <p:par>
-        <p:cTn id="15" dur="indefinite" restart="never" nodeType="tmRoot">
+        <p:cTn id="1" dur="indefinite" restart="never" nodeType="tmRoot">
           <p:childTnLst>
             <p:seq>
-              <p:cTn id="16" dur="indefinite" nodeType="mainSeq"/>
+              <p:cTn id="2" dur="indefinite" nodeType="mainSeq"/>
               <p:prevCondLst>
-                <p:cond delay="0" evt="onPrev">
+                <p:cond evt="onPrev" delay="0">
                   <p:tgtEl>
                     <p:sldTgt/>
                   </p:tgtEl>
                 </p:cond>
               </p:prevCondLst>
               <p:nextCondLst>
-                <p:cond delay="0" evt="onNext">
+                <p:cond evt="onNext" delay="0">
                   <p:tgtEl>
                     <p:sldTgt/>
                   </p:tgtEl>
@@ -6276,34 +7047,34 @@
         <a:sysClr val="window" lastClr="FFFFFF"/>
       </a:lt1>
       <a:dk2>
-        <a:srgbClr val="4d4d4d"/>
+        <a:srgbClr val="4D4D4D"/>
       </a:dk2>
       <a:lt2>
-        <a:srgbClr val="2e3236"/>
+        <a:srgbClr val="2E3236"/>
       </a:lt2>
       <a:accent1>
-        <a:srgbClr val="9bb6ee"/>
+        <a:srgbClr val="9BB6EE"/>
       </a:accent1>
       <a:accent2>
-        <a:srgbClr val="6f7f8d"/>
+        <a:srgbClr val="6F7F8D"/>
       </a:accent2>
       <a:accent3>
-        <a:srgbClr val="ffffff"/>
+        <a:srgbClr val="FFFFFF"/>
       </a:accent3>
       <a:accent4>
         <a:srgbClr val="404040"/>
       </a:accent4>
       <a:accent5>
-        <a:srgbClr val="cbd7f5"/>
+        <a:srgbClr val="CBD7F5"/>
       </a:accent5>
       <a:accent6>
-        <a:srgbClr val="64727f"/>
+        <a:srgbClr val="64727F"/>
       </a:accent6>
       <a:hlink>
-        <a:srgbClr val="84aaf3"/>
+        <a:srgbClr val="84AAF3"/>
       </a:hlink>
       <a:folHlink>
-        <a:srgbClr val="dddddd"/>
+        <a:srgbClr val="DDDDDD"/>
       </a:folHlink>
     </a:clrScheme>
     <a:fontScheme name="Office">
@@ -6485,6 +7256,8 @@
       </a:bgFillStyleLst>
     </a:fmtScheme>
   </a:themeElements>
+  <a:objectDefaults/>
+  <a:extraClrSchemeLst/>
 </a:theme>
 </file>
 
@@ -6499,34 +7272,34 @@
         <a:sysClr val="window" lastClr="FFFFFF"/>
       </a:lt1>
       <a:dk2>
-        <a:srgbClr val="4d4d4d"/>
+        <a:srgbClr val="4D4D4D"/>
       </a:dk2>
       <a:lt2>
-        <a:srgbClr val="2e3236"/>
+        <a:srgbClr val="2E3236"/>
       </a:lt2>
       <a:accent1>
-        <a:srgbClr val="9bb6ee"/>
+        <a:srgbClr val="9BB6EE"/>
       </a:accent1>
       <a:accent2>
-        <a:srgbClr val="6f7f8d"/>
+        <a:srgbClr val="6F7F8D"/>
       </a:accent2>
       <a:accent3>
-        <a:srgbClr val="ffffff"/>
+        <a:srgbClr val="FFFFFF"/>
       </a:accent3>
       <a:accent4>
         <a:srgbClr val="404040"/>
       </a:accent4>
       <a:accent5>
-        <a:srgbClr val="cbd7f5"/>
+        <a:srgbClr val="CBD7F5"/>
       </a:accent5>
       <a:accent6>
-        <a:srgbClr val="64727f"/>
+        <a:srgbClr val="64727F"/>
       </a:accent6>
       <a:hlink>
-        <a:srgbClr val="84aaf3"/>
+        <a:srgbClr val="84AAF3"/>
       </a:hlink>
       <a:folHlink>
-        <a:srgbClr val="dddddd"/>
+        <a:srgbClr val="DDDDDD"/>
       </a:folHlink>
     </a:clrScheme>
     <a:fontScheme name="Office">
@@ -6708,6 +7481,8 @@
       </a:bgFillStyleLst>
     </a:fmtScheme>
   </a:themeElements>
+  <a:objectDefaults/>
+  <a:extraClrSchemeLst/>
 </a:theme>
 </file>
 
@@ -6722,34 +7497,34 @@
         <a:sysClr val="window" lastClr="FFFFFF"/>
       </a:lt1>
       <a:dk2>
-        <a:srgbClr val="4d4d4d"/>
+        <a:srgbClr val="4D4D4D"/>
       </a:dk2>
       <a:lt2>
-        <a:srgbClr val="2e3236"/>
+        <a:srgbClr val="2E3236"/>
       </a:lt2>
       <a:accent1>
-        <a:srgbClr val="9bb6ee"/>
+        <a:srgbClr val="9BB6EE"/>
       </a:accent1>
       <a:accent2>
-        <a:srgbClr val="6f7f8d"/>
+        <a:srgbClr val="6F7F8D"/>
       </a:accent2>
       <a:accent3>
-        <a:srgbClr val="ffffff"/>
+        <a:srgbClr val="FFFFFF"/>
       </a:accent3>
       <a:accent4>
         <a:srgbClr val="404040"/>
       </a:accent4>
       <a:accent5>
-        <a:srgbClr val="cbd7f5"/>
+        <a:srgbClr val="CBD7F5"/>
       </a:accent5>
       <a:accent6>
-        <a:srgbClr val="64727f"/>
+        <a:srgbClr val="64727F"/>
       </a:accent6>
       <a:hlink>
-        <a:srgbClr val="84aaf3"/>
+        <a:srgbClr val="84AAF3"/>
       </a:hlink>
       <a:folHlink>
-        <a:srgbClr val="dddddd"/>
+        <a:srgbClr val="DDDDDD"/>
       </a:folHlink>
     </a:clrScheme>
     <a:fontScheme name="Office">
@@ -6931,5 +7706,7 @@
       </a:bgFillStyleLst>
     </a:fmtScheme>
   </a:themeElements>
+  <a:objectDefaults/>
+  <a:extraClrSchemeLst/>
 </a:theme>
 </file>